--- a/CalendarioAgo2022/presentaciones/14_POO.pptx
+++ b/CalendarioAgo2022/presentaciones/14_POO.pptx
@@ -5,7 +5,7 @@
     <p:sldMasterId id="2147483648" r:id="rId1"/>
   </p:sldMasterIdLst>
   <p:notesMasterIdLst>
-    <p:notesMasterId r:id="rId60"/>
+    <p:notesMasterId r:id="rId61"/>
   </p:notesMasterIdLst>
   <p:sldIdLst>
     <p:sldId id="293" r:id="rId2"/>
@@ -38,34 +38,35 @@
     <p:sldId id="617" r:id="rId29"/>
     <p:sldId id="618" r:id="rId30"/>
     <p:sldId id="620" r:id="rId31"/>
-    <p:sldId id="619" r:id="rId32"/>
-    <p:sldId id="621" r:id="rId33"/>
-    <p:sldId id="622" r:id="rId34"/>
-    <p:sldId id="623" r:id="rId35"/>
-    <p:sldId id="624" r:id="rId36"/>
-    <p:sldId id="625" r:id="rId37"/>
-    <p:sldId id="626" r:id="rId38"/>
-    <p:sldId id="627" r:id="rId39"/>
-    <p:sldId id="628" r:id="rId40"/>
-    <p:sldId id="629" r:id="rId41"/>
-    <p:sldId id="630" r:id="rId42"/>
-    <p:sldId id="631" r:id="rId43"/>
-    <p:sldId id="632" r:id="rId44"/>
-    <p:sldId id="669" r:id="rId45"/>
-    <p:sldId id="634" r:id="rId46"/>
-    <p:sldId id="668" r:id="rId47"/>
-    <p:sldId id="571" r:id="rId48"/>
-    <p:sldId id="572" r:id="rId49"/>
-    <p:sldId id="573" r:id="rId50"/>
-    <p:sldId id="576" r:id="rId51"/>
-    <p:sldId id="577" r:id="rId52"/>
-    <p:sldId id="579" r:id="rId53"/>
-    <p:sldId id="580" r:id="rId54"/>
-    <p:sldId id="583" r:id="rId55"/>
-    <p:sldId id="584" r:id="rId56"/>
-    <p:sldId id="581" r:id="rId57"/>
-    <p:sldId id="586" r:id="rId58"/>
-    <p:sldId id="282" r:id="rId59"/>
+    <p:sldId id="670" r:id="rId32"/>
+    <p:sldId id="619" r:id="rId33"/>
+    <p:sldId id="621" r:id="rId34"/>
+    <p:sldId id="622" r:id="rId35"/>
+    <p:sldId id="623" r:id="rId36"/>
+    <p:sldId id="624" r:id="rId37"/>
+    <p:sldId id="625" r:id="rId38"/>
+    <p:sldId id="626" r:id="rId39"/>
+    <p:sldId id="627" r:id="rId40"/>
+    <p:sldId id="628" r:id="rId41"/>
+    <p:sldId id="629" r:id="rId42"/>
+    <p:sldId id="630" r:id="rId43"/>
+    <p:sldId id="631" r:id="rId44"/>
+    <p:sldId id="632" r:id="rId45"/>
+    <p:sldId id="669" r:id="rId46"/>
+    <p:sldId id="634" r:id="rId47"/>
+    <p:sldId id="668" r:id="rId48"/>
+    <p:sldId id="571" r:id="rId49"/>
+    <p:sldId id="572" r:id="rId50"/>
+    <p:sldId id="573" r:id="rId51"/>
+    <p:sldId id="576" r:id="rId52"/>
+    <p:sldId id="577" r:id="rId53"/>
+    <p:sldId id="579" r:id="rId54"/>
+    <p:sldId id="580" r:id="rId55"/>
+    <p:sldId id="583" r:id="rId56"/>
+    <p:sldId id="584" r:id="rId57"/>
+    <p:sldId id="581" r:id="rId58"/>
+    <p:sldId id="586" r:id="rId59"/>
+    <p:sldId id="282" r:id="rId60"/>
   </p:sldIdLst>
   <p:sldSz cx="9144000" cy="6858000" type="screen4x3"/>
   <p:notesSz cx="6858000" cy="9144000"/>
@@ -766,7 +767,7 @@
           <a:p>
             <a:fld id="{6BAB4312-99A1-4CE9-ACE7-4C62E9FD90EE}" type="slidenum">
               <a:rPr lang="es-MX" smtClean="0"/>
-              <a:t>47</a:t>
+              <a:t>48</a:t>
             </a:fld>
             <a:endParaRPr lang="es-MX" dirty="0"/>
           </a:p>
@@ -900,7 +901,7 @@
           <a:p>
             <a:fld id="{6BAB4312-99A1-4CE9-ACE7-4C62E9FD90EE}" type="slidenum">
               <a:rPr lang="es-MX" smtClean="0"/>
-              <a:t>51</a:t>
+              <a:t>52</a:t>
             </a:fld>
             <a:endParaRPr lang="es-MX" dirty="0"/>
           </a:p>
@@ -984,7 +985,7 @@
           <a:p>
             <a:fld id="{6BAB4312-99A1-4CE9-ACE7-4C62E9FD90EE}" type="slidenum">
               <a:rPr lang="es-MX" smtClean="0"/>
-              <a:t>53</a:t>
+              <a:t>54</a:t>
             </a:fld>
             <a:endParaRPr lang="es-MX" dirty="0"/>
           </a:p>
@@ -18176,6 +18177,326 @@
       </p:grpSpPr>
       <p:sp>
         <p:nvSpPr>
+          <p:cNvPr id="4" name="Rectangle 2">
+            <a:extLst>
+              <a:ext uri="{FF2B5EF4-FFF2-40B4-BE49-F238E27FC236}">
+                <a16:creationId xmlns:a16="http://schemas.microsoft.com/office/drawing/2014/main" id="{7CE40F4F-E91D-42FD-B661-EAA8BC18ABC8}"/>
+              </a:ext>
+            </a:extLst>
+          </p:cNvPr>
+          <p:cNvSpPr txBox="1">
+            <a:spLocks noChangeArrowheads="1"/>
+          </p:cNvSpPr>
+          <p:nvPr/>
+        </p:nvSpPr>
+        <p:spPr>
+          <a:xfrm>
+            <a:off x="323528" y="-27384"/>
+            <a:ext cx="8391846" cy="1143001"/>
+          </a:xfrm>
+          <a:prstGeom prst="rect">
+            <a:avLst/>
+          </a:prstGeom>
+        </p:spPr>
+        <p:txBody>
+          <a:bodyPr vert="horz" lIns="91440" tIns="45720" rIns="91440" bIns="45720" rtlCol="0" anchor="ctr">
+            <a:normAutofit/>
+          </a:bodyPr>
+          <a:lstStyle>
+            <a:lvl1pPr algn="ctr" defTabSz="914400" rtl="0" eaLnBrk="1" latinLnBrk="0" hangingPunct="1">
+              <a:spcBef>
+                <a:spcPct val="0"/>
+              </a:spcBef>
+              <a:buNone/>
+              <a:defRPr sz="4400" kern="1200">
+                <a:solidFill>
+                  <a:schemeClr val="tx1"/>
+                </a:solidFill>
+                <a:latin typeface="+mj-lt"/>
+                <a:ea typeface="+mj-ea"/>
+                <a:cs typeface="+mj-cs"/>
+              </a:defRPr>
+            </a:lvl1pPr>
+          </a:lstStyle>
+          <a:p>
+            <a:r>
+              <a:rPr lang="es-ES_tradnl" altLang="es-MX" sz="3600" b="1" dirty="0">
+                <a:solidFill>
+                  <a:schemeClr val="accent4">
+                    <a:lumMod val="50000"/>
+                  </a:schemeClr>
+                </a:solidFill>
+                <a:effectLst>
+                  <a:outerShdw blurRad="38100" dist="38100" dir="2700000" algn="tl">
+                    <a:srgbClr val="C0C0C0"/>
+                  </a:outerShdw>
+                </a:effectLst>
+                <a:latin typeface="Dom Casual" charset="0"/>
+              </a:rPr>
+              <a:t>Atributos de clase y atributos de instancia</a:t>
+            </a:r>
+          </a:p>
+        </p:txBody>
+      </p:sp>
+      <p:sp>
+        <p:nvSpPr>
+          <p:cNvPr id="7" name="CuadroTexto 6">
+            <a:extLst>
+              <a:ext uri="{FF2B5EF4-FFF2-40B4-BE49-F238E27FC236}">
+                <a16:creationId xmlns:a16="http://schemas.microsoft.com/office/drawing/2014/main" id="{563E2DE3-CD98-4F49-9265-70EF73D24688}"/>
+              </a:ext>
+            </a:extLst>
+          </p:cNvPr>
+          <p:cNvSpPr txBox="1"/>
+          <p:nvPr/>
+        </p:nvSpPr>
+        <p:spPr>
+          <a:xfrm>
+            <a:off x="428624" y="1268760"/>
+            <a:ext cx="8286750" cy="2085443"/>
+          </a:xfrm>
+          <a:prstGeom prst="rect">
+            <a:avLst/>
+          </a:prstGeom>
+          <a:noFill/>
+        </p:spPr>
+        <p:txBody>
+          <a:bodyPr wrap="square" rtlCol="0">
+            <a:spAutoFit/>
+          </a:bodyPr>
+          <a:lstStyle/>
+          <a:p>
+            <a:pPr marL="285750" indent="-285750" algn="just">
+              <a:lnSpc>
+                <a:spcPct val="150000"/>
+              </a:lnSpc>
+              <a:buFont typeface="Arial" panose="020B0604020202020204" pitchFamily="34" charset="0"/>
+              <a:buChar char="•"/>
+            </a:pPr>
+            <a:r>
+              <a:rPr lang="es-ES" dirty="0"/>
+              <a:t>Los </a:t>
+            </a:r>
+            <a:r>
+              <a:rPr lang="es-ES" b="1" dirty="0">
+                <a:solidFill>
+                  <a:schemeClr val="accent6">
+                    <a:lumMod val="75000"/>
+                  </a:schemeClr>
+                </a:solidFill>
+              </a:rPr>
+              <a:t>atributos de clase </a:t>
+            </a:r>
+            <a:r>
+              <a:rPr lang="es-ES" dirty="0"/>
+              <a:t>son atributos compartidos por todas las instancias de esa clase.</a:t>
+            </a:r>
+          </a:p>
+          <a:p>
+            <a:pPr marL="285750" indent="-285750" algn="just">
+              <a:lnSpc>
+                <a:spcPct val="150000"/>
+              </a:lnSpc>
+              <a:buFont typeface="Arial" panose="020B0604020202020204" pitchFamily="34" charset="0"/>
+              <a:buChar char="•"/>
+            </a:pPr>
+            <a:r>
+              <a:rPr lang="es-ES" dirty="0"/>
+              <a:t>Los </a:t>
+            </a:r>
+            <a:r>
+              <a:rPr lang="es-ES" b="1" dirty="0">
+                <a:solidFill>
+                  <a:schemeClr val="accent6">
+                    <a:lumMod val="75000"/>
+                  </a:schemeClr>
+                </a:solidFill>
+              </a:rPr>
+              <a:t>atributos de instancia </a:t>
+            </a:r>
+            <a:r>
+              <a:rPr lang="es-ES" dirty="0"/>
+              <a:t>son atributos únicos para cada uno de los objetos pertenecientes a dicha clase.</a:t>
+            </a:r>
+          </a:p>
+          <a:p>
+            <a:pPr>
+              <a:lnSpc>
+                <a:spcPct val="150000"/>
+              </a:lnSpc>
+            </a:pPr>
+            <a:endParaRPr lang="es-ES" sz="1600" dirty="0"/>
+          </a:p>
+        </p:txBody>
+      </p:sp>
+      <p:pic>
+        <p:nvPicPr>
+          <p:cNvPr id="5" name="Imagen 4">
+            <a:extLst>
+              <a:ext uri="{FF2B5EF4-FFF2-40B4-BE49-F238E27FC236}">
+                <a16:creationId xmlns:a16="http://schemas.microsoft.com/office/drawing/2014/main" id="{CB8722E6-87ED-473F-9884-A44CEDCB6E03}"/>
+              </a:ext>
+            </a:extLst>
+          </p:cNvPr>
+          <p:cNvPicPr>
+            <a:picLocks noChangeAspect="1"/>
+          </p:cNvPicPr>
+          <p:nvPr/>
+        </p:nvPicPr>
+        <p:blipFill>
+          <a:blip r:embed="rId2"/>
+          <a:stretch>
+            <a:fillRect/>
+          </a:stretch>
+        </p:blipFill>
+        <p:spPr>
+          <a:xfrm>
+            <a:off x="3442917" y="2924944"/>
+            <a:ext cx="5148684" cy="3340480"/>
+          </a:xfrm>
+          <a:prstGeom prst="rect">
+            <a:avLst/>
+          </a:prstGeom>
+        </p:spPr>
+      </p:pic>
+      <p:sp>
+        <p:nvSpPr>
+          <p:cNvPr id="6" name="Rectángulo 5">
+            <a:extLst>
+              <a:ext uri="{FF2B5EF4-FFF2-40B4-BE49-F238E27FC236}">
+                <a16:creationId xmlns:a16="http://schemas.microsoft.com/office/drawing/2014/main" id="{A7DA5945-6DD0-44F2-A1D0-BF72577A8648}"/>
+              </a:ext>
+            </a:extLst>
+          </p:cNvPr>
+          <p:cNvSpPr/>
+          <p:nvPr/>
+        </p:nvSpPr>
+        <p:spPr>
+          <a:xfrm>
+            <a:off x="3730949" y="3212976"/>
+            <a:ext cx="1944216" cy="360040"/>
+          </a:xfrm>
+          <a:prstGeom prst="rect">
+            <a:avLst/>
+          </a:prstGeom>
+          <a:noFill/>
+          <a:ln>
+            <a:solidFill>
+              <a:schemeClr val="accent6">
+                <a:lumMod val="75000"/>
+              </a:schemeClr>
+            </a:solidFill>
+          </a:ln>
+        </p:spPr>
+        <p:style>
+          <a:lnRef idx="2">
+            <a:schemeClr val="accent1">
+              <a:shade val="50000"/>
+            </a:schemeClr>
+          </a:lnRef>
+          <a:fillRef idx="1">
+            <a:schemeClr val="accent1"/>
+          </a:fillRef>
+          <a:effectRef idx="0">
+            <a:schemeClr val="accent1"/>
+          </a:effectRef>
+          <a:fontRef idx="minor">
+            <a:schemeClr val="lt1"/>
+          </a:fontRef>
+        </p:style>
+        <p:txBody>
+          <a:bodyPr rtlCol="0" anchor="ctr"/>
+          <a:lstStyle/>
+          <a:p>
+            <a:pPr algn="ctr"/>
+            <a:endParaRPr lang="es-MX"/>
+          </a:p>
+        </p:txBody>
+      </p:sp>
+      <p:sp>
+        <p:nvSpPr>
+          <p:cNvPr id="8" name="Rectángulo 7">
+            <a:extLst>
+              <a:ext uri="{FF2B5EF4-FFF2-40B4-BE49-F238E27FC236}">
+                <a16:creationId xmlns:a16="http://schemas.microsoft.com/office/drawing/2014/main" id="{6122FDDD-C6F6-4EE1-869A-7C5DDFF842BE}"/>
+              </a:ext>
+            </a:extLst>
+          </p:cNvPr>
+          <p:cNvSpPr/>
+          <p:nvPr/>
+        </p:nvSpPr>
+        <p:spPr>
+          <a:xfrm>
+            <a:off x="4073043" y="3923438"/>
+            <a:ext cx="4518558" cy="657690"/>
+          </a:xfrm>
+          <a:prstGeom prst="rect">
+            <a:avLst/>
+          </a:prstGeom>
+          <a:noFill/>
+          <a:ln>
+            <a:solidFill>
+              <a:srgbClr val="FF0000"/>
+            </a:solidFill>
+          </a:ln>
+        </p:spPr>
+        <p:style>
+          <a:lnRef idx="2">
+            <a:schemeClr val="accent1">
+              <a:shade val="50000"/>
+            </a:schemeClr>
+          </a:lnRef>
+          <a:fillRef idx="1">
+            <a:schemeClr val="accent1"/>
+          </a:fillRef>
+          <a:effectRef idx="0">
+            <a:schemeClr val="accent1"/>
+          </a:effectRef>
+          <a:fontRef idx="minor">
+            <a:schemeClr val="lt1"/>
+          </a:fontRef>
+        </p:style>
+        <p:txBody>
+          <a:bodyPr rtlCol="0" anchor="ctr"/>
+          <a:lstStyle/>
+          <a:p>
+            <a:pPr algn="ctr"/>
+            <a:endParaRPr lang="es-MX"/>
+          </a:p>
+        </p:txBody>
+      </p:sp>
+    </p:spTree>
+    <p:extLst>
+      <p:ext uri="{BB962C8B-B14F-4D97-AF65-F5344CB8AC3E}">
+        <p14:creationId xmlns:p14="http://schemas.microsoft.com/office/powerpoint/2010/main" val="3431600800"/>
+      </p:ext>
+    </p:extLst>
+  </p:cSld>
+  <p:clrMapOvr>
+    <a:masterClrMapping/>
+  </p:clrMapOvr>
+</p:sld>
+</file>
+
+<file path=ppt/slides/slide32.xml><?xml version="1.0" encoding="utf-8"?>
+<p:sld xmlns:a="http://schemas.openxmlformats.org/drawingml/2006/main" xmlns:r="http://schemas.openxmlformats.org/officeDocument/2006/relationships" xmlns:p="http://schemas.openxmlformats.org/presentationml/2006/main">
+  <p:cSld>
+    <p:spTree>
+      <p:nvGrpSpPr>
+        <p:cNvPr id="1" name=""/>
+        <p:cNvGrpSpPr/>
+        <p:nvPr/>
+      </p:nvGrpSpPr>
+      <p:grpSpPr>
+        <a:xfrm>
+          <a:off x="0" y="0"/>
+          <a:ext cx="0" cy="0"/>
+          <a:chOff x="0" y="0"/>
+          <a:chExt cx="0" cy="0"/>
+        </a:xfrm>
+      </p:grpSpPr>
+      <p:sp>
+        <p:nvSpPr>
           <p:cNvPr id="6" name="Rectangle 2">
             <a:extLst>
               <a:ext uri="{FF2B5EF4-FFF2-40B4-BE49-F238E27FC236}">
@@ -19034,7 +19355,7 @@
 </p:sld>
 </file>
 
-<file path=ppt/slides/slide32.xml><?xml version="1.0" encoding="utf-8"?>
+<file path=ppt/slides/slide33.xml><?xml version="1.0" encoding="utf-8"?>
 <p:sld xmlns:a="http://schemas.openxmlformats.org/drawingml/2006/main" xmlns:r="http://schemas.openxmlformats.org/officeDocument/2006/relationships" xmlns:p="http://schemas.openxmlformats.org/presentationml/2006/main">
   <p:cSld>
     <p:spTree>
@@ -19383,7 +19704,7 @@
 </p:sld>
 </file>
 
-<file path=ppt/slides/slide33.xml><?xml version="1.0" encoding="utf-8"?>
+<file path=ppt/slides/slide34.xml><?xml version="1.0" encoding="utf-8"?>
 <p:sld xmlns:a="http://schemas.openxmlformats.org/drawingml/2006/main" xmlns:r="http://schemas.openxmlformats.org/officeDocument/2006/relationships" xmlns:p="http://schemas.openxmlformats.org/presentationml/2006/main">
   <p:cSld>
     <p:spTree>
@@ -19760,7 +20081,7 @@
 </p:sld>
 </file>
 
-<file path=ppt/slides/slide34.xml><?xml version="1.0" encoding="utf-8"?>
+<file path=ppt/slides/slide35.xml><?xml version="1.0" encoding="utf-8"?>
 <p:sld xmlns:a="http://schemas.openxmlformats.org/drawingml/2006/main" xmlns:r="http://schemas.openxmlformats.org/officeDocument/2006/relationships" xmlns:p="http://schemas.openxmlformats.org/presentationml/2006/main">
   <p:cSld>
     <p:spTree>
@@ -20392,7 +20713,7 @@
 </p:sld>
 </file>
 
-<file path=ppt/slides/slide35.xml><?xml version="1.0" encoding="utf-8"?>
+<file path=ppt/slides/slide36.xml><?xml version="1.0" encoding="utf-8"?>
 <p:sld xmlns:a="http://schemas.openxmlformats.org/drawingml/2006/main" xmlns:r="http://schemas.openxmlformats.org/officeDocument/2006/relationships" xmlns:p="http://schemas.openxmlformats.org/presentationml/2006/main">
   <p:cSld>
     <p:spTree>
@@ -20896,7 +21217,7 @@
 </p:sld>
 </file>
 
-<file path=ppt/slides/slide36.xml><?xml version="1.0" encoding="utf-8"?>
+<file path=ppt/slides/slide37.xml><?xml version="1.0" encoding="utf-8"?>
 <p:sld xmlns:a="http://schemas.openxmlformats.org/drawingml/2006/main" xmlns:r="http://schemas.openxmlformats.org/officeDocument/2006/relationships" xmlns:p="http://schemas.openxmlformats.org/presentationml/2006/main">
   <p:cSld>
     <p:spTree>
@@ -21243,7 +21564,7 @@
 </p:sld>
 </file>
 
-<file path=ppt/slides/slide37.xml><?xml version="1.0" encoding="utf-8"?>
+<file path=ppt/slides/slide38.xml><?xml version="1.0" encoding="utf-8"?>
 <p:sld xmlns:a="http://schemas.openxmlformats.org/drawingml/2006/main" xmlns:r="http://schemas.openxmlformats.org/officeDocument/2006/relationships" xmlns:p="http://schemas.openxmlformats.org/presentationml/2006/main">
   <p:cSld>
     <p:spTree>
@@ -21570,7 +21891,7 @@
 </p:sld>
 </file>
 
-<file path=ppt/slides/slide38.xml><?xml version="1.0" encoding="utf-8"?>
+<file path=ppt/slides/slide39.xml><?xml version="1.0" encoding="utf-8"?>
 <p:sld xmlns:a="http://schemas.openxmlformats.org/drawingml/2006/main" xmlns:r="http://schemas.openxmlformats.org/officeDocument/2006/relationships" xmlns:p="http://schemas.openxmlformats.org/presentationml/2006/main">
   <p:cSld>
     <p:spTree>
@@ -21908,7 +22229,198 @@
 </p:sld>
 </file>
 
-<file path=ppt/slides/slide39.xml><?xml version="1.0" encoding="utf-8"?>
+<file path=ppt/slides/slide4.xml><?xml version="1.0" encoding="utf-8"?>
+<p:sld xmlns:a="http://schemas.openxmlformats.org/drawingml/2006/main" xmlns:r="http://schemas.openxmlformats.org/officeDocument/2006/relationships" xmlns:p="http://schemas.openxmlformats.org/presentationml/2006/main">
+  <p:cSld>
+    <p:spTree>
+      <p:nvGrpSpPr>
+        <p:cNvPr id="1" name=""/>
+        <p:cNvGrpSpPr/>
+        <p:nvPr/>
+      </p:nvGrpSpPr>
+      <p:grpSpPr>
+        <a:xfrm>
+          <a:off x="0" y="0"/>
+          <a:ext cx="0" cy="0"/>
+          <a:chOff x="0" y="0"/>
+          <a:chExt cx="0" cy="0"/>
+        </a:xfrm>
+      </p:grpSpPr>
+      <p:sp>
+        <p:nvSpPr>
+          <p:cNvPr id="4098" name="Rectangle 2"/>
+          <p:cNvSpPr>
+            <a:spLocks noGrp="1" noChangeArrowheads="1"/>
+          </p:cNvSpPr>
+          <p:nvPr>
+            <p:ph type="body" idx="1"/>
+          </p:nvPr>
+        </p:nvSpPr>
+        <p:spPr>
+          <a:xfrm>
+            <a:off x="755576" y="1412776"/>
+            <a:ext cx="7848872" cy="4536504"/>
+          </a:xfrm>
+        </p:spPr>
+        <p:txBody>
+          <a:bodyPr>
+            <a:noAutofit/>
+          </a:bodyPr>
+          <a:lstStyle/>
+          <a:p>
+            <a:pPr marL="0" indent="0" algn="just">
+              <a:lnSpc>
+                <a:spcPts val="4000"/>
+              </a:lnSpc>
+              <a:spcBef>
+                <a:spcPct val="0"/>
+              </a:spcBef>
+              <a:spcAft>
+                <a:spcPts val="600"/>
+              </a:spcAft>
+              <a:buNone/>
+            </a:pPr>
+            <a:r>
+              <a:rPr lang="es-ES" sz="2400" b="1" dirty="0">
+                <a:solidFill>
+                  <a:schemeClr val="accent6">
+                    <a:lumMod val="75000"/>
+                  </a:schemeClr>
+                </a:solidFill>
+                <a:cs typeface="Arial" pitchFamily="34" charset="0"/>
+              </a:rPr>
+              <a:t>En Python todo es un objeto. </a:t>
+            </a:r>
+          </a:p>
+          <a:p>
+            <a:pPr marL="0" indent="0" algn="just">
+              <a:lnSpc>
+                <a:spcPts val="4000"/>
+              </a:lnSpc>
+              <a:spcBef>
+                <a:spcPct val="0"/>
+              </a:spcBef>
+              <a:spcAft>
+                <a:spcPts val="600"/>
+              </a:spcAft>
+              <a:buNone/>
+            </a:pPr>
+            <a:r>
+              <a:rPr lang="es-ES" sz="2400" dirty="0">
+                <a:solidFill>
+                  <a:schemeClr val="bg2">
+                    <a:lumMod val="25000"/>
+                  </a:schemeClr>
+                </a:solidFill>
+                <a:cs typeface="Arial" pitchFamily="34" charset="0"/>
+              </a:rPr>
+              <a:t>Cuando creas una variable y le asignas un valor entero, ese valor es un objeto; una función es un objeto; las listas, tuplas, diccionarios, etc., … son objetos; una cadena de caracteres es un objeto. Y así podríamos seguir indefinidamente.</a:t>
+            </a:r>
+            <a:endParaRPr lang="es-MX" sz="2400" dirty="0">
+              <a:solidFill>
+                <a:schemeClr val="bg2">
+                  <a:lumMod val="25000"/>
+                </a:schemeClr>
+              </a:solidFill>
+              <a:cs typeface="Arial" pitchFamily="34" charset="0"/>
+            </a:endParaRPr>
+          </a:p>
+        </p:txBody>
+      </p:sp>
+      <p:sp>
+        <p:nvSpPr>
+          <p:cNvPr id="184324" name="Rectangle 4"/>
+          <p:cNvSpPr>
+            <a:spLocks noGrp="1" noChangeArrowheads="1"/>
+          </p:cNvSpPr>
+          <p:nvPr>
+            <p:ph type="title"/>
+          </p:nvPr>
+        </p:nvSpPr>
+        <p:spPr>
+          <a:xfrm>
+            <a:off x="457200" y="116632"/>
+            <a:ext cx="8229600" cy="1143000"/>
+          </a:xfrm>
+        </p:spPr>
+        <p:txBody>
+          <a:bodyPr>
+            <a:normAutofit/>
+          </a:bodyPr>
+          <a:lstStyle/>
+          <a:p>
+            <a:pPr eaLnBrk="1" hangingPunct="1">
+              <a:defRPr/>
+            </a:pPr>
+            <a:r>
+              <a:rPr lang="es-MX" b="1" dirty="0">
+                <a:solidFill>
+                  <a:schemeClr val="accent4">
+                    <a:lumMod val="50000"/>
+                  </a:schemeClr>
+                </a:solidFill>
+                <a:effectLst>
+                  <a:outerShdw blurRad="38100" dist="38100" dir="2700000" algn="tl">
+                    <a:srgbClr val="C0C0C0"/>
+                  </a:outerShdw>
+                </a:effectLst>
+                <a:latin typeface="Dom Casual" charset="0"/>
+              </a:rPr>
+              <a:t>Python orientado a objetos</a:t>
+            </a:r>
+          </a:p>
+        </p:txBody>
+      </p:sp>
+      <p:pic>
+        <p:nvPicPr>
+          <p:cNvPr id="8" name="Imagen 7" descr="Interfaz de usuario gráfica&#10;&#10;Descripción generada automáticamente">
+            <a:extLst>
+              <a:ext uri="{FF2B5EF4-FFF2-40B4-BE49-F238E27FC236}">
+                <a16:creationId xmlns:a16="http://schemas.microsoft.com/office/drawing/2014/main" id="{5DBB03CB-0D15-4F28-AA3A-AF99A192D256}"/>
+              </a:ext>
+            </a:extLst>
+          </p:cNvPr>
+          <p:cNvPicPr>
+            <a:picLocks noChangeAspect="1"/>
+          </p:cNvPicPr>
+          <p:nvPr/>
+        </p:nvPicPr>
+        <p:blipFill>
+          <a:blip r:embed="rId3" cstate="print">
+            <a:extLst>
+              <a:ext uri="{28A0092B-C50C-407E-A947-70E740481C1C}">
+                <a14:useLocalDpi xmlns:a14="http://schemas.microsoft.com/office/drawing/2010/main" val="0"/>
+              </a:ext>
+            </a:extLst>
+          </a:blip>
+          <a:stretch>
+            <a:fillRect/>
+          </a:stretch>
+        </p:blipFill>
+        <p:spPr>
+          <a:xfrm>
+            <a:off x="5320942" y="4213909"/>
+            <a:ext cx="3283506" cy="2462629"/>
+          </a:xfrm>
+          <a:prstGeom prst="rect">
+            <a:avLst/>
+          </a:prstGeom>
+        </p:spPr>
+      </p:pic>
+    </p:spTree>
+    <p:extLst>
+      <p:ext uri="{BB962C8B-B14F-4D97-AF65-F5344CB8AC3E}">
+        <p14:creationId xmlns:p14="http://schemas.microsoft.com/office/powerpoint/2010/main" val="820892155"/>
+      </p:ext>
+    </p:extLst>
+  </p:cSld>
+  <p:clrMapOvr>
+    <a:masterClrMapping/>
+  </p:clrMapOvr>
+</p:sld>
+</file>
+
+<file path=ppt/slides/slide40.xml><?xml version="1.0" encoding="utf-8"?>
 <p:sld xmlns:a="http://schemas.openxmlformats.org/drawingml/2006/main" xmlns:r="http://schemas.openxmlformats.org/officeDocument/2006/relationships" xmlns:p="http://schemas.openxmlformats.org/presentationml/2006/main">
   <p:cSld>
     <p:spTree>
@@ -22269,198 +22781,7 @@
 </p:sld>
 </file>
 
-<file path=ppt/slides/slide4.xml><?xml version="1.0" encoding="utf-8"?>
-<p:sld xmlns:a="http://schemas.openxmlformats.org/drawingml/2006/main" xmlns:r="http://schemas.openxmlformats.org/officeDocument/2006/relationships" xmlns:p="http://schemas.openxmlformats.org/presentationml/2006/main">
-  <p:cSld>
-    <p:spTree>
-      <p:nvGrpSpPr>
-        <p:cNvPr id="1" name=""/>
-        <p:cNvGrpSpPr/>
-        <p:nvPr/>
-      </p:nvGrpSpPr>
-      <p:grpSpPr>
-        <a:xfrm>
-          <a:off x="0" y="0"/>
-          <a:ext cx="0" cy="0"/>
-          <a:chOff x="0" y="0"/>
-          <a:chExt cx="0" cy="0"/>
-        </a:xfrm>
-      </p:grpSpPr>
-      <p:sp>
-        <p:nvSpPr>
-          <p:cNvPr id="4098" name="Rectangle 2"/>
-          <p:cNvSpPr>
-            <a:spLocks noGrp="1" noChangeArrowheads="1"/>
-          </p:cNvSpPr>
-          <p:nvPr>
-            <p:ph type="body" idx="1"/>
-          </p:nvPr>
-        </p:nvSpPr>
-        <p:spPr>
-          <a:xfrm>
-            <a:off x="755576" y="1412776"/>
-            <a:ext cx="7848872" cy="4536504"/>
-          </a:xfrm>
-        </p:spPr>
-        <p:txBody>
-          <a:bodyPr>
-            <a:noAutofit/>
-          </a:bodyPr>
-          <a:lstStyle/>
-          <a:p>
-            <a:pPr marL="0" indent="0" algn="just">
-              <a:lnSpc>
-                <a:spcPts val="4000"/>
-              </a:lnSpc>
-              <a:spcBef>
-                <a:spcPct val="0"/>
-              </a:spcBef>
-              <a:spcAft>
-                <a:spcPts val="600"/>
-              </a:spcAft>
-              <a:buNone/>
-            </a:pPr>
-            <a:r>
-              <a:rPr lang="es-ES" sz="2400" b="1" dirty="0">
-                <a:solidFill>
-                  <a:schemeClr val="accent6">
-                    <a:lumMod val="75000"/>
-                  </a:schemeClr>
-                </a:solidFill>
-                <a:cs typeface="Arial" pitchFamily="34" charset="0"/>
-              </a:rPr>
-              <a:t>En Python todo es un objeto. </a:t>
-            </a:r>
-          </a:p>
-          <a:p>
-            <a:pPr marL="0" indent="0" algn="just">
-              <a:lnSpc>
-                <a:spcPts val="4000"/>
-              </a:lnSpc>
-              <a:spcBef>
-                <a:spcPct val="0"/>
-              </a:spcBef>
-              <a:spcAft>
-                <a:spcPts val="600"/>
-              </a:spcAft>
-              <a:buNone/>
-            </a:pPr>
-            <a:r>
-              <a:rPr lang="es-ES" sz="2400" dirty="0">
-                <a:solidFill>
-                  <a:schemeClr val="bg2">
-                    <a:lumMod val="25000"/>
-                  </a:schemeClr>
-                </a:solidFill>
-                <a:cs typeface="Arial" pitchFamily="34" charset="0"/>
-              </a:rPr>
-              <a:t>Cuando creas una variable y le asignas un valor entero, ese valor es un objeto; una función es un objeto; las listas, tuplas, diccionarios, etc., … son objetos; una cadena de caracteres es un objeto. Y así podríamos seguir indefinidamente.</a:t>
-            </a:r>
-            <a:endParaRPr lang="es-MX" sz="2400" dirty="0">
-              <a:solidFill>
-                <a:schemeClr val="bg2">
-                  <a:lumMod val="25000"/>
-                </a:schemeClr>
-              </a:solidFill>
-              <a:cs typeface="Arial" pitchFamily="34" charset="0"/>
-            </a:endParaRPr>
-          </a:p>
-        </p:txBody>
-      </p:sp>
-      <p:sp>
-        <p:nvSpPr>
-          <p:cNvPr id="184324" name="Rectangle 4"/>
-          <p:cNvSpPr>
-            <a:spLocks noGrp="1" noChangeArrowheads="1"/>
-          </p:cNvSpPr>
-          <p:nvPr>
-            <p:ph type="title"/>
-          </p:nvPr>
-        </p:nvSpPr>
-        <p:spPr>
-          <a:xfrm>
-            <a:off x="457200" y="116632"/>
-            <a:ext cx="8229600" cy="1143000"/>
-          </a:xfrm>
-        </p:spPr>
-        <p:txBody>
-          <a:bodyPr>
-            <a:normAutofit/>
-          </a:bodyPr>
-          <a:lstStyle/>
-          <a:p>
-            <a:pPr eaLnBrk="1" hangingPunct="1">
-              <a:defRPr/>
-            </a:pPr>
-            <a:r>
-              <a:rPr lang="es-MX" b="1" dirty="0">
-                <a:solidFill>
-                  <a:schemeClr val="accent4">
-                    <a:lumMod val="50000"/>
-                  </a:schemeClr>
-                </a:solidFill>
-                <a:effectLst>
-                  <a:outerShdw blurRad="38100" dist="38100" dir="2700000" algn="tl">
-                    <a:srgbClr val="C0C0C0"/>
-                  </a:outerShdw>
-                </a:effectLst>
-                <a:latin typeface="Dom Casual" charset="0"/>
-              </a:rPr>
-              <a:t>Python orientado a objetos</a:t>
-            </a:r>
-          </a:p>
-        </p:txBody>
-      </p:sp>
-      <p:pic>
-        <p:nvPicPr>
-          <p:cNvPr id="8" name="Imagen 7" descr="Interfaz de usuario gráfica&#10;&#10;Descripción generada automáticamente">
-            <a:extLst>
-              <a:ext uri="{FF2B5EF4-FFF2-40B4-BE49-F238E27FC236}">
-                <a16:creationId xmlns:a16="http://schemas.microsoft.com/office/drawing/2014/main" id="{5DBB03CB-0D15-4F28-AA3A-AF99A192D256}"/>
-              </a:ext>
-            </a:extLst>
-          </p:cNvPr>
-          <p:cNvPicPr>
-            <a:picLocks noChangeAspect="1"/>
-          </p:cNvPicPr>
-          <p:nvPr/>
-        </p:nvPicPr>
-        <p:blipFill>
-          <a:blip r:embed="rId3" cstate="print">
-            <a:extLst>
-              <a:ext uri="{28A0092B-C50C-407E-A947-70E740481C1C}">
-                <a14:useLocalDpi xmlns:a14="http://schemas.microsoft.com/office/drawing/2010/main" val="0"/>
-              </a:ext>
-            </a:extLst>
-          </a:blip>
-          <a:stretch>
-            <a:fillRect/>
-          </a:stretch>
-        </p:blipFill>
-        <p:spPr>
-          <a:xfrm>
-            <a:off x="5320942" y="4213909"/>
-            <a:ext cx="3283506" cy="2462629"/>
-          </a:xfrm>
-          <a:prstGeom prst="rect">
-            <a:avLst/>
-          </a:prstGeom>
-        </p:spPr>
-      </p:pic>
-    </p:spTree>
-    <p:extLst>
-      <p:ext uri="{BB962C8B-B14F-4D97-AF65-F5344CB8AC3E}">
-        <p14:creationId xmlns:p14="http://schemas.microsoft.com/office/powerpoint/2010/main" val="820892155"/>
-      </p:ext>
-    </p:extLst>
-  </p:cSld>
-  <p:clrMapOvr>
-    <a:masterClrMapping/>
-  </p:clrMapOvr>
-</p:sld>
-</file>
-
-<file path=ppt/slides/slide40.xml><?xml version="1.0" encoding="utf-8"?>
+<file path=ppt/slides/slide41.xml><?xml version="1.0" encoding="utf-8"?>
 <p:sld xmlns:a="http://schemas.openxmlformats.org/drawingml/2006/main" xmlns:r="http://schemas.openxmlformats.org/officeDocument/2006/relationships" xmlns:p="http://schemas.openxmlformats.org/presentationml/2006/main">
   <p:cSld>
     <p:spTree>
@@ -22787,7 +23108,7 @@
 </p:sld>
 </file>
 
-<file path=ppt/slides/slide41.xml><?xml version="1.0" encoding="utf-8"?>
+<file path=ppt/slides/slide42.xml><?xml version="1.0" encoding="utf-8"?>
 <p:sld xmlns:a="http://schemas.openxmlformats.org/drawingml/2006/main" xmlns:r="http://schemas.openxmlformats.org/officeDocument/2006/relationships" xmlns:p="http://schemas.openxmlformats.org/presentationml/2006/main">
   <p:cSld>
     <p:spTree>
@@ -23114,7 +23435,7 @@
 </p:sld>
 </file>
 
-<file path=ppt/slides/slide42.xml><?xml version="1.0" encoding="utf-8"?>
+<file path=ppt/slides/slide43.xml><?xml version="1.0" encoding="utf-8"?>
 <p:sld xmlns:a="http://schemas.openxmlformats.org/drawingml/2006/main" xmlns:r="http://schemas.openxmlformats.org/officeDocument/2006/relationships" xmlns:p="http://schemas.openxmlformats.org/presentationml/2006/main">
   <p:cSld>
     <p:spTree>
@@ -23441,7 +23762,7 @@
 </p:sld>
 </file>
 
-<file path=ppt/slides/slide43.xml><?xml version="1.0" encoding="utf-8"?>
+<file path=ppt/slides/slide44.xml><?xml version="1.0" encoding="utf-8"?>
 <p:sld xmlns:a="http://schemas.openxmlformats.org/drawingml/2006/main" xmlns:r="http://schemas.openxmlformats.org/officeDocument/2006/relationships" xmlns:p="http://schemas.openxmlformats.org/presentationml/2006/main">
   <p:cSld>
     <p:spTree>
@@ -24165,7 +24486,7 @@
 </p:sld>
 </file>
 
-<file path=ppt/slides/slide44.xml><?xml version="1.0" encoding="utf-8"?>
+<file path=ppt/slides/slide45.xml><?xml version="1.0" encoding="utf-8"?>
 <p:sld xmlns:a="http://schemas.openxmlformats.org/drawingml/2006/main" xmlns:r="http://schemas.openxmlformats.org/officeDocument/2006/relationships" xmlns:p="http://schemas.openxmlformats.org/presentationml/2006/main">
   <p:cSld>
     <p:spTree>
@@ -24273,7 +24594,7 @@
 </p:sld>
 </file>
 
-<file path=ppt/slides/slide45.xml><?xml version="1.0" encoding="utf-8"?>
+<file path=ppt/slides/slide46.xml><?xml version="1.0" encoding="utf-8"?>
 <p:sld xmlns:a="http://schemas.openxmlformats.org/drawingml/2006/main" xmlns:r="http://schemas.openxmlformats.org/officeDocument/2006/relationships" xmlns:p="http://schemas.openxmlformats.org/presentationml/2006/main">
   <p:cSld>
     <p:spTree>
@@ -25397,7 +25718,7 @@
 </p:sld>
 </file>
 
-<file path=ppt/slides/slide46.xml><?xml version="1.0" encoding="utf-8"?>
+<file path=ppt/slides/slide47.xml><?xml version="1.0" encoding="utf-8"?>
 <p:sld xmlns:a="http://schemas.openxmlformats.org/drawingml/2006/main" xmlns:r="http://schemas.openxmlformats.org/officeDocument/2006/relationships" xmlns:p="http://schemas.openxmlformats.org/presentationml/2006/main">
   <p:cSld>
     <p:bg>
@@ -26677,7 +26998,7 @@
 </p:sld>
 </file>
 
-<file path=ppt/slides/slide47.xml><?xml version="1.0" encoding="utf-8"?>
+<file path=ppt/slides/slide48.xml><?xml version="1.0" encoding="utf-8"?>
 <p:sld xmlns:a="http://schemas.openxmlformats.org/drawingml/2006/main" xmlns:r="http://schemas.openxmlformats.org/officeDocument/2006/relationships" xmlns:p="http://schemas.openxmlformats.org/presentationml/2006/main">
   <p:cSld>
     <p:spTree>
@@ -27101,7 +27422,7 @@
 </p:sld>
 </file>
 
-<file path=ppt/slides/slide48.xml><?xml version="1.0" encoding="utf-8"?>
+<file path=ppt/slides/slide49.xml><?xml version="1.0" encoding="utf-8"?>
 <p:sld xmlns:a="http://schemas.openxmlformats.org/drawingml/2006/main" xmlns:r="http://schemas.openxmlformats.org/officeDocument/2006/relationships" xmlns:p="http://schemas.openxmlformats.org/presentationml/2006/main">
   <p:cSld>
     <p:spTree>
@@ -27558,722 +27879,6 @@
     <p:extLst>
       <p:ext uri="{BB962C8B-B14F-4D97-AF65-F5344CB8AC3E}">
         <p14:creationId xmlns:p14="http://schemas.microsoft.com/office/powerpoint/2010/main" val="3946658930"/>
-      </p:ext>
-    </p:extLst>
-  </p:cSld>
-  <p:clrMapOvr>
-    <a:masterClrMapping/>
-  </p:clrMapOvr>
-</p:sld>
-</file>
-
-<file path=ppt/slides/slide49.xml><?xml version="1.0" encoding="utf-8"?>
-<p:sld xmlns:a="http://schemas.openxmlformats.org/drawingml/2006/main" xmlns:r="http://schemas.openxmlformats.org/officeDocument/2006/relationships" xmlns:p="http://schemas.openxmlformats.org/presentationml/2006/main">
-  <p:cSld>
-    <p:spTree>
-      <p:nvGrpSpPr>
-        <p:cNvPr id="1" name=""/>
-        <p:cNvGrpSpPr/>
-        <p:nvPr/>
-      </p:nvGrpSpPr>
-      <p:grpSpPr>
-        <a:xfrm>
-          <a:off x="0" y="0"/>
-          <a:ext cx="0" cy="0"/>
-          <a:chOff x="0" y="0"/>
-          <a:chExt cx="0" cy="0"/>
-        </a:xfrm>
-      </p:grpSpPr>
-      <p:sp>
-        <p:nvSpPr>
-          <p:cNvPr id="434178" name="Rectangle 2">
-            <a:extLst>
-              <a:ext uri="{FF2B5EF4-FFF2-40B4-BE49-F238E27FC236}">
-                <a16:creationId xmlns:a16="http://schemas.microsoft.com/office/drawing/2014/main" id="{A989DBC3-3BB3-47E2-B7AB-0605D52D98D2}"/>
-              </a:ext>
-            </a:extLst>
-          </p:cNvPr>
-          <p:cNvSpPr>
-            <a:spLocks noGrp="1" noChangeArrowheads="1"/>
-          </p:cNvSpPr>
-          <p:nvPr>
-            <p:ph type="title"/>
-          </p:nvPr>
-        </p:nvSpPr>
-        <p:spPr>
-          <a:xfrm>
-            <a:off x="431540" y="911410"/>
-            <a:ext cx="8100900" cy="4101766"/>
-          </a:xfrm>
-        </p:spPr>
-        <p:txBody>
-          <a:bodyPr>
-            <a:normAutofit/>
-          </a:bodyPr>
-          <a:lstStyle/>
-          <a:p>
-            <a:pPr algn="l"/>
-            <a:r>
-              <a:rPr lang="es-ES" altLang="es-MX" sz="1600" dirty="0">
-                <a:solidFill>
-                  <a:schemeClr val="tx1">
-                    <a:lumMod val="95000"/>
-                    <a:lumOff val="5000"/>
-                  </a:schemeClr>
-                </a:solidFill>
-                <a:latin typeface="Dom Casual" charset="0"/>
-              </a:rPr>
-              <a:t>En el siguiente ejemplo se crean dos objetos de tipo Coche:</a:t>
-            </a:r>
-            <a:br>
-              <a:rPr lang="es-ES" altLang="es-MX" sz="1600" dirty="0">
-                <a:solidFill>
-                  <a:schemeClr val="tx1">
-                    <a:lumMod val="95000"/>
-                    <a:lumOff val="5000"/>
-                  </a:schemeClr>
-                </a:solidFill>
-                <a:latin typeface="Dom Casual" charset="0"/>
-              </a:rPr>
-            </a:br>
-            <a:br>
-              <a:rPr lang="es-ES" altLang="es-MX" sz="1600" dirty="0">
-                <a:solidFill>
-                  <a:schemeClr val="tx1">
-                    <a:lumMod val="95000"/>
-                    <a:lumOff val="5000"/>
-                  </a:schemeClr>
-                </a:solidFill>
-                <a:latin typeface="Dom Casual" charset="0"/>
-              </a:rPr>
-            </a:br>
-            <a:br>
-              <a:rPr lang="es-ES" altLang="es-MX" sz="1600" dirty="0">
-                <a:solidFill>
-                  <a:schemeClr val="tx1">
-                    <a:lumMod val="95000"/>
-                    <a:lumOff val="5000"/>
-                  </a:schemeClr>
-                </a:solidFill>
-                <a:latin typeface="Dom Casual" charset="0"/>
-              </a:rPr>
-            </a:br>
-            <a:r>
-              <a:rPr lang="es-ES" altLang="es-MX" sz="1600" b="1" dirty="0">
-                <a:solidFill>
-                  <a:srgbClr val="FF0000"/>
-                </a:solidFill>
-                <a:latin typeface="Dom Casual" charset="0"/>
-              </a:rPr>
-              <a:t>c1 </a:t>
-            </a:r>
-            <a:r>
-              <a:rPr lang="es-ES" altLang="es-MX" sz="1600" dirty="0">
-                <a:solidFill>
-                  <a:schemeClr val="tx1">
-                    <a:lumMod val="95000"/>
-                    <a:lumOff val="5000"/>
-                  </a:schemeClr>
-                </a:solidFill>
-                <a:latin typeface="Dom Casual" charset="0"/>
-              </a:rPr>
-              <a:t>= </a:t>
-            </a:r>
-            <a:r>
-              <a:rPr lang="es-ES" altLang="es-MX" sz="1600" b="1" dirty="0">
-                <a:solidFill>
-                  <a:schemeClr val="accent6">
-                    <a:lumMod val="75000"/>
-                  </a:schemeClr>
-                </a:solidFill>
-                <a:latin typeface="Dom Casual" charset="0"/>
-              </a:rPr>
-              <a:t>Coche('rojo', 20)</a:t>
-            </a:r>
-            <a:br>
-              <a:rPr lang="es-ES" altLang="es-MX" sz="1600" b="1" dirty="0">
-                <a:solidFill>
-                  <a:schemeClr val="accent6">
-                    <a:lumMod val="75000"/>
-                  </a:schemeClr>
-                </a:solidFill>
-                <a:latin typeface="Dom Casual" charset="0"/>
-              </a:rPr>
-            </a:br>
-            <a:r>
-              <a:rPr lang="es-ES" altLang="es-MX" sz="1600" dirty="0">
-                <a:solidFill>
-                  <a:schemeClr val="tx1">
-                    <a:lumMod val="95000"/>
-                    <a:lumOff val="5000"/>
-                  </a:schemeClr>
-                </a:solidFill>
-                <a:latin typeface="Dom Casual" charset="0"/>
-              </a:rPr>
-              <a:t>print(c1.color)</a:t>
-            </a:r>
-            <a:br>
-              <a:rPr lang="es-ES" altLang="es-MX" sz="1600" dirty="0">
-                <a:solidFill>
-                  <a:schemeClr val="tx1">
-                    <a:lumMod val="95000"/>
-                    <a:lumOff val="5000"/>
-                  </a:schemeClr>
-                </a:solidFill>
-                <a:latin typeface="Dom Casual" charset="0"/>
-              </a:rPr>
-            </a:br>
-            <a:r>
-              <a:rPr lang="es-ES" altLang="es-MX" sz="1600" dirty="0">
-                <a:solidFill>
-                  <a:schemeClr val="tx1">
-                    <a:lumMod val="95000"/>
-                    <a:lumOff val="5000"/>
-                  </a:schemeClr>
-                </a:solidFill>
-                <a:latin typeface="Dom Casual" charset="0"/>
-              </a:rPr>
-              <a:t>rojo</a:t>
-            </a:r>
-            <a:br>
-              <a:rPr lang="es-ES" altLang="es-MX" sz="1600" dirty="0">
-                <a:solidFill>
-                  <a:schemeClr val="tx1">
-                    <a:lumMod val="95000"/>
-                    <a:lumOff val="5000"/>
-                  </a:schemeClr>
-                </a:solidFill>
-                <a:latin typeface="Dom Casual" charset="0"/>
-              </a:rPr>
-            </a:br>
-            <a:r>
-              <a:rPr lang="es-ES" altLang="es-MX" sz="1600" dirty="0">
-                <a:solidFill>
-                  <a:schemeClr val="tx1">
-                    <a:lumMod val="95000"/>
-                    <a:lumOff val="5000"/>
-                  </a:schemeClr>
-                </a:solidFill>
-                <a:latin typeface="Dom Casual" charset="0"/>
-              </a:rPr>
-              <a:t>print(c1.ruedas)</a:t>
-            </a:r>
-            <a:br>
-              <a:rPr lang="es-ES" altLang="es-MX" sz="1600" dirty="0">
-                <a:solidFill>
-                  <a:schemeClr val="tx1">
-                    <a:lumMod val="95000"/>
-                    <a:lumOff val="5000"/>
-                  </a:schemeClr>
-                </a:solidFill>
-                <a:latin typeface="Dom Casual" charset="0"/>
-              </a:rPr>
-            </a:br>
-            <a:r>
-              <a:rPr lang="es-ES" altLang="es-MX" sz="1600" dirty="0">
-                <a:solidFill>
-                  <a:schemeClr val="tx1">
-                    <a:lumMod val="95000"/>
-                    <a:lumOff val="5000"/>
-                  </a:schemeClr>
-                </a:solidFill>
-                <a:latin typeface="Dom Casual" charset="0"/>
-              </a:rPr>
-              <a:t>4</a:t>
-            </a:r>
-            <a:br>
-              <a:rPr lang="es-ES" altLang="es-MX" sz="1600" dirty="0">
-                <a:solidFill>
-                  <a:schemeClr val="tx1">
-                    <a:lumMod val="95000"/>
-                    <a:lumOff val="5000"/>
-                  </a:schemeClr>
-                </a:solidFill>
-                <a:latin typeface="Dom Casual" charset="0"/>
-              </a:rPr>
-            </a:br>
-            <a:br>
-              <a:rPr lang="es-ES" altLang="es-MX" sz="1600" dirty="0">
-                <a:solidFill>
-                  <a:schemeClr val="tx1">
-                    <a:lumMod val="95000"/>
-                    <a:lumOff val="5000"/>
-                  </a:schemeClr>
-                </a:solidFill>
-                <a:latin typeface="Dom Casual" charset="0"/>
-              </a:rPr>
-            </a:br>
-            <a:r>
-              <a:rPr lang="es-ES" altLang="es-MX" sz="1600" b="1" dirty="0">
-                <a:solidFill>
-                  <a:srgbClr val="FF0000"/>
-                </a:solidFill>
-                <a:latin typeface="Dom Casual" charset="0"/>
-              </a:rPr>
-              <a:t>c2</a:t>
-            </a:r>
-            <a:r>
-              <a:rPr lang="es-ES" altLang="es-MX" sz="1600" dirty="0">
-                <a:solidFill>
-                  <a:schemeClr val="tx1">
-                    <a:lumMod val="95000"/>
-                    <a:lumOff val="5000"/>
-                  </a:schemeClr>
-                </a:solidFill>
-                <a:latin typeface="Dom Casual" charset="0"/>
-              </a:rPr>
-              <a:t> = </a:t>
-            </a:r>
-            <a:r>
-              <a:rPr lang="es-ES" altLang="es-MX" sz="1600" b="1" dirty="0">
-                <a:solidFill>
-                  <a:schemeClr val="accent6">
-                    <a:lumMod val="75000"/>
-                  </a:schemeClr>
-                </a:solidFill>
-                <a:latin typeface="Dom Casual" charset="0"/>
-              </a:rPr>
-              <a:t>Coche('azul', 30)</a:t>
-            </a:r>
-            <a:br>
-              <a:rPr lang="es-ES" altLang="es-MX" sz="1600" b="1" dirty="0">
-                <a:solidFill>
-                  <a:schemeClr val="accent6">
-                    <a:lumMod val="75000"/>
-                  </a:schemeClr>
-                </a:solidFill>
-                <a:latin typeface="Dom Casual" charset="0"/>
-              </a:rPr>
-            </a:br>
-            <a:r>
-              <a:rPr lang="es-ES" altLang="es-MX" sz="1600" dirty="0">
-                <a:solidFill>
-                  <a:schemeClr val="tx1">
-                    <a:lumMod val="95000"/>
-                    <a:lumOff val="5000"/>
-                  </a:schemeClr>
-                </a:solidFill>
-                <a:latin typeface="Dom Casual" charset="0"/>
-              </a:rPr>
-              <a:t>print(c2.color)</a:t>
-            </a:r>
-            <a:br>
-              <a:rPr lang="es-ES" altLang="es-MX" sz="1600" dirty="0">
-                <a:solidFill>
-                  <a:schemeClr val="tx1">
-                    <a:lumMod val="95000"/>
-                    <a:lumOff val="5000"/>
-                  </a:schemeClr>
-                </a:solidFill>
-                <a:latin typeface="Dom Casual" charset="0"/>
-              </a:rPr>
-            </a:br>
-            <a:r>
-              <a:rPr lang="es-ES" altLang="es-MX" sz="1600" dirty="0">
-                <a:solidFill>
-                  <a:schemeClr val="tx1">
-                    <a:lumMod val="95000"/>
-                    <a:lumOff val="5000"/>
-                  </a:schemeClr>
-                </a:solidFill>
-                <a:latin typeface="Dom Casual" charset="0"/>
-              </a:rPr>
-              <a:t>azul</a:t>
-            </a:r>
-            <a:br>
-              <a:rPr lang="es-ES" altLang="es-MX" sz="1600" dirty="0">
-                <a:solidFill>
-                  <a:schemeClr val="tx1">
-                    <a:lumMod val="95000"/>
-                    <a:lumOff val="5000"/>
-                  </a:schemeClr>
-                </a:solidFill>
-                <a:latin typeface="Dom Casual" charset="0"/>
-              </a:rPr>
-            </a:br>
-            <a:r>
-              <a:rPr lang="es-ES" altLang="es-MX" sz="1600" dirty="0">
-                <a:solidFill>
-                  <a:schemeClr val="tx1">
-                    <a:lumMod val="95000"/>
-                    <a:lumOff val="5000"/>
-                  </a:schemeClr>
-                </a:solidFill>
-                <a:latin typeface="Dom Casual" charset="0"/>
-              </a:rPr>
-              <a:t>print(c2.ruedas)</a:t>
-            </a:r>
-            <a:br>
-              <a:rPr lang="es-ES" altLang="es-MX" sz="1600" dirty="0">
-                <a:solidFill>
-                  <a:schemeClr val="tx1">
-                    <a:lumMod val="95000"/>
-                    <a:lumOff val="5000"/>
-                  </a:schemeClr>
-                </a:solidFill>
-                <a:latin typeface="Dom Casual" charset="0"/>
-              </a:rPr>
-            </a:br>
-            <a:r>
-              <a:rPr lang="es-ES" altLang="es-MX" sz="1600" dirty="0">
-                <a:solidFill>
-                  <a:schemeClr val="tx1">
-                    <a:lumMod val="95000"/>
-                    <a:lumOff val="5000"/>
-                  </a:schemeClr>
-                </a:solidFill>
-                <a:latin typeface="Dom Casual" charset="0"/>
-              </a:rPr>
-              <a:t>4</a:t>
-            </a:r>
-            <a:endParaRPr lang="es-ES_tradnl" altLang="es-MX" sz="1600" dirty="0">
-              <a:solidFill>
-                <a:schemeClr val="tx1">
-                  <a:lumMod val="95000"/>
-                  <a:lumOff val="5000"/>
-                </a:schemeClr>
-              </a:solidFill>
-              <a:latin typeface="Dom Casual" charset="0"/>
-            </a:endParaRPr>
-          </a:p>
-        </p:txBody>
-      </p:sp>
-      <p:sp>
-        <p:nvSpPr>
-          <p:cNvPr id="7" name="Rectangle 2">
-            <a:extLst>
-              <a:ext uri="{FF2B5EF4-FFF2-40B4-BE49-F238E27FC236}">
-                <a16:creationId xmlns:a16="http://schemas.microsoft.com/office/drawing/2014/main" id="{C1FE459C-07E2-4B95-B312-371C1E72CE94}"/>
-              </a:ext>
-            </a:extLst>
-          </p:cNvPr>
-          <p:cNvSpPr txBox="1">
-            <a:spLocks noChangeArrowheads="1"/>
-          </p:cNvSpPr>
-          <p:nvPr/>
-        </p:nvSpPr>
-        <p:spPr>
-          <a:xfrm>
-            <a:off x="984560" y="-27384"/>
-            <a:ext cx="7174879" cy="1143001"/>
-          </a:xfrm>
-          <a:prstGeom prst="rect">
-            <a:avLst/>
-          </a:prstGeom>
-        </p:spPr>
-        <p:txBody>
-          <a:bodyPr vert="horz" lIns="91440" tIns="45720" rIns="91440" bIns="45720" rtlCol="0" anchor="ctr">
-            <a:normAutofit/>
-          </a:bodyPr>
-          <a:lstStyle>
-            <a:lvl1pPr algn="ctr" defTabSz="914400" rtl="0" eaLnBrk="1" latinLnBrk="0" hangingPunct="1">
-              <a:spcBef>
-                <a:spcPct val="0"/>
-              </a:spcBef>
-              <a:buNone/>
-              <a:defRPr sz="4400" kern="1200">
-                <a:solidFill>
-                  <a:schemeClr val="tx1"/>
-                </a:solidFill>
-                <a:latin typeface="+mj-lt"/>
-                <a:ea typeface="+mj-ea"/>
-                <a:cs typeface="+mj-cs"/>
-              </a:defRPr>
-            </a:lvl1pPr>
-          </a:lstStyle>
-          <a:p>
-            <a:r>
-              <a:rPr lang="es-ES_tradnl" altLang="es-MX" b="1" dirty="0">
-                <a:solidFill>
-                  <a:schemeClr val="accent4">
-                    <a:lumMod val="50000"/>
-                  </a:schemeClr>
-                </a:solidFill>
-                <a:effectLst>
-                  <a:outerShdw blurRad="38100" dist="38100" dir="2700000" algn="tl">
-                    <a:srgbClr val="C0C0C0"/>
-                  </a:outerShdw>
-                </a:effectLst>
-                <a:latin typeface="Dom Casual" charset="0"/>
-              </a:rPr>
-              <a:t>Objetos en Python</a:t>
-            </a:r>
-          </a:p>
-        </p:txBody>
-      </p:sp>
-      <p:sp>
-        <p:nvSpPr>
-          <p:cNvPr id="6" name="Rectangle 2">
-            <a:extLst>
-              <a:ext uri="{FF2B5EF4-FFF2-40B4-BE49-F238E27FC236}">
-                <a16:creationId xmlns:a16="http://schemas.microsoft.com/office/drawing/2014/main" id="{A6FC9F71-00E5-43D0-9944-D99205359CE4}"/>
-              </a:ext>
-            </a:extLst>
-          </p:cNvPr>
-          <p:cNvSpPr txBox="1">
-            <a:spLocks noChangeArrowheads="1"/>
-          </p:cNvSpPr>
-          <p:nvPr/>
-        </p:nvSpPr>
-        <p:spPr>
-          <a:xfrm>
-            <a:off x="395654" y="4983297"/>
-            <a:ext cx="8136786" cy="1296144"/>
-          </a:xfrm>
-          <a:prstGeom prst="rect">
-            <a:avLst/>
-          </a:prstGeom>
-        </p:spPr>
-        <p:txBody>
-          <a:bodyPr vert="horz" lIns="91440" tIns="45720" rIns="91440" bIns="45720" rtlCol="0" anchor="ctr">
-            <a:noAutofit/>
-          </a:bodyPr>
-          <a:lstStyle>
-            <a:lvl1pPr algn="ctr" defTabSz="914400" rtl="0" eaLnBrk="1" latinLnBrk="0" hangingPunct="1">
-              <a:spcBef>
-                <a:spcPct val="0"/>
-              </a:spcBef>
-              <a:buNone/>
-              <a:defRPr sz="4400" kern="1200">
-                <a:solidFill>
-                  <a:schemeClr val="tx1"/>
-                </a:solidFill>
-                <a:latin typeface="+mj-lt"/>
-                <a:ea typeface="+mj-ea"/>
-                <a:cs typeface="+mj-cs"/>
-              </a:defRPr>
-            </a:lvl1pPr>
-          </a:lstStyle>
-          <a:p>
-            <a:pPr algn="just">
-              <a:lnSpc>
-                <a:spcPts val="3000"/>
-              </a:lnSpc>
-            </a:pPr>
-            <a:r>
-              <a:rPr lang="es-ES" altLang="es-MX" sz="1600" b="1" dirty="0">
-                <a:solidFill>
-                  <a:srgbClr val="FF0000"/>
-                </a:solidFill>
-                <a:latin typeface="Dom Casual" charset="0"/>
-              </a:rPr>
-              <a:t>c1</a:t>
-            </a:r>
-            <a:r>
-              <a:rPr lang="es-ES" altLang="es-MX" sz="1600" dirty="0">
-                <a:solidFill>
-                  <a:schemeClr val="tx1">
-                    <a:lumMod val="95000"/>
-                    <a:lumOff val="5000"/>
-                  </a:schemeClr>
-                </a:solidFill>
-                <a:latin typeface="Dom Casual" charset="0"/>
-              </a:rPr>
-              <a:t> y </a:t>
-            </a:r>
-            <a:r>
-              <a:rPr lang="es-ES" altLang="es-MX" sz="1600" b="1" dirty="0">
-                <a:solidFill>
-                  <a:srgbClr val="FF0000"/>
-                </a:solidFill>
-                <a:latin typeface="Dom Casual" charset="0"/>
-              </a:rPr>
-              <a:t>c2</a:t>
-            </a:r>
-            <a:r>
-              <a:rPr lang="es-ES" altLang="es-MX" sz="1600" dirty="0">
-                <a:solidFill>
-                  <a:schemeClr val="tx1">
-                    <a:lumMod val="95000"/>
-                    <a:lumOff val="5000"/>
-                  </a:schemeClr>
-                </a:solidFill>
-                <a:latin typeface="Dom Casual" charset="0"/>
-              </a:rPr>
-              <a:t> son objetos, objetos cuya clase es </a:t>
-            </a:r>
-            <a:r>
-              <a:rPr lang="es-ES" altLang="es-MX" sz="1600" b="1" dirty="0">
-                <a:solidFill>
-                  <a:schemeClr val="accent6">
-                    <a:lumMod val="75000"/>
-                  </a:schemeClr>
-                </a:solidFill>
-                <a:latin typeface="Dom Casual" charset="0"/>
-              </a:rPr>
-              <a:t>Coche</a:t>
-            </a:r>
-            <a:r>
-              <a:rPr lang="es-ES" altLang="es-MX" sz="1600" dirty="0">
-                <a:solidFill>
-                  <a:schemeClr val="tx1">
-                    <a:lumMod val="95000"/>
-                    <a:lumOff val="5000"/>
-                  </a:schemeClr>
-                </a:solidFill>
-                <a:latin typeface="Dom Casual" charset="0"/>
-              </a:rPr>
-              <a:t>. Ambos objetos pueden </a:t>
-            </a:r>
-            <a:r>
-              <a:rPr lang="es-ES" altLang="es-MX" sz="1600" b="1" dirty="0">
-                <a:solidFill>
-                  <a:schemeClr val="tx1">
-                    <a:lumMod val="95000"/>
-                    <a:lumOff val="5000"/>
-                  </a:schemeClr>
-                </a:solidFill>
-                <a:latin typeface="Dom Casual" charset="0"/>
-              </a:rPr>
-              <a:t>acelerar</a:t>
-            </a:r>
-            <a:r>
-              <a:rPr lang="es-ES" altLang="es-MX" sz="1600" dirty="0">
-                <a:solidFill>
-                  <a:schemeClr val="tx1">
-                    <a:lumMod val="95000"/>
-                    <a:lumOff val="5000"/>
-                  </a:schemeClr>
-                </a:solidFill>
-                <a:latin typeface="Dom Casual" charset="0"/>
-              </a:rPr>
-              <a:t> y </a:t>
-            </a:r>
-            <a:r>
-              <a:rPr lang="es-ES" altLang="es-MX" sz="1600" b="1" dirty="0">
-                <a:solidFill>
-                  <a:schemeClr val="tx1">
-                    <a:lumMod val="95000"/>
-                    <a:lumOff val="5000"/>
-                  </a:schemeClr>
-                </a:solidFill>
-                <a:latin typeface="Dom Casual" charset="0"/>
-              </a:rPr>
-              <a:t>frenar</a:t>
-            </a:r>
-            <a:r>
-              <a:rPr lang="es-ES" altLang="es-MX" sz="1600" dirty="0">
-                <a:solidFill>
-                  <a:schemeClr val="tx1">
-                    <a:lumMod val="95000"/>
-                    <a:lumOff val="5000"/>
-                  </a:schemeClr>
-                </a:solidFill>
-                <a:latin typeface="Dom Casual" charset="0"/>
-              </a:rPr>
-              <a:t>, porque su clase define estas operaciones y tienen un color, porque la clase </a:t>
-            </a:r>
-            <a:r>
-              <a:rPr lang="es-ES" altLang="es-MX" sz="1600" b="1" dirty="0">
-                <a:solidFill>
-                  <a:schemeClr val="accent6">
-                    <a:lumMod val="75000"/>
-                  </a:schemeClr>
-                </a:solidFill>
-                <a:latin typeface="Dom Casual" charset="0"/>
-              </a:rPr>
-              <a:t>Coche</a:t>
-            </a:r>
-            <a:r>
-              <a:rPr lang="es-ES" altLang="es-MX" sz="1600" dirty="0">
-                <a:solidFill>
-                  <a:schemeClr val="tx1">
-                    <a:lumMod val="95000"/>
-                    <a:lumOff val="5000"/>
-                  </a:schemeClr>
-                </a:solidFill>
-                <a:latin typeface="Dom Casual" charset="0"/>
-              </a:rPr>
-              <a:t> también define este dato. </a:t>
-            </a:r>
-            <a:r>
-              <a:rPr lang="es-ES" altLang="es-MX" sz="1600" b="1" dirty="0">
-                <a:solidFill>
-                  <a:srgbClr val="FF0000"/>
-                </a:solidFill>
-                <a:latin typeface="Dom Casual" charset="0"/>
-              </a:rPr>
-              <a:t>c1</a:t>
-            </a:r>
-            <a:r>
-              <a:rPr lang="es-ES" altLang="es-MX" sz="1600" dirty="0">
-                <a:solidFill>
-                  <a:schemeClr val="tx1">
-                    <a:lumMod val="95000"/>
-                    <a:lumOff val="5000"/>
-                  </a:schemeClr>
-                </a:solidFill>
-                <a:latin typeface="Dom Casual" charset="0"/>
-              </a:rPr>
-              <a:t> es de color rojo, mientras que </a:t>
-            </a:r>
-            <a:r>
-              <a:rPr lang="es-ES" altLang="es-MX" sz="1600" b="1" dirty="0">
-                <a:solidFill>
-                  <a:srgbClr val="FF0000"/>
-                </a:solidFill>
-                <a:latin typeface="Dom Casual" charset="0"/>
-              </a:rPr>
-              <a:t>c2 </a:t>
-            </a:r>
-            <a:r>
-              <a:rPr lang="es-ES" altLang="es-MX" sz="1600" dirty="0">
-                <a:solidFill>
-                  <a:schemeClr val="tx1">
-                    <a:lumMod val="95000"/>
-                    <a:lumOff val="5000"/>
-                  </a:schemeClr>
-                </a:solidFill>
-                <a:latin typeface="Dom Casual" charset="0"/>
-              </a:rPr>
-              <a:t>es de color azul.</a:t>
-            </a:r>
-            <a:endParaRPr lang="es-ES_tradnl" altLang="es-MX" sz="1600" dirty="0">
-              <a:solidFill>
-                <a:schemeClr val="tx1">
-                  <a:lumMod val="95000"/>
-                  <a:lumOff val="5000"/>
-                </a:schemeClr>
-              </a:solidFill>
-              <a:latin typeface="Dom Casual" charset="0"/>
-            </a:endParaRPr>
-          </a:p>
-        </p:txBody>
-      </p:sp>
-      <p:pic>
-        <p:nvPicPr>
-          <p:cNvPr id="10" name="Imagen 9">
-            <a:extLst>
-              <a:ext uri="{FF2B5EF4-FFF2-40B4-BE49-F238E27FC236}">
-                <a16:creationId xmlns:a16="http://schemas.microsoft.com/office/drawing/2014/main" id="{51B4ED5C-4EAB-4BB6-B188-BF7088972B35}"/>
-              </a:ext>
-            </a:extLst>
-          </p:cNvPr>
-          <p:cNvPicPr>
-            <a:picLocks noChangeAspect="1"/>
-          </p:cNvPicPr>
-          <p:nvPr/>
-        </p:nvPicPr>
-        <p:blipFill>
-          <a:blip r:embed="rId3"/>
-          <a:stretch>
-            <a:fillRect/>
-          </a:stretch>
-        </p:blipFill>
-        <p:spPr>
-          <a:xfrm>
-            <a:off x="3419872" y="1614936"/>
-            <a:ext cx="4392488" cy="3363673"/>
-          </a:xfrm>
-          <a:prstGeom prst="rect">
-            <a:avLst/>
-          </a:prstGeom>
-        </p:spPr>
-      </p:pic>
-    </p:spTree>
-    <p:extLst>
-      <p:ext uri="{BB962C8B-B14F-4D97-AF65-F5344CB8AC3E}">
-        <p14:creationId xmlns:p14="http://schemas.microsoft.com/office/powerpoint/2010/main" val="1227542179"/>
       </p:ext>
     </p:extLst>
   </p:cSld>
@@ -28563,10 +28168,364 @@
       </p:grpSpPr>
       <p:sp>
         <p:nvSpPr>
-          <p:cNvPr id="4" name="Rectangle 2">
+          <p:cNvPr id="434178" name="Rectangle 2">
             <a:extLst>
               <a:ext uri="{FF2B5EF4-FFF2-40B4-BE49-F238E27FC236}">
-                <a16:creationId xmlns:a16="http://schemas.microsoft.com/office/drawing/2014/main" id="{7CE40F4F-E91D-42FD-B661-EAA8BC18ABC8}"/>
+                <a16:creationId xmlns:a16="http://schemas.microsoft.com/office/drawing/2014/main" id="{A989DBC3-3BB3-47E2-B7AB-0605D52D98D2}"/>
+              </a:ext>
+            </a:extLst>
+          </p:cNvPr>
+          <p:cNvSpPr>
+            <a:spLocks noGrp="1" noChangeArrowheads="1"/>
+          </p:cNvSpPr>
+          <p:nvPr>
+            <p:ph type="title"/>
+          </p:nvPr>
+        </p:nvSpPr>
+        <p:spPr>
+          <a:xfrm>
+            <a:off x="431540" y="911410"/>
+            <a:ext cx="8100900" cy="4101766"/>
+          </a:xfrm>
+        </p:spPr>
+        <p:txBody>
+          <a:bodyPr>
+            <a:normAutofit/>
+          </a:bodyPr>
+          <a:lstStyle/>
+          <a:p>
+            <a:pPr algn="l"/>
+            <a:r>
+              <a:rPr lang="es-ES" altLang="es-MX" sz="1600" dirty="0">
+                <a:solidFill>
+                  <a:schemeClr val="tx1">
+                    <a:lumMod val="95000"/>
+                    <a:lumOff val="5000"/>
+                  </a:schemeClr>
+                </a:solidFill>
+                <a:latin typeface="Dom Casual" charset="0"/>
+              </a:rPr>
+              <a:t>En el siguiente ejemplo se crean dos objetos de tipo Coche:</a:t>
+            </a:r>
+            <a:br>
+              <a:rPr lang="es-ES" altLang="es-MX" sz="1600" dirty="0">
+                <a:solidFill>
+                  <a:schemeClr val="tx1">
+                    <a:lumMod val="95000"/>
+                    <a:lumOff val="5000"/>
+                  </a:schemeClr>
+                </a:solidFill>
+                <a:latin typeface="Dom Casual" charset="0"/>
+              </a:rPr>
+            </a:br>
+            <a:br>
+              <a:rPr lang="es-ES" altLang="es-MX" sz="1600" dirty="0">
+                <a:solidFill>
+                  <a:schemeClr val="tx1">
+                    <a:lumMod val="95000"/>
+                    <a:lumOff val="5000"/>
+                  </a:schemeClr>
+                </a:solidFill>
+                <a:latin typeface="Dom Casual" charset="0"/>
+              </a:rPr>
+            </a:br>
+            <a:br>
+              <a:rPr lang="es-ES" altLang="es-MX" sz="1600" dirty="0">
+                <a:solidFill>
+                  <a:schemeClr val="tx1">
+                    <a:lumMod val="95000"/>
+                    <a:lumOff val="5000"/>
+                  </a:schemeClr>
+                </a:solidFill>
+                <a:latin typeface="Dom Casual" charset="0"/>
+              </a:rPr>
+            </a:br>
+            <a:r>
+              <a:rPr lang="es-ES" altLang="es-MX" sz="1600" b="1" dirty="0">
+                <a:solidFill>
+                  <a:srgbClr val="FF0000"/>
+                </a:solidFill>
+                <a:latin typeface="Dom Casual" charset="0"/>
+              </a:rPr>
+              <a:t>c1 </a:t>
+            </a:r>
+            <a:r>
+              <a:rPr lang="es-ES" altLang="es-MX" sz="1600" dirty="0">
+                <a:solidFill>
+                  <a:schemeClr val="tx1">
+                    <a:lumMod val="95000"/>
+                    <a:lumOff val="5000"/>
+                  </a:schemeClr>
+                </a:solidFill>
+                <a:latin typeface="Dom Casual" charset="0"/>
+              </a:rPr>
+              <a:t>= </a:t>
+            </a:r>
+            <a:r>
+              <a:rPr lang="es-ES" altLang="es-MX" sz="1600" b="1" dirty="0">
+                <a:solidFill>
+                  <a:schemeClr val="accent6">
+                    <a:lumMod val="75000"/>
+                  </a:schemeClr>
+                </a:solidFill>
+                <a:latin typeface="Dom Casual" charset="0"/>
+              </a:rPr>
+              <a:t>Coche('rojo', 20)</a:t>
+            </a:r>
+            <a:br>
+              <a:rPr lang="es-ES" altLang="es-MX" sz="1600" b="1" dirty="0">
+                <a:solidFill>
+                  <a:schemeClr val="accent6">
+                    <a:lumMod val="75000"/>
+                  </a:schemeClr>
+                </a:solidFill>
+                <a:latin typeface="Dom Casual" charset="0"/>
+              </a:rPr>
+            </a:br>
+            <a:r>
+              <a:rPr lang="es-ES" altLang="es-MX" sz="1600" dirty="0">
+                <a:solidFill>
+                  <a:schemeClr val="tx1">
+                    <a:lumMod val="95000"/>
+                    <a:lumOff val="5000"/>
+                  </a:schemeClr>
+                </a:solidFill>
+                <a:latin typeface="Dom Casual" charset="0"/>
+              </a:rPr>
+              <a:t>print(c1.color)</a:t>
+            </a:r>
+            <a:br>
+              <a:rPr lang="es-ES" altLang="es-MX" sz="1600" dirty="0">
+                <a:solidFill>
+                  <a:schemeClr val="tx1">
+                    <a:lumMod val="95000"/>
+                    <a:lumOff val="5000"/>
+                  </a:schemeClr>
+                </a:solidFill>
+                <a:latin typeface="Dom Casual" charset="0"/>
+              </a:rPr>
+            </a:br>
+            <a:r>
+              <a:rPr lang="es-ES" altLang="es-MX" sz="1600" dirty="0">
+                <a:solidFill>
+                  <a:schemeClr val="tx1">
+                    <a:lumMod val="95000"/>
+                    <a:lumOff val="5000"/>
+                  </a:schemeClr>
+                </a:solidFill>
+                <a:latin typeface="Dom Casual" charset="0"/>
+              </a:rPr>
+              <a:t>rojo</a:t>
+            </a:r>
+            <a:br>
+              <a:rPr lang="es-ES" altLang="es-MX" sz="1600" dirty="0">
+                <a:solidFill>
+                  <a:schemeClr val="tx1">
+                    <a:lumMod val="95000"/>
+                    <a:lumOff val="5000"/>
+                  </a:schemeClr>
+                </a:solidFill>
+                <a:latin typeface="Dom Casual" charset="0"/>
+              </a:rPr>
+            </a:br>
+            <a:r>
+              <a:rPr lang="es-ES" altLang="es-MX" sz="1600" dirty="0">
+                <a:solidFill>
+                  <a:schemeClr val="tx1">
+                    <a:lumMod val="95000"/>
+                    <a:lumOff val="5000"/>
+                  </a:schemeClr>
+                </a:solidFill>
+                <a:latin typeface="Dom Casual" charset="0"/>
+              </a:rPr>
+              <a:t>print(c1.ruedas)</a:t>
+            </a:r>
+            <a:br>
+              <a:rPr lang="es-ES" altLang="es-MX" sz="1600" dirty="0">
+                <a:solidFill>
+                  <a:schemeClr val="tx1">
+                    <a:lumMod val="95000"/>
+                    <a:lumOff val="5000"/>
+                  </a:schemeClr>
+                </a:solidFill>
+                <a:latin typeface="Dom Casual" charset="0"/>
+              </a:rPr>
+            </a:br>
+            <a:r>
+              <a:rPr lang="es-ES" altLang="es-MX" sz="1600" dirty="0">
+                <a:solidFill>
+                  <a:schemeClr val="tx1">
+                    <a:lumMod val="95000"/>
+                    <a:lumOff val="5000"/>
+                  </a:schemeClr>
+                </a:solidFill>
+                <a:latin typeface="Dom Casual" charset="0"/>
+              </a:rPr>
+              <a:t>4</a:t>
+            </a:r>
+            <a:br>
+              <a:rPr lang="es-ES" altLang="es-MX" sz="1600" dirty="0">
+                <a:solidFill>
+                  <a:schemeClr val="tx1">
+                    <a:lumMod val="95000"/>
+                    <a:lumOff val="5000"/>
+                  </a:schemeClr>
+                </a:solidFill>
+                <a:latin typeface="Dom Casual" charset="0"/>
+              </a:rPr>
+            </a:br>
+            <a:br>
+              <a:rPr lang="es-ES" altLang="es-MX" sz="1600" dirty="0">
+                <a:solidFill>
+                  <a:schemeClr val="tx1">
+                    <a:lumMod val="95000"/>
+                    <a:lumOff val="5000"/>
+                  </a:schemeClr>
+                </a:solidFill>
+                <a:latin typeface="Dom Casual" charset="0"/>
+              </a:rPr>
+            </a:br>
+            <a:r>
+              <a:rPr lang="es-ES" altLang="es-MX" sz="1600" b="1" dirty="0">
+                <a:solidFill>
+                  <a:srgbClr val="FF0000"/>
+                </a:solidFill>
+                <a:latin typeface="Dom Casual" charset="0"/>
+              </a:rPr>
+              <a:t>c2</a:t>
+            </a:r>
+            <a:r>
+              <a:rPr lang="es-ES" altLang="es-MX" sz="1600" dirty="0">
+                <a:solidFill>
+                  <a:schemeClr val="tx1">
+                    <a:lumMod val="95000"/>
+                    <a:lumOff val="5000"/>
+                  </a:schemeClr>
+                </a:solidFill>
+                <a:latin typeface="Dom Casual" charset="0"/>
+              </a:rPr>
+              <a:t> = </a:t>
+            </a:r>
+            <a:r>
+              <a:rPr lang="es-ES" altLang="es-MX" sz="1600" b="1" dirty="0">
+                <a:solidFill>
+                  <a:schemeClr val="accent6">
+                    <a:lumMod val="75000"/>
+                  </a:schemeClr>
+                </a:solidFill>
+                <a:latin typeface="Dom Casual" charset="0"/>
+              </a:rPr>
+              <a:t>Coche('azul', 30)</a:t>
+            </a:r>
+            <a:br>
+              <a:rPr lang="es-ES" altLang="es-MX" sz="1600" b="1" dirty="0">
+                <a:solidFill>
+                  <a:schemeClr val="accent6">
+                    <a:lumMod val="75000"/>
+                  </a:schemeClr>
+                </a:solidFill>
+                <a:latin typeface="Dom Casual" charset="0"/>
+              </a:rPr>
+            </a:br>
+            <a:r>
+              <a:rPr lang="es-ES" altLang="es-MX" sz="1600" dirty="0">
+                <a:solidFill>
+                  <a:schemeClr val="tx1">
+                    <a:lumMod val="95000"/>
+                    <a:lumOff val="5000"/>
+                  </a:schemeClr>
+                </a:solidFill>
+                <a:latin typeface="Dom Casual" charset="0"/>
+              </a:rPr>
+              <a:t>print(c2.color)</a:t>
+            </a:r>
+            <a:br>
+              <a:rPr lang="es-ES" altLang="es-MX" sz="1600" dirty="0">
+                <a:solidFill>
+                  <a:schemeClr val="tx1">
+                    <a:lumMod val="95000"/>
+                    <a:lumOff val="5000"/>
+                  </a:schemeClr>
+                </a:solidFill>
+                <a:latin typeface="Dom Casual" charset="0"/>
+              </a:rPr>
+            </a:br>
+            <a:r>
+              <a:rPr lang="es-ES" altLang="es-MX" sz="1600" dirty="0">
+                <a:solidFill>
+                  <a:schemeClr val="tx1">
+                    <a:lumMod val="95000"/>
+                    <a:lumOff val="5000"/>
+                  </a:schemeClr>
+                </a:solidFill>
+                <a:latin typeface="Dom Casual" charset="0"/>
+              </a:rPr>
+              <a:t>azul</a:t>
+            </a:r>
+            <a:br>
+              <a:rPr lang="es-ES" altLang="es-MX" sz="1600" dirty="0">
+                <a:solidFill>
+                  <a:schemeClr val="tx1">
+                    <a:lumMod val="95000"/>
+                    <a:lumOff val="5000"/>
+                  </a:schemeClr>
+                </a:solidFill>
+                <a:latin typeface="Dom Casual" charset="0"/>
+              </a:rPr>
+            </a:br>
+            <a:r>
+              <a:rPr lang="es-ES" altLang="es-MX" sz="1600" dirty="0">
+                <a:solidFill>
+                  <a:schemeClr val="tx1">
+                    <a:lumMod val="95000"/>
+                    <a:lumOff val="5000"/>
+                  </a:schemeClr>
+                </a:solidFill>
+                <a:latin typeface="Dom Casual" charset="0"/>
+              </a:rPr>
+              <a:t>print(c2.ruedas)</a:t>
+            </a:r>
+            <a:br>
+              <a:rPr lang="es-ES" altLang="es-MX" sz="1600" dirty="0">
+                <a:solidFill>
+                  <a:schemeClr val="tx1">
+                    <a:lumMod val="95000"/>
+                    <a:lumOff val="5000"/>
+                  </a:schemeClr>
+                </a:solidFill>
+                <a:latin typeface="Dom Casual" charset="0"/>
+              </a:rPr>
+            </a:br>
+            <a:r>
+              <a:rPr lang="es-ES" altLang="es-MX" sz="1600" dirty="0">
+                <a:solidFill>
+                  <a:schemeClr val="tx1">
+                    <a:lumMod val="95000"/>
+                    <a:lumOff val="5000"/>
+                  </a:schemeClr>
+                </a:solidFill>
+                <a:latin typeface="Dom Casual" charset="0"/>
+              </a:rPr>
+              <a:t>4</a:t>
+            </a:r>
+            <a:endParaRPr lang="es-ES_tradnl" altLang="es-MX" sz="1600" dirty="0">
+              <a:solidFill>
+                <a:schemeClr val="tx1">
+                  <a:lumMod val="95000"/>
+                  <a:lumOff val="5000"/>
+                </a:schemeClr>
+              </a:solidFill>
+              <a:latin typeface="Dom Casual" charset="0"/>
+            </a:endParaRPr>
+          </a:p>
+        </p:txBody>
+      </p:sp>
+      <p:sp>
+        <p:nvSpPr>
+          <p:cNvPr id="7" name="Rectangle 2">
+            <a:extLst>
+              <a:ext uri="{FF2B5EF4-FFF2-40B4-BE49-F238E27FC236}">
+                <a16:creationId xmlns:a16="http://schemas.microsoft.com/office/drawing/2014/main" id="{C1FE459C-07E2-4B95-B312-371C1E72CE94}"/>
               </a:ext>
             </a:extLst>
           </p:cNvPr>
@@ -28577,7 +28536,7 @@
         </p:nvSpPr>
         <p:spPr>
           <a:xfrm>
-            <a:off x="984560" y="53751"/>
+            <a:off x="984560" y="-27384"/>
             <a:ext cx="7174879" cy="1143001"/>
           </a:xfrm>
           <a:prstGeom prst="rect">
@@ -28626,150 +28585,277 @@
       </p:sp>
       <p:sp>
         <p:nvSpPr>
-          <p:cNvPr id="5" name="CuadroTexto 4">
+          <p:cNvPr id="6" name="Rectangle 2">
             <a:extLst>
               <a:ext uri="{FF2B5EF4-FFF2-40B4-BE49-F238E27FC236}">
-                <a16:creationId xmlns:a16="http://schemas.microsoft.com/office/drawing/2014/main" id="{5B9DCBD5-EDB4-472E-80FA-9890151C94A5}"/>
+                <a16:creationId xmlns:a16="http://schemas.microsoft.com/office/drawing/2014/main" id="{A6FC9F71-00E5-43D0-9944-D99205359CE4}"/>
               </a:ext>
             </a:extLst>
           </p:cNvPr>
-          <p:cNvSpPr txBox="1"/>
+          <p:cNvSpPr txBox="1">
+            <a:spLocks noChangeArrowheads="1"/>
+          </p:cNvSpPr>
           <p:nvPr/>
         </p:nvSpPr>
         <p:spPr>
           <a:xfrm>
-            <a:off x="886631" y="1412776"/>
-            <a:ext cx="7272808" cy="1692771"/>
+            <a:off x="395654" y="4983297"/>
+            <a:ext cx="8136786" cy="1296144"/>
           </a:xfrm>
           <a:prstGeom prst="rect">
             <a:avLst/>
           </a:prstGeom>
-          <a:noFill/>
         </p:spPr>
         <p:txBody>
-          <a:bodyPr wrap="square" rtlCol="0">
-            <a:spAutoFit/>
+          <a:bodyPr vert="horz" lIns="91440" tIns="45720" rIns="91440" bIns="45720" rtlCol="0" anchor="ctr">
+            <a:noAutofit/>
           </a:bodyPr>
-          <a:lstStyle/>
+          <a:lstStyle>
+            <a:lvl1pPr algn="ctr" defTabSz="914400" rtl="0" eaLnBrk="1" latinLnBrk="0" hangingPunct="1">
+              <a:spcBef>
+                <a:spcPct val="0"/>
+              </a:spcBef>
+              <a:buNone/>
+              <a:defRPr sz="4400" kern="1200">
+                <a:solidFill>
+                  <a:schemeClr val="tx1"/>
+                </a:solidFill>
+                <a:latin typeface="+mj-lt"/>
+                <a:ea typeface="+mj-ea"/>
+                <a:cs typeface="+mj-cs"/>
+              </a:defRPr>
+            </a:lvl1pPr>
+          </a:lstStyle>
           <a:p>
             <a:pPr algn="just">
               <a:lnSpc>
-                <a:spcPct val="150000"/>
+                <a:spcPts val="3000"/>
               </a:lnSpc>
             </a:pPr>
             <a:r>
-              <a:rPr lang="es-ES" sz="1600" dirty="0"/>
-              <a:t>Para crear un objeto de una clase determinada, es decir, instanciar una clase, se usa el nombre de la clase y a continuación se añaden paréntesis (como si se llamara a una función).</a:t>
-            </a:r>
-          </a:p>
-          <a:p>
-            <a:r>
-              <a:rPr lang="es-ES" sz="1600" dirty="0">
-                <a:solidFill>
-                  <a:schemeClr val="bg1"/>
-                </a:solidFill>
-              </a:rPr>
-              <a:t>.</a:t>
-            </a:r>
-            <a:br>
-              <a:rPr lang="es-ES" sz="1600" dirty="0"/>
-            </a:br>
-            <a:r>
-              <a:rPr lang="es-ES" sz="1600" b="1" dirty="0">
+              <a:rPr lang="es-ES" altLang="es-MX" sz="1600" b="1" dirty="0">
                 <a:solidFill>
                   <a:srgbClr val="FF0000"/>
                 </a:solidFill>
-              </a:rPr>
-              <a:t>obj</a:t>
-            </a:r>
-            <a:r>
-              <a:rPr lang="es-ES" sz="1600" dirty="0"/>
-              <a:t> = </a:t>
-            </a:r>
-            <a:r>
-              <a:rPr lang="es-ES" sz="1600" b="1" dirty="0">
+                <a:latin typeface="Dom Casual" charset="0"/>
+              </a:rPr>
+              <a:t>c1</a:t>
+            </a:r>
+            <a:r>
+              <a:rPr lang="es-ES" altLang="es-MX" sz="1600" dirty="0">
+                <a:solidFill>
+                  <a:schemeClr val="tx1">
+                    <a:lumMod val="95000"/>
+                    <a:lumOff val="5000"/>
+                  </a:schemeClr>
+                </a:solidFill>
+                <a:latin typeface="Dom Casual" charset="0"/>
+              </a:rPr>
+              <a:t> y </a:t>
+            </a:r>
+            <a:r>
+              <a:rPr lang="es-ES" altLang="es-MX" sz="1600" b="1" dirty="0">
+                <a:solidFill>
+                  <a:srgbClr val="FF0000"/>
+                </a:solidFill>
+                <a:latin typeface="Dom Casual" charset="0"/>
+              </a:rPr>
+              <a:t>c2</a:t>
+            </a:r>
+            <a:r>
+              <a:rPr lang="es-ES" altLang="es-MX" sz="1600" dirty="0">
+                <a:solidFill>
+                  <a:schemeClr val="tx1">
+                    <a:lumMod val="95000"/>
+                    <a:lumOff val="5000"/>
+                  </a:schemeClr>
+                </a:solidFill>
+                <a:latin typeface="Dom Casual" charset="0"/>
+              </a:rPr>
+              <a:t> son objetos, objetos cuya clase es </a:t>
+            </a:r>
+            <a:r>
+              <a:rPr lang="es-ES" altLang="es-MX" sz="1600" b="1" dirty="0">
                 <a:solidFill>
                   <a:schemeClr val="accent6">
                     <a:lumMod val="75000"/>
                   </a:schemeClr>
                 </a:solidFill>
-              </a:rPr>
-              <a:t>MiClase()</a:t>
-            </a:r>
-            <a:endParaRPr lang="es-ES" sz="1600" dirty="0"/>
+                <a:latin typeface="Dom Casual" charset="0"/>
+              </a:rPr>
+              <a:t>Coche</a:t>
+            </a:r>
+            <a:r>
+              <a:rPr lang="es-ES" altLang="es-MX" sz="1600" dirty="0">
+                <a:solidFill>
+                  <a:schemeClr val="tx1">
+                    <a:lumMod val="95000"/>
+                    <a:lumOff val="5000"/>
+                  </a:schemeClr>
+                </a:solidFill>
+                <a:latin typeface="Dom Casual" charset="0"/>
+              </a:rPr>
+              <a:t>. Ambos objetos pueden </a:t>
+            </a:r>
+            <a:r>
+              <a:rPr lang="es-ES" altLang="es-MX" sz="1600" b="1" dirty="0">
+                <a:solidFill>
+                  <a:schemeClr val="tx1">
+                    <a:lumMod val="95000"/>
+                    <a:lumOff val="5000"/>
+                  </a:schemeClr>
+                </a:solidFill>
+                <a:latin typeface="Dom Casual" charset="0"/>
+              </a:rPr>
+              <a:t>acelerar</a:t>
+            </a:r>
+            <a:r>
+              <a:rPr lang="es-ES" altLang="es-MX" sz="1600" dirty="0">
+                <a:solidFill>
+                  <a:schemeClr val="tx1">
+                    <a:lumMod val="95000"/>
+                    <a:lumOff val="5000"/>
+                  </a:schemeClr>
+                </a:solidFill>
+                <a:latin typeface="Dom Casual" charset="0"/>
+              </a:rPr>
+              <a:t> y </a:t>
+            </a:r>
+            <a:r>
+              <a:rPr lang="es-ES" altLang="es-MX" sz="1600" b="1" dirty="0">
+                <a:solidFill>
+                  <a:schemeClr val="tx1">
+                    <a:lumMod val="95000"/>
+                    <a:lumOff val="5000"/>
+                  </a:schemeClr>
+                </a:solidFill>
+                <a:latin typeface="Dom Casual" charset="0"/>
+              </a:rPr>
+              <a:t>frenar</a:t>
+            </a:r>
+            <a:r>
+              <a:rPr lang="es-ES" altLang="es-MX" sz="1600" dirty="0">
+                <a:solidFill>
+                  <a:schemeClr val="tx1">
+                    <a:lumMod val="95000"/>
+                    <a:lumOff val="5000"/>
+                  </a:schemeClr>
+                </a:solidFill>
+                <a:latin typeface="Dom Casual" charset="0"/>
+              </a:rPr>
+              <a:t>, porque su clase define estas operaciones y tienen un color, porque la clase </a:t>
+            </a:r>
+            <a:r>
+              <a:rPr lang="es-ES" altLang="es-MX" sz="1600" b="1" dirty="0">
+                <a:solidFill>
+                  <a:schemeClr val="accent6">
+                    <a:lumMod val="75000"/>
+                  </a:schemeClr>
+                </a:solidFill>
+                <a:latin typeface="Dom Casual" charset="0"/>
+              </a:rPr>
+              <a:t>Coche</a:t>
+            </a:r>
+            <a:r>
+              <a:rPr lang="es-ES" altLang="es-MX" sz="1600" dirty="0">
+                <a:solidFill>
+                  <a:schemeClr val="tx1">
+                    <a:lumMod val="95000"/>
+                    <a:lumOff val="5000"/>
+                  </a:schemeClr>
+                </a:solidFill>
+                <a:latin typeface="Dom Casual" charset="0"/>
+              </a:rPr>
+              <a:t> también define este dato. </a:t>
+            </a:r>
+            <a:r>
+              <a:rPr lang="es-ES" altLang="es-MX" sz="1600" b="1" dirty="0">
+                <a:solidFill>
+                  <a:srgbClr val="FF0000"/>
+                </a:solidFill>
+                <a:latin typeface="Dom Casual" charset="0"/>
+              </a:rPr>
+              <a:t>c1</a:t>
+            </a:r>
+            <a:r>
+              <a:rPr lang="es-ES" altLang="es-MX" sz="1600" dirty="0">
+                <a:solidFill>
+                  <a:schemeClr val="tx1">
+                    <a:lumMod val="95000"/>
+                    <a:lumOff val="5000"/>
+                  </a:schemeClr>
+                </a:solidFill>
+                <a:latin typeface="Dom Casual" charset="0"/>
+              </a:rPr>
+              <a:t> es de color rojo, mientras que </a:t>
+            </a:r>
+            <a:r>
+              <a:rPr lang="es-ES" altLang="es-MX" sz="1600" b="1" dirty="0">
+                <a:solidFill>
+                  <a:srgbClr val="FF0000"/>
+                </a:solidFill>
+                <a:latin typeface="Dom Casual" charset="0"/>
+              </a:rPr>
+              <a:t>c2 </a:t>
+            </a:r>
+            <a:r>
+              <a:rPr lang="es-ES" altLang="es-MX" sz="1600" dirty="0">
+                <a:solidFill>
+                  <a:schemeClr val="tx1">
+                    <a:lumMod val="95000"/>
+                    <a:lumOff val="5000"/>
+                  </a:schemeClr>
+                </a:solidFill>
+                <a:latin typeface="Dom Casual" charset="0"/>
+              </a:rPr>
+              <a:t>es de color azul.</a:t>
+            </a:r>
+            <a:endParaRPr lang="es-ES_tradnl" altLang="es-MX" sz="1600" dirty="0">
+              <a:solidFill>
+                <a:schemeClr val="tx1">
+                  <a:lumMod val="95000"/>
+                  <a:lumOff val="5000"/>
+                </a:schemeClr>
+              </a:solidFill>
+              <a:latin typeface="Dom Casual" charset="0"/>
+            </a:endParaRPr>
           </a:p>
         </p:txBody>
       </p:sp>
-      <p:sp>
-        <p:nvSpPr>
-          <p:cNvPr id="6" name="CuadroTexto 5">
+      <p:pic>
+        <p:nvPicPr>
+          <p:cNvPr id="10" name="Imagen 9">
             <a:extLst>
               <a:ext uri="{FF2B5EF4-FFF2-40B4-BE49-F238E27FC236}">
-                <a16:creationId xmlns:a16="http://schemas.microsoft.com/office/drawing/2014/main" id="{57FA5499-F960-45B8-A4F1-72965E0A367A}"/>
+                <a16:creationId xmlns:a16="http://schemas.microsoft.com/office/drawing/2014/main" id="{51B4ED5C-4EAB-4BB6-B188-BF7088972B35}"/>
               </a:ext>
             </a:extLst>
           </p:cNvPr>
-          <p:cNvSpPr txBox="1"/>
+          <p:cNvPicPr>
+            <a:picLocks noChangeAspect="1"/>
+          </p:cNvPicPr>
           <p:nvPr/>
-        </p:nvSpPr>
+        </p:nvPicPr>
+        <p:blipFill>
+          <a:blip r:embed="rId3"/>
+          <a:stretch>
+            <a:fillRect/>
+          </a:stretch>
+        </p:blipFill>
         <p:spPr>
           <a:xfrm>
-            <a:off x="872459" y="3283201"/>
-            <a:ext cx="7272808" cy="792781"/>
+            <a:off x="3419872" y="1614936"/>
+            <a:ext cx="4392488" cy="3363673"/>
           </a:xfrm>
           <a:prstGeom prst="rect">
             <a:avLst/>
           </a:prstGeom>
-          <a:noFill/>
         </p:spPr>
-        <p:txBody>
-          <a:bodyPr wrap="square" rtlCol="0">
-            <a:spAutoFit/>
-          </a:bodyPr>
-          <a:lstStyle/>
-          <a:p>
-            <a:pPr algn="just">
-              <a:lnSpc>
-                <a:spcPct val="150000"/>
-              </a:lnSpc>
-            </a:pPr>
-            <a:r>
-              <a:rPr lang="es-ES" sz="1600" dirty="0"/>
-              <a:t>Este código crea una nueva instancia de la clase </a:t>
-            </a:r>
-            <a:r>
-              <a:rPr lang="es-ES" sz="1600" b="1" dirty="0">
-                <a:solidFill>
-                  <a:schemeClr val="accent6">
-                    <a:lumMod val="75000"/>
-                  </a:schemeClr>
-                </a:solidFill>
-              </a:rPr>
-              <a:t>MiClase</a:t>
-            </a:r>
-            <a:r>
-              <a:rPr lang="es-ES" sz="1600" dirty="0"/>
-              <a:t> y asigna dicho objeto a la variable </a:t>
-            </a:r>
-            <a:r>
-              <a:rPr lang="es-ES" sz="1600" b="1" dirty="0">
-                <a:solidFill>
-                  <a:srgbClr val="FF0000"/>
-                </a:solidFill>
-              </a:rPr>
-              <a:t>obj</a:t>
-            </a:r>
-            <a:r>
-              <a:rPr lang="es-ES" sz="1600" dirty="0"/>
-              <a:t>. Esto crea un objeto vacío, sin estado.</a:t>
-            </a:r>
-          </a:p>
-        </p:txBody>
-      </p:sp>
+      </p:pic>
     </p:spTree>
     <p:extLst>
       <p:ext uri="{BB962C8B-B14F-4D97-AF65-F5344CB8AC3E}">
-        <p14:creationId xmlns:p14="http://schemas.microsoft.com/office/powerpoint/2010/main" val="3285934696"/>
+        <p14:creationId xmlns:p14="http://schemas.microsoft.com/office/powerpoint/2010/main" val="1227542179"/>
       </p:ext>
     </p:extLst>
   </p:cSld>
@@ -28812,7 +28898,7 @@
         </p:nvSpPr>
         <p:spPr>
           <a:xfrm>
-            <a:off x="984560" y="-27384"/>
+            <a:off x="984560" y="53751"/>
             <a:ext cx="7174879" cy="1143001"/>
           </a:xfrm>
           <a:prstGeom prst="rect">
@@ -28854,8 +28940,84 @@
                 </a:effectLst>
                 <a:latin typeface="Dom Casual" charset="0"/>
               </a:rPr>
-              <a:t>Constructor de una clase</a:t>
-            </a:r>
+              <a:t>Objetos en Python</a:t>
+            </a:r>
+          </a:p>
+        </p:txBody>
+      </p:sp>
+      <p:sp>
+        <p:nvSpPr>
+          <p:cNvPr id="5" name="CuadroTexto 4">
+            <a:extLst>
+              <a:ext uri="{FF2B5EF4-FFF2-40B4-BE49-F238E27FC236}">
+                <a16:creationId xmlns:a16="http://schemas.microsoft.com/office/drawing/2014/main" id="{5B9DCBD5-EDB4-472E-80FA-9890151C94A5}"/>
+              </a:ext>
+            </a:extLst>
+          </p:cNvPr>
+          <p:cNvSpPr txBox="1"/>
+          <p:nvPr/>
+        </p:nvSpPr>
+        <p:spPr>
+          <a:xfrm>
+            <a:off x="886631" y="1412776"/>
+            <a:ext cx="7272808" cy="1692771"/>
+          </a:xfrm>
+          <a:prstGeom prst="rect">
+            <a:avLst/>
+          </a:prstGeom>
+          <a:noFill/>
+        </p:spPr>
+        <p:txBody>
+          <a:bodyPr wrap="square" rtlCol="0">
+            <a:spAutoFit/>
+          </a:bodyPr>
+          <a:lstStyle/>
+          <a:p>
+            <a:pPr algn="just">
+              <a:lnSpc>
+                <a:spcPct val="150000"/>
+              </a:lnSpc>
+            </a:pPr>
+            <a:r>
+              <a:rPr lang="es-ES" sz="1600" dirty="0"/>
+              <a:t>Para crear un objeto de una clase determinada, es decir, instanciar una clase, se usa el nombre de la clase y a continuación se añaden paréntesis (como si se llamara a una función).</a:t>
+            </a:r>
+          </a:p>
+          <a:p>
+            <a:r>
+              <a:rPr lang="es-ES" sz="1600" dirty="0">
+                <a:solidFill>
+                  <a:schemeClr val="bg1"/>
+                </a:solidFill>
+              </a:rPr>
+              <a:t>.</a:t>
+            </a:r>
+            <a:br>
+              <a:rPr lang="es-ES" sz="1600" dirty="0"/>
+            </a:br>
+            <a:r>
+              <a:rPr lang="es-ES" sz="1600" b="1" dirty="0">
+                <a:solidFill>
+                  <a:srgbClr val="FF0000"/>
+                </a:solidFill>
+              </a:rPr>
+              <a:t>obj</a:t>
+            </a:r>
+            <a:r>
+              <a:rPr lang="es-ES" sz="1600" dirty="0"/>
+              <a:t> = </a:t>
+            </a:r>
+            <a:r>
+              <a:rPr lang="es-ES" sz="1600" b="1" dirty="0">
+                <a:solidFill>
+                  <a:schemeClr val="accent6">
+                    <a:lumMod val="75000"/>
+                  </a:schemeClr>
+                </a:solidFill>
+              </a:rPr>
+              <a:t>MiClase()</a:t>
+            </a:r>
+            <a:endParaRPr lang="es-ES" sz="1600" dirty="0"/>
           </a:p>
         </p:txBody>
       </p:sp>
@@ -28873,8 +29035,8 @@
         </p:nvSpPr>
         <p:spPr>
           <a:xfrm>
-            <a:off x="488603" y="1052736"/>
-            <a:ext cx="8166794" cy="2870273"/>
+            <a:off x="872459" y="3283201"/>
+            <a:ext cx="7272808" cy="792781"/>
           </a:xfrm>
           <a:prstGeom prst="rect">
             <a:avLst/>
@@ -28887,75 +29049,14 @@
           </a:bodyPr>
           <a:lstStyle/>
           <a:p>
-            <a:pPr marL="285750" indent="-285750" algn="just">
+            <a:pPr algn="just">
               <a:lnSpc>
                 <a:spcPct val="150000"/>
               </a:lnSpc>
-              <a:spcAft>
-                <a:spcPts val="600"/>
-              </a:spcAft>
-              <a:buFont typeface="Arial" panose="020B0604020202020204" pitchFamily="34" charset="0"/>
-              <a:buChar char="•"/>
             </a:pPr>
             <a:r>
               <a:rPr lang="es-ES" sz="1600" dirty="0"/>
-              <a:t>Sin embargo, hay clases que deben o necesitan crear instancias de objetos con un estado inicial.</a:t>
-            </a:r>
-          </a:p>
-          <a:p>
-            <a:pPr marL="285750" indent="-285750" algn="just">
-              <a:lnSpc>
-                <a:spcPct val="150000"/>
-              </a:lnSpc>
-              <a:spcAft>
-                <a:spcPts val="600"/>
-              </a:spcAft>
-              <a:buFont typeface="Arial" panose="020B0604020202020204" pitchFamily="34" charset="0"/>
-              <a:buChar char="•"/>
-            </a:pPr>
-            <a:r>
-              <a:rPr lang="es-ES" sz="1600" dirty="0"/>
-              <a:t>Esto se consigue implementando el método especial </a:t>
-            </a:r>
-            <a:r>
-              <a:rPr lang="es-ES" sz="1600" b="1" dirty="0">
-                <a:solidFill>
-                  <a:srgbClr val="FF0000"/>
-                </a:solidFill>
-              </a:rPr>
-              <a:t>__init__()</a:t>
-            </a:r>
-            <a:r>
-              <a:rPr lang="es-ES" sz="1600" dirty="0"/>
-              <a:t>. Este método es conocido como el constructor de la clase y se invoca cada vez que se instancia un nuevo objeto.</a:t>
-            </a:r>
-          </a:p>
-          <a:p>
-            <a:pPr marL="285750" indent="-285750" algn="just">
-              <a:lnSpc>
-                <a:spcPct val="150000"/>
-              </a:lnSpc>
-              <a:spcAft>
-                <a:spcPts val="600"/>
-              </a:spcAft>
-              <a:buFont typeface="Arial" panose="020B0604020202020204" pitchFamily="34" charset="0"/>
-              <a:buChar char="•"/>
-            </a:pPr>
-            <a:r>
-              <a:rPr lang="es-ES" sz="1600" dirty="0"/>
-              <a:t>El método </a:t>
-            </a:r>
-            <a:r>
-              <a:rPr lang="es-ES" sz="1600" b="1" dirty="0">
-                <a:solidFill>
-                  <a:srgbClr val="FF0000"/>
-                </a:solidFill>
-              </a:rPr>
-              <a:t>__init__()</a:t>
-            </a:r>
-            <a:r>
-              <a:rPr lang="es-ES" sz="1600" dirty="0"/>
-              <a:t> establece un primer parámetro especial que se suele llamar </a:t>
+              <a:t>Este código crea una nueva instancia de la clase </a:t>
             </a:r>
             <a:r>
               <a:rPr lang="es-ES" sz="1600" b="1" dirty="0">
@@ -28965,177 +29066,31 @@
                   </a:schemeClr>
                 </a:solidFill>
               </a:rPr>
-              <a:t>self </a:t>
+              <a:t>MiClase</a:t>
             </a:r>
             <a:r>
               <a:rPr lang="es-ES" sz="1600" dirty="0"/>
-              <a:t>y puede especificar otros parámetros como en las funciones.</a:t>
-            </a:r>
-          </a:p>
-          <a:p>
-            <a:pPr marL="285750" indent="-285750" algn="just">
-              <a:lnSpc>
-                <a:spcPct val="150000"/>
-              </a:lnSpc>
-              <a:spcAft>
-                <a:spcPts val="600"/>
-              </a:spcAft>
-              <a:buFont typeface="Arial" panose="020B0604020202020204" pitchFamily="34" charset="0"/>
-              <a:buChar char="•"/>
-            </a:pPr>
+              <a:t> y asigna dicho objeto a la variable </a:t>
+            </a:r>
+            <a:r>
+              <a:rPr lang="es-ES" sz="1600" b="1" dirty="0">
+                <a:solidFill>
+                  <a:srgbClr val="FF0000"/>
+                </a:solidFill>
+              </a:rPr>
+              <a:t>obj</a:t>
+            </a:r>
             <a:r>
               <a:rPr lang="es-ES" sz="1600" dirty="0"/>
-              <a:t>En nuestro caso, el constructor de la clase </a:t>
-            </a:r>
-            <a:r>
-              <a:rPr lang="es-ES" sz="1600" b="1" dirty="0">
-                <a:solidFill>
-                  <a:schemeClr val="accent5">
-                    <a:lumMod val="75000"/>
-                  </a:schemeClr>
-                </a:solidFill>
-              </a:rPr>
-              <a:t>Coche</a:t>
-            </a:r>
-            <a:r>
-              <a:rPr lang="es-ES" sz="1600" dirty="0"/>
-              <a:t> es el siguiente:</a:t>
+              <a:t>. Esto crea un objeto vacío, sin estado.</a:t>
             </a:r>
           </a:p>
         </p:txBody>
       </p:sp>
-      <p:sp>
-        <p:nvSpPr>
-          <p:cNvPr id="7" name="CuadroTexto 6">
-            <a:extLst>
-              <a:ext uri="{FF2B5EF4-FFF2-40B4-BE49-F238E27FC236}">
-                <a16:creationId xmlns:a16="http://schemas.microsoft.com/office/drawing/2014/main" id="{563E2DE3-CD98-4F49-9265-70EF73D24688}"/>
-              </a:ext>
-            </a:extLst>
-          </p:cNvPr>
-          <p:cNvSpPr txBox="1"/>
-          <p:nvPr/>
-        </p:nvSpPr>
-        <p:spPr>
-          <a:xfrm>
-            <a:off x="488602" y="5241347"/>
-            <a:ext cx="8043837" cy="792781"/>
-          </a:xfrm>
-          <a:prstGeom prst="rect">
-            <a:avLst/>
-          </a:prstGeom>
-          <a:noFill/>
-        </p:spPr>
-        <p:txBody>
-          <a:bodyPr wrap="square" rtlCol="0">
-            <a:spAutoFit/>
-          </a:bodyPr>
-          <a:lstStyle/>
-          <a:p>
-            <a:pPr marL="285750" indent="-285750" algn="just">
-              <a:lnSpc>
-                <a:spcPct val="150000"/>
-              </a:lnSpc>
-              <a:buFont typeface="Arial" panose="020B0604020202020204" pitchFamily="34" charset="0"/>
-              <a:buChar char="•"/>
-            </a:pPr>
-            <a:r>
-              <a:rPr lang="es-ES" sz="1600" dirty="0"/>
-              <a:t>Además del parámetro </a:t>
-            </a:r>
-            <a:r>
-              <a:rPr lang="es-ES" sz="1600" b="1" dirty="0">
-                <a:solidFill>
-                  <a:schemeClr val="accent6">
-                    <a:lumMod val="75000"/>
-                  </a:schemeClr>
-                </a:solidFill>
-              </a:rPr>
-              <a:t>self</a:t>
-            </a:r>
-            <a:r>
-              <a:rPr lang="es-ES" sz="1600" dirty="0"/>
-              <a:t>, se definen los parámetros </a:t>
-            </a:r>
-            <a:r>
-              <a:rPr lang="es-ES" sz="1600" b="1" dirty="0">
-                <a:solidFill>
-                  <a:schemeClr val="accent6">
-                    <a:lumMod val="75000"/>
-                  </a:schemeClr>
-                </a:solidFill>
-              </a:rPr>
-              <a:t>color</a:t>
-            </a:r>
-            <a:r>
-              <a:rPr lang="es-ES" sz="1600" dirty="0"/>
-              <a:t> y </a:t>
-            </a:r>
-            <a:r>
-              <a:rPr lang="es-ES" sz="1600" b="1" dirty="0">
-                <a:solidFill>
-                  <a:schemeClr val="accent6">
-                    <a:lumMod val="75000"/>
-                  </a:schemeClr>
-                </a:solidFill>
-              </a:rPr>
-              <a:t>aceleracion</a:t>
-            </a:r>
-            <a:r>
-              <a:rPr lang="es-ES" sz="1600" dirty="0"/>
-              <a:t>, que determinan el estado inicial del objeto de tipo </a:t>
-            </a:r>
-            <a:r>
-              <a:rPr lang="es-ES" sz="1600" b="1" dirty="0">
-                <a:solidFill>
-                  <a:schemeClr val="accent5">
-                    <a:lumMod val="75000"/>
-                  </a:schemeClr>
-                </a:solidFill>
-              </a:rPr>
-              <a:t>Coche</a:t>
-            </a:r>
-            <a:r>
-              <a:rPr lang="es-ES" sz="1600" dirty="0"/>
-              <a:t>.</a:t>
-            </a:r>
-          </a:p>
-        </p:txBody>
-      </p:sp>
-      <p:pic>
-        <p:nvPicPr>
-          <p:cNvPr id="9" name="Imagen 8">
-            <a:extLst>
-              <a:ext uri="{FF2B5EF4-FFF2-40B4-BE49-F238E27FC236}">
-                <a16:creationId xmlns:a16="http://schemas.microsoft.com/office/drawing/2014/main" id="{917813CB-E4B8-46C1-8558-63AE7140883A}"/>
-              </a:ext>
-            </a:extLst>
-          </p:cNvPr>
-          <p:cNvPicPr>
-            <a:picLocks noChangeAspect="1"/>
-          </p:cNvPicPr>
-          <p:nvPr/>
-        </p:nvPicPr>
-        <p:blipFill>
-          <a:blip r:embed="rId3"/>
-          <a:stretch>
-            <a:fillRect/>
-          </a:stretch>
-        </p:blipFill>
-        <p:spPr>
-          <a:xfrm>
-            <a:off x="827584" y="3965727"/>
-            <a:ext cx="3312368" cy="1241022"/>
-          </a:xfrm>
-          <a:prstGeom prst="rect">
-            <a:avLst/>
-          </a:prstGeom>
-        </p:spPr>
-      </p:pic>
     </p:spTree>
     <p:extLst>
       <p:ext uri="{BB962C8B-B14F-4D97-AF65-F5344CB8AC3E}">
-        <p14:creationId xmlns:p14="http://schemas.microsoft.com/office/powerpoint/2010/main" val="1685158566"/>
+        <p14:creationId xmlns:p14="http://schemas.microsoft.com/office/powerpoint/2010/main" val="3285934696"/>
       </p:ext>
     </p:extLst>
   </p:cSld>
@@ -29227,6 +29182,151 @@
       </p:sp>
       <p:sp>
         <p:nvSpPr>
+          <p:cNvPr id="6" name="CuadroTexto 5">
+            <a:extLst>
+              <a:ext uri="{FF2B5EF4-FFF2-40B4-BE49-F238E27FC236}">
+                <a16:creationId xmlns:a16="http://schemas.microsoft.com/office/drawing/2014/main" id="{57FA5499-F960-45B8-A4F1-72965E0A367A}"/>
+              </a:ext>
+            </a:extLst>
+          </p:cNvPr>
+          <p:cNvSpPr txBox="1"/>
+          <p:nvPr/>
+        </p:nvSpPr>
+        <p:spPr>
+          <a:xfrm>
+            <a:off x="488603" y="1052736"/>
+            <a:ext cx="8166794" cy="2870273"/>
+          </a:xfrm>
+          <a:prstGeom prst="rect">
+            <a:avLst/>
+          </a:prstGeom>
+          <a:noFill/>
+        </p:spPr>
+        <p:txBody>
+          <a:bodyPr wrap="square" rtlCol="0">
+            <a:spAutoFit/>
+          </a:bodyPr>
+          <a:lstStyle/>
+          <a:p>
+            <a:pPr marL="285750" indent="-285750" algn="just">
+              <a:lnSpc>
+                <a:spcPct val="150000"/>
+              </a:lnSpc>
+              <a:spcAft>
+                <a:spcPts val="600"/>
+              </a:spcAft>
+              <a:buFont typeface="Arial" panose="020B0604020202020204" pitchFamily="34" charset="0"/>
+              <a:buChar char="•"/>
+            </a:pPr>
+            <a:r>
+              <a:rPr lang="es-ES" sz="1600" dirty="0"/>
+              <a:t>Sin embargo, hay clases que deben o necesitan crear instancias de objetos con un estado inicial.</a:t>
+            </a:r>
+          </a:p>
+          <a:p>
+            <a:pPr marL="285750" indent="-285750" algn="just">
+              <a:lnSpc>
+                <a:spcPct val="150000"/>
+              </a:lnSpc>
+              <a:spcAft>
+                <a:spcPts val="600"/>
+              </a:spcAft>
+              <a:buFont typeface="Arial" panose="020B0604020202020204" pitchFamily="34" charset="0"/>
+              <a:buChar char="•"/>
+            </a:pPr>
+            <a:r>
+              <a:rPr lang="es-ES" sz="1600" dirty="0"/>
+              <a:t>Esto se consigue implementando el método especial </a:t>
+            </a:r>
+            <a:r>
+              <a:rPr lang="es-ES" sz="1600" b="1" dirty="0">
+                <a:solidFill>
+                  <a:srgbClr val="FF0000"/>
+                </a:solidFill>
+              </a:rPr>
+              <a:t>__init__()</a:t>
+            </a:r>
+            <a:r>
+              <a:rPr lang="es-ES" sz="1600" dirty="0"/>
+              <a:t>. Este método es conocido como el constructor de la clase y se invoca cada vez que se instancia un nuevo objeto.</a:t>
+            </a:r>
+          </a:p>
+          <a:p>
+            <a:pPr marL="285750" indent="-285750" algn="just">
+              <a:lnSpc>
+                <a:spcPct val="150000"/>
+              </a:lnSpc>
+              <a:spcAft>
+                <a:spcPts val="600"/>
+              </a:spcAft>
+              <a:buFont typeface="Arial" panose="020B0604020202020204" pitchFamily="34" charset="0"/>
+              <a:buChar char="•"/>
+            </a:pPr>
+            <a:r>
+              <a:rPr lang="es-ES" sz="1600" dirty="0"/>
+              <a:t>El método </a:t>
+            </a:r>
+            <a:r>
+              <a:rPr lang="es-ES" sz="1600" b="1" dirty="0">
+                <a:solidFill>
+                  <a:srgbClr val="FF0000"/>
+                </a:solidFill>
+              </a:rPr>
+              <a:t>__init__()</a:t>
+            </a:r>
+            <a:r>
+              <a:rPr lang="es-ES" sz="1600" dirty="0"/>
+              <a:t> establece un primer parámetro especial que se suele llamar </a:t>
+            </a:r>
+            <a:r>
+              <a:rPr lang="es-ES" sz="1600" b="1" dirty="0">
+                <a:solidFill>
+                  <a:schemeClr val="accent6">
+                    <a:lumMod val="75000"/>
+                  </a:schemeClr>
+                </a:solidFill>
+              </a:rPr>
+              <a:t>self </a:t>
+            </a:r>
+            <a:r>
+              <a:rPr lang="es-ES" sz="1600" dirty="0"/>
+              <a:t>y puede especificar otros parámetros como en las funciones.</a:t>
+            </a:r>
+          </a:p>
+          <a:p>
+            <a:pPr marL="285750" indent="-285750" algn="just">
+              <a:lnSpc>
+                <a:spcPct val="150000"/>
+              </a:lnSpc>
+              <a:spcAft>
+                <a:spcPts val="600"/>
+              </a:spcAft>
+              <a:buFont typeface="Arial" panose="020B0604020202020204" pitchFamily="34" charset="0"/>
+              <a:buChar char="•"/>
+            </a:pPr>
+            <a:r>
+              <a:rPr lang="es-ES" sz="1600" dirty="0"/>
+              <a:t>En nuestro caso, el constructor de la clase </a:t>
+            </a:r>
+            <a:r>
+              <a:rPr lang="es-ES" sz="1600" b="1" dirty="0">
+                <a:solidFill>
+                  <a:schemeClr val="accent5">
+                    <a:lumMod val="75000"/>
+                  </a:schemeClr>
+                </a:solidFill>
+              </a:rPr>
+              <a:t>Coche</a:t>
+            </a:r>
+            <a:r>
+              <a:rPr lang="es-ES" sz="1600" dirty="0"/>
+              <a:t> es el siguiente:</a:t>
+            </a:r>
+          </a:p>
+        </p:txBody>
+      </p:sp>
+      <p:sp>
+        <p:nvSpPr>
           <p:cNvPr id="7" name="CuadroTexto 6">
             <a:extLst>
               <a:ext uri="{FF2B5EF4-FFF2-40B4-BE49-F238E27FC236}">
@@ -29239,8 +29339,8 @@
         </p:nvSpPr>
         <p:spPr>
           <a:xfrm>
-            <a:off x="755575" y="1150292"/>
-            <a:ext cx="7632848" cy="1569660"/>
+            <a:off x="488602" y="5241347"/>
+            <a:ext cx="8043837" cy="792781"/>
           </a:xfrm>
           <a:prstGeom prst="rect">
             <a:avLst/>
@@ -29253,14 +29353,58 @@
           </a:bodyPr>
           <a:lstStyle/>
           <a:p>
-            <a:pPr>
+            <a:pPr marL="285750" indent="-285750" algn="just">
               <a:lnSpc>
                 <a:spcPct val="150000"/>
               </a:lnSpc>
+              <a:buFont typeface="Arial" panose="020B0604020202020204" pitchFamily="34" charset="0"/>
+              <a:buChar char="•"/>
             </a:pPr>
             <a:r>
               <a:rPr lang="es-ES" sz="1600" dirty="0"/>
-              <a:t>En este caso, para instanciar un objeto de tipo </a:t>
+              <a:t>Además del parámetro </a:t>
+            </a:r>
+            <a:r>
+              <a:rPr lang="es-ES" sz="1600" b="1" dirty="0">
+                <a:solidFill>
+                  <a:schemeClr val="accent6">
+                    <a:lumMod val="75000"/>
+                  </a:schemeClr>
+                </a:solidFill>
+              </a:rPr>
+              <a:t>self</a:t>
+            </a:r>
+            <a:r>
+              <a:rPr lang="es-ES" sz="1600" dirty="0"/>
+              <a:t>, se definen los parámetros </a:t>
+            </a:r>
+            <a:r>
+              <a:rPr lang="es-ES" sz="1600" b="1" dirty="0">
+                <a:solidFill>
+                  <a:schemeClr val="accent6">
+                    <a:lumMod val="75000"/>
+                  </a:schemeClr>
+                </a:solidFill>
+              </a:rPr>
+              <a:t>color</a:t>
+            </a:r>
+            <a:r>
+              <a:rPr lang="es-ES" sz="1600" dirty="0"/>
+              <a:t> y </a:t>
+            </a:r>
+            <a:r>
+              <a:rPr lang="es-ES" sz="1600" b="1" dirty="0">
+                <a:solidFill>
+                  <a:schemeClr val="accent6">
+                    <a:lumMod val="75000"/>
+                  </a:schemeClr>
+                </a:solidFill>
+              </a:rPr>
+              <a:t>aceleracion</a:t>
+            </a:r>
+            <a:r>
+              <a:rPr lang="es-ES" sz="1600" dirty="0"/>
+              <a:t>, que determinan el estado inicial del objeto de tipo </a:t>
             </a:r>
             <a:r>
               <a:rPr lang="es-ES" sz="1600" b="1" dirty="0">
@@ -29274,118 +29418,17 @@
             </a:r>
             <a:r>
               <a:rPr lang="es-ES" sz="1600" dirty="0"/>
-              <a:t>, debemos pasar como argumentos el </a:t>
-            </a:r>
-            <a:r>
-              <a:rPr lang="es-ES" sz="1600" b="1" dirty="0"/>
-              <a:t>color </a:t>
-            </a:r>
-            <a:r>
-              <a:rPr lang="es-ES" sz="1600" dirty="0"/>
-              <a:t>y la </a:t>
-            </a:r>
-            <a:r>
-              <a:rPr lang="es-ES" sz="1600" b="1" dirty="0"/>
-              <a:t>aceleración </a:t>
-            </a:r>
-            <a:r>
-              <a:rPr lang="es-ES" sz="1600" dirty="0"/>
-              <a:t>como vimos en el ejemplo:</a:t>
-            </a:r>
-          </a:p>
-          <a:p>
-            <a:endParaRPr lang="es-MX" sz="1600" b="0" i="0" dirty="0">
-              <a:solidFill>
-                <a:srgbClr val="000000"/>
-              </a:solidFill>
-              <a:effectLst/>
-              <a:latin typeface="Source Code Pro" panose="020B0509030403020204" pitchFamily="49" charset="0"/>
-            </a:endParaRPr>
-          </a:p>
-          <a:p>
-            <a:r>
-              <a:rPr lang="es-MX" sz="1600" b="0" i="0" dirty="0">
-                <a:solidFill>
-                  <a:srgbClr val="000000"/>
-                </a:solidFill>
-                <a:effectLst/>
-                <a:latin typeface="Source Code Pro" panose="020B0509030403020204" pitchFamily="49" charset="0"/>
-              </a:rPr>
-              <a:t>c1 = </a:t>
-            </a:r>
-            <a:r>
-              <a:rPr lang="es-MX" sz="1600" b="0" i="0" dirty="0">
-                <a:solidFill>
-                  <a:srgbClr val="0086B3"/>
-                </a:solidFill>
-                <a:effectLst/>
-                <a:latin typeface="Source Code Pro" panose="020B0509030403020204" pitchFamily="49" charset="0"/>
-              </a:rPr>
-              <a:t>Coche</a:t>
-            </a:r>
-            <a:r>
-              <a:rPr lang="es-MX" sz="1600" b="0" i="0" dirty="0">
-                <a:solidFill>
-                  <a:srgbClr val="777777"/>
-                </a:solidFill>
-                <a:effectLst/>
-                <a:latin typeface="Source Code Pro" panose="020B0509030403020204" pitchFamily="49" charset="0"/>
-              </a:rPr>
-              <a:t>(</a:t>
-            </a:r>
-            <a:r>
-              <a:rPr lang="es-MX" sz="1600" b="0" i="0" dirty="0">
-                <a:solidFill>
-                  <a:srgbClr val="DD1144"/>
-                </a:solidFill>
-                <a:effectLst/>
-                <a:latin typeface="Source Code Pro" panose="020B0509030403020204" pitchFamily="49" charset="0"/>
-              </a:rPr>
-              <a:t>'rojo'</a:t>
-            </a:r>
-            <a:r>
-              <a:rPr lang="es-MX" sz="1600" b="0" i="0" dirty="0">
-                <a:solidFill>
-                  <a:srgbClr val="000000"/>
-                </a:solidFill>
-                <a:effectLst/>
-                <a:latin typeface="Source Code Pro" panose="020B0509030403020204" pitchFamily="49" charset="0"/>
-              </a:rPr>
-              <a:t>, </a:t>
-            </a:r>
-            <a:r>
-              <a:rPr lang="es-MX" sz="1600" b="0" i="0" dirty="0">
-                <a:solidFill>
-                  <a:srgbClr val="009999"/>
-                </a:solidFill>
-                <a:effectLst/>
-                <a:latin typeface="Source Code Pro" panose="020B0509030403020204" pitchFamily="49" charset="0"/>
-              </a:rPr>
-              <a:t>20</a:t>
-            </a:r>
-            <a:r>
-              <a:rPr lang="es-MX" sz="1600" b="0" i="0" dirty="0">
-                <a:solidFill>
-                  <a:srgbClr val="777777"/>
-                </a:solidFill>
-                <a:effectLst/>
-                <a:latin typeface="Source Code Pro" panose="020B0509030403020204" pitchFamily="49" charset="0"/>
-              </a:rPr>
-              <a:t>)</a:t>
-            </a:r>
-            <a:br>
-              <a:rPr lang="es-ES" sz="1600" dirty="0"/>
-            </a:br>
-            <a:endParaRPr lang="es-ES" sz="1600" dirty="0"/>
+              <a:t>.</a:t>
+            </a:r>
           </a:p>
         </p:txBody>
       </p:sp>
       <p:pic>
         <p:nvPicPr>
-          <p:cNvPr id="3" name="Imagen 2">
+          <p:cNvPr id="9" name="Imagen 8">
             <a:extLst>
               <a:ext uri="{FF2B5EF4-FFF2-40B4-BE49-F238E27FC236}">
-                <a16:creationId xmlns:a16="http://schemas.microsoft.com/office/drawing/2014/main" id="{FEE2874F-F48B-47D6-8562-87AB343D0170}"/>
+                <a16:creationId xmlns:a16="http://schemas.microsoft.com/office/drawing/2014/main" id="{917813CB-E4B8-46C1-8558-63AE7140883A}"/>
               </a:ext>
             </a:extLst>
           </p:cNvPr>
@@ -29395,15 +29438,15 @@
           <p:nvPr/>
         </p:nvPicPr>
         <p:blipFill>
-          <a:blip r:embed="rId2"/>
+          <a:blip r:embed="rId3"/>
           <a:stretch>
             <a:fillRect/>
           </a:stretch>
         </p:blipFill>
         <p:spPr>
           <a:xfrm>
-            <a:off x="1259632" y="2833124"/>
-            <a:ext cx="6781800" cy="2609850"/>
+            <a:off x="827584" y="3965727"/>
+            <a:ext cx="3312368" cy="1241022"/>
           </a:xfrm>
           <a:prstGeom prst="rect">
             <a:avLst/>
@@ -29413,7 +29456,7 @@
     </p:spTree>
     <p:extLst>
       <p:ext uri="{BB962C8B-B14F-4D97-AF65-F5344CB8AC3E}">
-        <p14:creationId xmlns:p14="http://schemas.microsoft.com/office/powerpoint/2010/main" val="2989575408"/>
+        <p14:creationId xmlns:p14="http://schemas.microsoft.com/office/powerpoint/2010/main" val="1685158566"/>
       </p:ext>
     </p:extLst>
   </p:cSld>
@@ -29498,6 +29541,284 @@
                 </a:effectLst>
                 <a:latin typeface="Dom Casual" charset="0"/>
               </a:rPr>
+              <a:t>Constructor de una clase</a:t>
+            </a:r>
+          </a:p>
+        </p:txBody>
+      </p:sp>
+      <p:sp>
+        <p:nvSpPr>
+          <p:cNvPr id="7" name="CuadroTexto 6">
+            <a:extLst>
+              <a:ext uri="{FF2B5EF4-FFF2-40B4-BE49-F238E27FC236}">
+                <a16:creationId xmlns:a16="http://schemas.microsoft.com/office/drawing/2014/main" id="{563E2DE3-CD98-4F49-9265-70EF73D24688}"/>
+              </a:ext>
+            </a:extLst>
+          </p:cNvPr>
+          <p:cNvSpPr txBox="1"/>
+          <p:nvPr/>
+        </p:nvSpPr>
+        <p:spPr>
+          <a:xfrm>
+            <a:off x="755575" y="1150292"/>
+            <a:ext cx="7632848" cy="1569660"/>
+          </a:xfrm>
+          <a:prstGeom prst="rect">
+            <a:avLst/>
+          </a:prstGeom>
+          <a:noFill/>
+        </p:spPr>
+        <p:txBody>
+          <a:bodyPr wrap="square" rtlCol="0">
+            <a:spAutoFit/>
+          </a:bodyPr>
+          <a:lstStyle/>
+          <a:p>
+            <a:pPr>
+              <a:lnSpc>
+                <a:spcPct val="150000"/>
+              </a:lnSpc>
+            </a:pPr>
+            <a:r>
+              <a:rPr lang="es-ES" sz="1600" dirty="0"/>
+              <a:t>En este caso, para instanciar un objeto de tipo </a:t>
+            </a:r>
+            <a:r>
+              <a:rPr lang="es-ES" sz="1600" b="1" dirty="0">
+                <a:solidFill>
+                  <a:schemeClr val="accent5">
+                    <a:lumMod val="75000"/>
+                  </a:schemeClr>
+                </a:solidFill>
+              </a:rPr>
+              <a:t>Coche</a:t>
+            </a:r>
+            <a:r>
+              <a:rPr lang="es-ES" sz="1600" dirty="0"/>
+              <a:t>, debemos pasar como argumentos el </a:t>
+            </a:r>
+            <a:r>
+              <a:rPr lang="es-ES" sz="1600" b="1" dirty="0"/>
+              <a:t>color </a:t>
+            </a:r>
+            <a:r>
+              <a:rPr lang="es-ES" sz="1600" dirty="0"/>
+              <a:t>y la </a:t>
+            </a:r>
+            <a:r>
+              <a:rPr lang="es-ES" sz="1600" b="1" dirty="0"/>
+              <a:t>aceleración </a:t>
+            </a:r>
+            <a:r>
+              <a:rPr lang="es-ES" sz="1600" dirty="0"/>
+              <a:t>como vimos en el ejemplo:</a:t>
+            </a:r>
+          </a:p>
+          <a:p>
+            <a:endParaRPr lang="es-MX" sz="1600" b="0" i="0" dirty="0">
+              <a:solidFill>
+                <a:srgbClr val="000000"/>
+              </a:solidFill>
+              <a:effectLst/>
+              <a:latin typeface="Source Code Pro" panose="020B0509030403020204" pitchFamily="49" charset="0"/>
+            </a:endParaRPr>
+          </a:p>
+          <a:p>
+            <a:r>
+              <a:rPr lang="es-MX" sz="1600" b="0" i="0" dirty="0">
+                <a:solidFill>
+                  <a:srgbClr val="000000"/>
+                </a:solidFill>
+                <a:effectLst/>
+                <a:latin typeface="Source Code Pro" panose="020B0509030403020204" pitchFamily="49" charset="0"/>
+              </a:rPr>
+              <a:t>c1 = </a:t>
+            </a:r>
+            <a:r>
+              <a:rPr lang="es-MX" sz="1600" b="0" i="0" dirty="0">
+                <a:solidFill>
+                  <a:srgbClr val="0086B3"/>
+                </a:solidFill>
+                <a:effectLst/>
+                <a:latin typeface="Source Code Pro" panose="020B0509030403020204" pitchFamily="49" charset="0"/>
+              </a:rPr>
+              <a:t>Coche</a:t>
+            </a:r>
+            <a:r>
+              <a:rPr lang="es-MX" sz="1600" b="0" i="0" dirty="0">
+                <a:solidFill>
+                  <a:srgbClr val="777777"/>
+                </a:solidFill>
+                <a:effectLst/>
+                <a:latin typeface="Source Code Pro" panose="020B0509030403020204" pitchFamily="49" charset="0"/>
+              </a:rPr>
+              <a:t>(</a:t>
+            </a:r>
+            <a:r>
+              <a:rPr lang="es-MX" sz="1600" b="0" i="0" dirty="0">
+                <a:solidFill>
+                  <a:srgbClr val="DD1144"/>
+                </a:solidFill>
+                <a:effectLst/>
+                <a:latin typeface="Source Code Pro" panose="020B0509030403020204" pitchFamily="49" charset="0"/>
+              </a:rPr>
+              <a:t>'rojo'</a:t>
+            </a:r>
+            <a:r>
+              <a:rPr lang="es-MX" sz="1600" b="0" i="0" dirty="0">
+                <a:solidFill>
+                  <a:srgbClr val="000000"/>
+                </a:solidFill>
+                <a:effectLst/>
+                <a:latin typeface="Source Code Pro" panose="020B0509030403020204" pitchFamily="49" charset="0"/>
+              </a:rPr>
+              <a:t>, </a:t>
+            </a:r>
+            <a:r>
+              <a:rPr lang="es-MX" sz="1600" b="0" i="0" dirty="0">
+                <a:solidFill>
+                  <a:srgbClr val="009999"/>
+                </a:solidFill>
+                <a:effectLst/>
+                <a:latin typeface="Source Code Pro" panose="020B0509030403020204" pitchFamily="49" charset="0"/>
+              </a:rPr>
+              <a:t>20</a:t>
+            </a:r>
+            <a:r>
+              <a:rPr lang="es-MX" sz="1600" b="0" i="0" dirty="0">
+                <a:solidFill>
+                  <a:srgbClr val="777777"/>
+                </a:solidFill>
+                <a:effectLst/>
+                <a:latin typeface="Source Code Pro" panose="020B0509030403020204" pitchFamily="49" charset="0"/>
+              </a:rPr>
+              <a:t>)</a:t>
+            </a:r>
+            <a:br>
+              <a:rPr lang="es-ES" sz="1600" dirty="0"/>
+            </a:br>
+            <a:endParaRPr lang="es-ES" sz="1600" dirty="0"/>
+          </a:p>
+        </p:txBody>
+      </p:sp>
+      <p:pic>
+        <p:nvPicPr>
+          <p:cNvPr id="3" name="Imagen 2">
+            <a:extLst>
+              <a:ext uri="{FF2B5EF4-FFF2-40B4-BE49-F238E27FC236}">
+                <a16:creationId xmlns:a16="http://schemas.microsoft.com/office/drawing/2014/main" id="{FEE2874F-F48B-47D6-8562-87AB343D0170}"/>
+              </a:ext>
+            </a:extLst>
+          </p:cNvPr>
+          <p:cNvPicPr>
+            <a:picLocks noChangeAspect="1"/>
+          </p:cNvPicPr>
+          <p:nvPr/>
+        </p:nvPicPr>
+        <p:blipFill>
+          <a:blip r:embed="rId2"/>
+          <a:stretch>
+            <a:fillRect/>
+          </a:stretch>
+        </p:blipFill>
+        <p:spPr>
+          <a:xfrm>
+            <a:off x="1259632" y="2833124"/>
+            <a:ext cx="6781800" cy="2609850"/>
+          </a:xfrm>
+          <a:prstGeom prst="rect">
+            <a:avLst/>
+          </a:prstGeom>
+        </p:spPr>
+      </p:pic>
+    </p:spTree>
+    <p:extLst>
+      <p:ext uri="{BB962C8B-B14F-4D97-AF65-F5344CB8AC3E}">
+        <p14:creationId xmlns:p14="http://schemas.microsoft.com/office/powerpoint/2010/main" val="2989575408"/>
+      </p:ext>
+    </p:extLst>
+  </p:cSld>
+  <p:clrMapOvr>
+    <a:masterClrMapping/>
+  </p:clrMapOvr>
+</p:sld>
+</file>
+
+<file path=ppt/slides/slide54.xml><?xml version="1.0" encoding="utf-8"?>
+<p:sld xmlns:a="http://schemas.openxmlformats.org/drawingml/2006/main" xmlns:r="http://schemas.openxmlformats.org/officeDocument/2006/relationships" xmlns:p="http://schemas.openxmlformats.org/presentationml/2006/main">
+  <p:cSld>
+    <p:spTree>
+      <p:nvGrpSpPr>
+        <p:cNvPr id="1" name=""/>
+        <p:cNvGrpSpPr/>
+        <p:nvPr/>
+      </p:nvGrpSpPr>
+      <p:grpSpPr>
+        <a:xfrm>
+          <a:off x="0" y="0"/>
+          <a:ext cx="0" cy="0"/>
+          <a:chOff x="0" y="0"/>
+          <a:chExt cx="0" cy="0"/>
+        </a:xfrm>
+      </p:grpSpPr>
+      <p:sp>
+        <p:nvSpPr>
+          <p:cNvPr id="4" name="Rectangle 2">
+            <a:extLst>
+              <a:ext uri="{FF2B5EF4-FFF2-40B4-BE49-F238E27FC236}">
+                <a16:creationId xmlns:a16="http://schemas.microsoft.com/office/drawing/2014/main" id="{7CE40F4F-E91D-42FD-B661-EAA8BC18ABC8}"/>
+              </a:ext>
+            </a:extLst>
+          </p:cNvPr>
+          <p:cNvSpPr txBox="1">
+            <a:spLocks noChangeArrowheads="1"/>
+          </p:cNvSpPr>
+          <p:nvPr/>
+        </p:nvSpPr>
+        <p:spPr>
+          <a:xfrm>
+            <a:off x="984560" y="-27384"/>
+            <a:ext cx="7174879" cy="1143001"/>
+          </a:xfrm>
+          <a:prstGeom prst="rect">
+            <a:avLst/>
+          </a:prstGeom>
+        </p:spPr>
+        <p:txBody>
+          <a:bodyPr vert="horz" lIns="91440" tIns="45720" rIns="91440" bIns="45720" rtlCol="0" anchor="ctr">
+            <a:normAutofit/>
+          </a:bodyPr>
+          <a:lstStyle>
+            <a:lvl1pPr algn="ctr" defTabSz="914400" rtl="0" eaLnBrk="1" latinLnBrk="0" hangingPunct="1">
+              <a:spcBef>
+                <a:spcPct val="0"/>
+              </a:spcBef>
+              <a:buNone/>
+              <a:defRPr sz="4400" kern="1200">
+                <a:solidFill>
+                  <a:schemeClr val="tx1"/>
+                </a:solidFill>
+                <a:latin typeface="+mj-lt"/>
+                <a:ea typeface="+mj-ea"/>
+                <a:cs typeface="+mj-cs"/>
+              </a:defRPr>
+            </a:lvl1pPr>
+          </a:lstStyle>
+          <a:p>
+            <a:r>
+              <a:rPr lang="es-ES_tradnl" altLang="es-MX" b="1" dirty="0">
+                <a:solidFill>
+                  <a:schemeClr val="accent4">
+                    <a:lumMod val="50000"/>
+                  </a:schemeClr>
+                </a:solidFill>
+                <a:effectLst>
+                  <a:outerShdw blurRad="38100" dist="38100" dir="2700000" algn="tl">
+                    <a:srgbClr val="C0C0C0"/>
+                  </a:outerShdw>
+                </a:effectLst>
+                <a:latin typeface="Dom Casual" charset="0"/>
+              </a:rPr>
               <a:t>Atributos de datos y métodos</a:t>
             </a:r>
           </a:p>
@@ -29747,7 +30068,7 @@
 </p:sld>
 </file>
 
-<file path=ppt/slides/slide54.xml><?xml version="1.0" encoding="utf-8"?>
+<file path=ppt/slides/slide55.xml><?xml version="1.0" encoding="utf-8"?>
 <p:sld xmlns:a="http://schemas.openxmlformats.org/drawingml/2006/main" xmlns:r="http://schemas.openxmlformats.org/officeDocument/2006/relationships" xmlns:p="http://schemas.openxmlformats.org/presentationml/2006/main">
   <p:cSld>
     <p:spTree>
@@ -30060,7 +30381,7 @@
 </p:sld>
 </file>
 
-<file path=ppt/slides/slide55.xml><?xml version="1.0" encoding="utf-8"?>
+<file path=ppt/slides/slide56.xml><?xml version="1.0" encoding="utf-8"?>
 <p:sld xmlns:a="http://schemas.openxmlformats.org/drawingml/2006/main" xmlns:r="http://schemas.openxmlformats.org/officeDocument/2006/relationships" xmlns:p="http://schemas.openxmlformats.org/presentationml/2006/main">
   <p:cSld>
     <p:spTree>
@@ -30289,7 +30610,7 @@
 </p:sld>
 </file>
 
-<file path=ppt/slides/slide56.xml><?xml version="1.0" encoding="utf-8"?>
+<file path=ppt/slides/slide57.xml><?xml version="1.0" encoding="utf-8"?>
 <p:sld xmlns:a="http://schemas.openxmlformats.org/drawingml/2006/main" xmlns:r="http://schemas.openxmlformats.org/officeDocument/2006/relationships" xmlns:p="http://schemas.openxmlformats.org/presentationml/2006/main">
   <p:cSld>
     <p:spTree>
@@ -30503,7 +30824,7 @@
 </p:sld>
 </file>
 
-<file path=ppt/slides/slide57.xml><?xml version="1.0" encoding="utf-8"?>
+<file path=ppt/slides/slide58.xml><?xml version="1.0" encoding="utf-8"?>
 <p:sld xmlns:a="http://schemas.openxmlformats.org/drawingml/2006/main" xmlns:r="http://schemas.openxmlformats.org/officeDocument/2006/relationships" xmlns:p="http://schemas.openxmlformats.org/presentationml/2006/main">
   <p:cSld>
     <p:spTree>
@@ -31301,7 +31622,7 @@
 </p:sld>
 </file>
 
-<file path=ppt/slides/slide58.xml><?xml version="1.0" encoding="utf-8"?>
+<file path=ppt/slides/slide59.xml><?xml version="1.0" encoding="utf-8"?>
 <p:sld xmlns:a="http://schemas.openxmlformats.org/drawingml/2006/main" xmlns:r="http://schemas.openxmlformats.org/officeDocument/2006/relationships" xmlns:p="http://schemas.openxmlformats.org/presentationml/2006/main">
   <p:cSld>
     <p:spTree>

--- a/CalendarioAgo2022/presentaciones/14_POO.pptx
+++ b/CalendarioAgo2022/presentaciones/14_POO.pptx
@@ -5,7 +5,7 @@
     <p:sldMasterId id="2147483648" r:id="rId1"/>
   </p:sldMasterIdLst>
   <p:notesMasterIdLst>
-    <p:notesMasterId r:id="rId61"/>
+    <p:notesMasterId r:id="rId59"/>
   </p:notesMasterIdLst>
   <p:sldIdLst>
     <p:sldId id="293" r:id="rId2"/>
@@ -48,25 +48,23 @@
     <p:sldId id="626" r:id="rId39"/>
     <p:sldId id="627" r:id="rId40"/>
     <p:sldId id="628" r:id="rId41"/>
-    <p:sldId id="629" r:id="rId42"/>
-    <p:sldId id="630" r:id="rId43"/>
-    <p:sldId id="631" r:id="rId44"/>
-    <p:sldId id="632" r:id="rId45"/>
-    <p:sldId id="669" r:id="rId46"/>
-    <p:sldId id="634" r:id="rId47"/>
-    <p:sldId id="668" r:id="rId48"/>
-    <p:sldId id="571" r:id="rId49"/>
-    <p:sldId id="572" r:id="rId50"/>
-    <p:sldId id="573" r:id="rId51"/>
-    <p:sldId id="576" r:id="rId52"/>
-    <p:sldId id="577" r:id="rId53"/>
-    <p:sldId id="579" r:id="rId54"/>
-    <p:sldId id="580" r:id="rId55"/>
-    <p:sldId id="583" r:id="rId56"/>
-    <p:sldId id="584" r:id="rId57"/>
-    <p:sldId id="581" r:id="rId58"/>
-    <p:sldId id="586" r:id="rId59"/>
-    <p:sldId id="282" r:id="rId60"/>
+    <p:sldId id="631" r:id="rId42"/>
+    <p:sldId id="632" r:id="rId43"/>
+    <p:sldId id="634" r:id="rId44"/>
+    <p:sldId id="669" r:id="rId45"/>
+    <p:sldId id="668" r:id="rId46"/>
+    <p:sldId id="571" r:id="rId47"/>
+    <p:sldId id="572" r:id="rId48"/>
+    <p:sldId id="573" r:id="rId49"/>
+    <p:sldId id="576" r:id="rId50"/>
+    <p:sldId id="577" r:id="rId51"/>
+    <p:sldId id="579" r:id="rId52"/>
+    <p:sldId id="580" r:id="rId53"/>
+    <p:sldId id="583" r:id="rId54"/>
+    <p:sldId id="584" r:id="rId55"/>
+    <p:sldId id="581" r:id="rId56"/>
+    <p:sldId id="586" r:id="rId57"/>
+    <p:sldId id="282" r:id="rId58"/>
   </p:sldIdLst>
   <p:sldSz cx="9144000" cy="6858000" type="screen4x3"/>
   <p:notesSz cx="6858000" cy="9144000"/>
@@ -266,7 +264,7 @@
           <a:p>
             <a:fld id="{DDE721D5-655F-45D2-B717-3C4CD78C8568}" type="datetimeFigureOut">
               <a:rPr lang="es-MX" smtClean="0"/>
-              <a:t>25/08/2022</a:t>
+              <a:t>26/08/2022</a:t>
             </a:fld>
             <a:endParaRPr lang="es-MX" dirty="0"/>
           </a:p>
@@ -767,7 +765,7 @@
           <a:p>
             <a:fld id="{6BAB4312-99A1-4CE9-ACE7-4C62E9FD90EE}" type="slidenum">
               <a:rPr lang="es-MX" smtClean="0"/>
-              <a:t>48</a:t>
+              <a:t>46</a:t>
             </a:fld>
             <a:endParaRPr lang="es-MX" dirty="0"/>
           </a:p>
@@ -901,7 +899,7 @@
           <a:p>
             <a:fld id="{6BAB4312-99A1-4CE9-ACE7-4C62E9FD90EE}" type="slidenum">
               <a:rPr lang="es-MX" smtClean="0"/>
-              <a:t>52</a:t>
+              <a:t>50</a:t>
             </a:fld>
             <a:endParaRPr lang="es-MX" dirty="0"/>
           </a:p>
@@ -985,7 +983,7 @@
           <a:p>
             <a:fld id="{6BAB4312-99A1-4CE9-ACE7-4C62E9FD90EE}" type="slidenum">
               <a:rPr lang="es-MX" smtClean="0"/>
-              <a:t>54</a:t>
+              <a:t>52</a:t>
             </a:fld>
             <a:endParaRPr lang="es-MX" dirty="0"/>
           </a:p>
@@ -1185,7 +1183,7 @@
           <a:p>
             <a:fld id="{B3F3E716-CACC-4490-AD07-F24B6A68DE47}" type="datetimeFigureOut">
               <a:rPr lang="es-MX" smtClean="0"/>
-              <a:t>25/08/2022</a:t>
+              <a:t>26/08/2022</a:t>
             </a:fld>
             <a:endParaRPr lang="es-MX" dirty="0"/>
           </a:p>
@@ -1355,7 +1353,7 @@
           <a:p>
             <a:fld id="{B3F3E716-CACC-4490-AD07-F24B6A68DE47}" type="datetimeFigureOut">
               <a:rPr lang="es-MX" smtClean="0"/>
-              <a:t>25/08/2022</a:t>
+              <a:t>26/08/2022</a:t>
             </a:fld>
             <a:endParaRPr lang="es-MX" dirty="0"/>
           </a:p>
@@ -1535,7 +1533,7 @@
           <a:p>
             <a:fld id="{B3F3E716-CACC-4490-AD07-F24B6A68DE47}" type="datetimeFigureOut">
               <a:rPr lang="es-MX" smtClean="0"/>
-              <a:t>25/08/2022</a:t>
+              <a:t>26/08/2022</a:t>
             </a:fld>
             <a:endParaRPr lang="es-MX" dirty="0"/>
           </a:p>
@@ -1688,7 +1686,7 @@
           <a:p>
             <a:fld id="{1D8BD707-D9CF-40AE-B4C6-C98DA3205C09}" type="datetimeFigureOut">
               <a:rPr lang="en-US" smtClean="0"/>
-              <a:t>8/25/2022</a:t>
+              <a:t>8/26/2022</a:t>
             </a:fld>
             <a:endParaRPr lang="en-US" dirty="0"/>
           </a:p>
@@ -2145,7 +2143,7 @@
           <a:p>
             <a:fld id="{B3F3E716-CACC-4490-AD07-F24B6A68DE47}" type="datetimeFigureOut">
               <a:rPr lang="es-MX" smtClean="0"/>
-              <a:t>25/08/2022</a:t>
+              <a:t>26/08/2022</a:t>
             </a:fld>
             <a:endParaRPr lang="es-MX" dirty="0"/>
           </a:p>
@@ -2391,7 +2389,7 @@
           <a:p>
             <a:fld id="{B3F3E716-CACC-4490-AD07-F24B6A68DE47}" type="datetimeFigureOut">
               <a:rPr lang="es-MX" smtClean="0"/>
-              <a:t>25/08/2022</a:t>
+              <a:t>26/08/2022</a:t>
             </a:fld>
             <a:endParaRPr lang="es-MX" dirty="0"/>
           </a:p>
@@ -2679,7 +2677,7 @@
           <a:p>
             <a:fld id="{B3F3E716-CACC-4490-AD07-F24B6A68DE47}" type="datetimeFigureOut">
               <a:rPr lang="es-MX" smtClean="0"/>
-              <a:t>25/08/2022</a:t>
+              <a:t>26/08/2022</a:t>
             </a:fld>
             <a:endParaRPr lang="es-MX" dirty="0"/>
           </a:p>
@@ -3101,7 +3099,7 @@
           <a:p>
             <a:fld id="{B3F3E716-CACC-4490-AD07-F24B6A68DE47}" type="datetimeFigureOut">
               <a:rPr lang="es-MX" smtClean="0"/>
-              <a:t>25/08/2022</a:t>
+              <a:t>26/08/2022</a:t>
             </a:fld>
             <a:endParaRPr lang="es-MX" dirty="0"/>
           </a:p>
@@ -3219,7 +3217,7 @@
           <a:p>
             <a:fld id="{B3F3E716-CACC-4490-AD07-F24B6A68DE47}" type="datetimeFigureOut">
               <a:rPr lang="es-MX" smtClean="0"/>
-              <a:t>25/08/2022</a:t>
+              <a:t>26/08/2022</a:t>
             </a:fld>
             <a:endParaRPr lang="es-MX" dirty="0"/>
           </a:p>
@@ -3314,7 +3312,7 @@
           <a:p>
             <a:fld id="{B3F3E716-CACC-4490-AD07-F24B6A68DE47}" type="datetimeFigureOut">
               <a:rPr lang="es-MX" smtClean="0"/>
-              <a:t>25/08/2022</a:t>
+              <a:t>26/08/2022</a:t>
             </a:fld>
             <a:endParaRPr lang="es-MX" dirty="0"/>
           </a:p>
@@ -3591,7 +3589,7 @@
           <a:p>
             <a:fld id="{B3F3E716-CACC-4490-AD07-F24B6A68DE47}" type="datetimeFigureOut">
               <a:rPr lang="es-MX" smtClean="0"/>
-              <a:t>25/08/2022</a:t>
+              <a:t>26/08/2022</a:t>
             </a:fld>
             <a:endParaRPr lang="es-MX" dirty="0"/>
           </a:p>
@@ -3844,7 +3842,7 @@
           <a:p>
             <a:fld id="{B3F3E716-CACC-4490-AD07-F24B6A68DE47}" type="datetimeFigureOut">
               <a:rPr lang="es-MX" smtClean="0"/>
-              <a:t>25/08/2022</a:t>
+              <a:t>26/08/2022</a:t>
             </a:fld>
             <a:endParaRPr lang="es-MX" dirty="0"/>
           </a:p>
@@ -4057,7 +4055,7 @@
           <a:p>
             <a:fld id="{B3F3E716-CACC-4490-AD07-F24B6A68DE47}" type="datetimeFigureOut">
               <a:rPr lang="es-MX" smtClean="0"/>
-              <a:t>25/08/2022</a:t>
+              <a:t>26/08/2022</a:t>
             </a:fld>
             <a:endParaRPr lang="es-MX" dirty="0"/>
           </a:p>
@@ -22816,660 +22814,6 @@
         </p:nvSpPr>
         <p:spPr>
           <a:xfrm>
-            <a:off x="925513" y="1"/>
-            <a:ext cx="7174879" cy="864096"/>
-          </a:xfrm>
-        </p:spPr>
-        <p:txBody>
-          <a:bodyPr>
-            <a:normAutofit/>
-          </a:bodyPr>
-          <a:lstStyle/>
-          <a:p>
-            <a:pPr algn="ctr"/>
-            <a:r>
-              <a:rPr lang="es-ES_tradnl" altLang="es-MX" b="1" dirty="0">
-                <a:solidFill>
-                  <a:schemeClr val="accent4">
-                    <a:lumMod val="50000"/>
-                  </a:schemeClr>
-                </a:solidFill>
-                <a:effectLst>
-                  <a:outerShdw blurRad="38100" dist="38100" dir="2700000" algn="tl">
-                    <a:srgbClr val="C0C0C0"/>
-                  </a:outerShdw>
-                </a:effectLst>
-                <a:latin typeface="Dom Casual" charset="0"/>
-              </a:rPr>
-              <a:t>Ejemplo: Clase Gato</a:t>
-            </a:r>
-          </a:p>
-        </p:txBody>
-      </p:sp>
-      <p:pic>
-        <p:nvPicPr>
-          <p:cNvPr id="7" name="Imagen 6">
-            <a:extLst>
-              <a:ext uri="{FF2B5EF4-FFF2-40B4-BE49-F238E27FC236}">
-                <a16:creationId xmlns:a16="http://schemas.microsoft.com/office/drawing/2014/main" id="{69E8C3DE-B991-41E1-9DD6-782F81488751}"/>
-              </a:ext>
-            </a:extLst>
-          </p:cNvPr>
-          <p:cNvPicPr>
-            <a:picLocks noChangeAspect="1"/>
-          </p:cNvPicPr>
-          <p:nvPr/>
-        </p:nvPicPr>
-        <p:blipFill>
-          <a:blip r:embed="rId2"/>
-          <a:stretch>
-            <a:fillRect/>
-          </a:stretch>
-        </p:blipFill>
-        <p:spPr>
-          <a:xfrm>
-            <a:off x="611560" y="982095"/>
-            <a:ext cx="3771417" cy="2446905"/>
-          </a:xfrm>
-          <a:prstGeom prst="rect">
-            <a:avLst/>
-          </a:prstGeom>
-        </p:spPr>
-      </p:pic>
-      <p:sp>
-        <p:nvSpPr>
-          <p:cNvPr id="8" name="Rectangle 3">
-            <a:extLst>
-              <a:ext uri="{FF2B5EF4-FFF2-40B4-BE49-F238E27FC236}">
-                <a16:creationId xmlns:a16="http://schemas.microsoft.com/office/drawing/2014/main" id="{9479C85F-35D0-40C2-BC48-BAFCF6AFA394}"/>
-              </a:ext>
-            </a:extLst>
-          </p:cNvPr>
-          <p:cNvSpPr txBox="1">
-            <a:spLocks noChangeArrowheads="1"/>
-          </p:cNvSpPr>
-          <p:nvPr/>
-        </p:nvSpPr>
-        <p:spPr>
-          <a:xfrm>
-            <a:off x="6228184" y="4797152"/>
-            <a:ext cx="2160240" cy="864096"/>
-          </a:xfrm>
-          <a:prstGeom prst="rect">
-            <a:avLst/>
-          </a:prstGeom>
-        </p:spPr>
-        <p:txBody>
-          <a:bodyPr vert="horz" lIns="91440" tIns="45720" rIns="91440" bIns="45720" rtlCol="0">
-            <a:normAutofit/>
-          </a:bodyPr>
-          <a:lstStyle>
-            <a:lvl1pPr marL="342900" indent="-342900" algn="l" defTabSz="914400" rtl="0" eaLnBrk="1" latinLnBrk="0" hangingPunct="1">
-              <a:spcBef>
-                <a:spcPct val="20000"/>
-              </a:spcBef>
-              <a:buFont typeface="Arial" pitchFamily="34" charset="0"/>
-              <a:buChar char="•"/>
-              <a:defRPr sz="3200" kern="1200">
-                <a:solidFill>
-                  <a:schemeClr val="tx1"/>
-                </a:solidFill>
-                <a:latin typeface="+mn-lt"/>
-                <a:ea typeface="+mn-ea"/>
-                <a:cs typeface="+mn-cs"/>
-              </a:defRPr>
-            </a:lvl1pPr>
-            <a:lvl2pPr marL="742950" indent="-285750" algn="l" defTabSz="914400" rtl="0" eaLnBrk="1" latinLnBrk="0" hangingPunct="1">
-              <a:spcBef>
-                <a:spcPct val="20000"/>
-              </a:spcBef>
-              <a:buFont typeface="Arial" pitchFamily="34" charset="0"/>
-              <a:buChar char="–"/>
-              <a:defRPr sz="2800" kern="1200">
-                <a:solidFill>
-                  <a:schemeClr val="tx1"/>
-                </a:solidFill>
-                <a:latin typeface="+mn-lt"/>
-                <a:ea typeface="+mn-ea"/>
-                <a:cs typeface="+mn-cs"/>
-              </a:defRPr>
-            </a:lvl2pPr>
-            <a:lvl3pPr marL="1143000" indent="-228600" algn="l" defTabSz="914400" rtl="0" eaLnBrk="1" latinLnBrk="0" hangingPunct="1">
-              <a:spcBef>
-                <a:spcPct val="20000"/>
-              </a:spcBef>
-              <a:buFont typeface="Arial" pitchFamily="34" charset="0"/>
-              <a:buChar char="•"/>
-              <a:defRPr sz="2400" kern="1200">
-                <a:solidFill>
-                  <a:schemeClr val="tx1"/>
-                </a:solidFill>
-                <a:latin typeface="+mn-lt"/>
-                <a:ea typeface="+mn-ea"/>
-                <a:cs typeface="+mn-cs"/>
-              </a:defRPr>
-            </a:lvl3pPr>
-            <a:lvl4pPr marL="1600200" indent="-228600" algn="l" defTabSz="914400" rtl="0" eaLnBrk="1" latinLnBrk="0" hangingPunct="1">
-              <a:spcBef>
-                <a:spcPct val="20000"/>
-              </a:spcBef>
-              <a:buFont typeface="Arial" pitchFamily="34" charset="0"/>
-              <a:buChar char="–"/>
-              <a:defRPr sz="2000" kern="1200">
-                <a:solidFill>
-                  <a:schemeClr val="tx1"/>
-                </a:solidFill>
-                <a:latin typeface="+mn-lt"/>
-                <a:ea typeface="+mn-ea"/>
-                <a:cs typeface="+mn-cs"/>
-              </a:defRPr>
-            </a:lvl4pPr>
-            <a:lvl5pPr marL="2057400" indent="-228600" algn="l" defTabSz="914400" rtl="0" eaLnBrk="1" latinLnBrk="0" hangingPunct="1">
-              <a:spcBef>
-                <a:spcPct val="20000"/>
-              </a:spcBef>
-              <a:buFont typeface="Arial" pitchFamily="34" charset="0"/>
-              <a:buChar char="»"/>
-              <a:defRPr sz="2000" kern="1200">
-                <a:solidFill>
-                  <a:schemeClr val="tx1"/>
-                </a:solidFill>
-                <a:latin typeface="+mn-lt"/>
-                <a:ea typeface="+mn-ea"/>
-                <a:cs typeface="+mn-cs"/>
-              </a:defRPr>
-            </a:lvl5pPr>
-            <a:lvl6pPr marL="2514600" indent="-228600" algn="l" defTabSz="914400" rtl="0" eaLnBrk="1" latinLnBrk="0" hangingPunct="1">
-              <a:spcBef>
-                <a:spcPct val="20000"/>
-              </a:spcBef>
-              <a:buFont typeface="Arial" pitchFamily="34" charset="0"/>
-              <a:buChar char="•"/>
-              <a:defRPr sz="2000" kern="1200">
-                <a:solidFill>
-                  <a:schemeClr val="tx1"/>
-                </a:solidFill>
-                <a:latin typeface="+mn-lt"/>
-                <a:ea typeface="+mn-ea"/>
-                <a:cs typeface="+mn-cs"/>
-              </a:defRPr>
-            </a:lvl6pPr>
-            <a:lvl7pPr marL="2971800" indent="-228600" algn="l" defTabSz="914400" rtl="0" eaLnBrk="1" latinLnBrk="0" hangingPunct="1">
-              <a:spcBef>
-                <a:spcPct val="20000"/>
-              </a:spcBef>
-              <a:buFont typeface="Arial" pitchFamily="34" charset="0"/>
-              <a:buChar char="•"/>
-              <a:defRPr sz="2000" kern="1200">
-                <a:solidFill>
-                  <a:schemeClr val="tx1"/>
-                </a:solidFill>
-                <a:latin typeface="+mn-lt"/>
-                <a:ea typeface="+mn-ea"/>
-                <a:cs typeface="+mn-cs"/>
-              </a:defRPr>
-            </a:lvl7pPr>
-            <a:lvl8pPr marL="3429000" indent="-228600" algn="l" defTabSz="914400" rtl="0" eaLnBrk="1" latinLnBrk="0" hangingPunct="1">
-              <a:spcBef>
-                <a:spcPct val="20000"/>
-              </a:spcBef>
-              <a:buFont typeface="Arial" pitchFamily="34" charset="0"/>
-              <a:buChar char="•"/>
-              <a:defRPr sz="2000" kern="1200">
-                <a:solidFill>
-                  <a:schemeClr val="tx1"/>
-                </a:solidFill>
-                <a:latin typeface="+mn-lt"/>
-                <a:ea typeface="+mn-ea"/>
-                <a:cs typeface="+mn-cs"/>
-              </a:defRPr>
-            </a:lvl8pPr>
-            <a:lvl9pPr marL="3886200" indent="-228600" algn="l" defTabSz="914400" rtl="0" eaLnBrk="1" latinLnBrk="0" hangingPunct="1">
-              <a:spcBef>
-                <a:spcPct val="20000"/>
-              </a:spcBef>
-              <a:buFont typeface="Arial" pitchFamily="34" charset="0"/>
-              <a:buChar char="•"/>
-              <a:defRPr sz="2000" kern="1200">
-                <a:solidFill>
-                  <a:schemeClr val="tx1"/>
-                </a:solidFill>
-                <a:latin typeface="+mn-lt"/>
-                <a:ea typeface="+mn-ea"/>
-                <a:cs typeface="+mn-cs"/>
-              </a:defRPr>
-            </a:lvl9pPr>
-          </a:lstStyle>
-          <a:p>
-            <a:pPr marL="0" indent="0">
-              <a:lnSpc>
-                <a:spcPct val="120000"/>
-              </a:lnSpc>
-              <a:spcBef>
-                <a:spcPct val="0"/>
-              </a:spcBef>
-              <a:buFont typeface="Arial" pitchFamily="34" charset="0"/>
-              <a:buNone/>
-            </a:pPr>
-            <a:r>
-              <a:rPr lang="es-ES_tradnl" altLang="es-MX" sz="1800" dirty="0">
-                <a:solidFill>
-                  <a:schemeClr val="bg2">
-                    <a:lumMod val="10000"/>
-                  </a:schemeClr>
-                </a:solidFill>
-                <a:latin typeface="Dom Casual" charset="0"/>
-              </a:rPr>
-              <a:t>Asignar valores al atributo alimentos.</a:t>
-            </a:r>
-          </a:p>
-        </p:txBody>
-      </p:sp>
-      <p:pic>
-        <p:nvPicPr>
-          <p:cNvPr id="9" name="Imagen 8">
-            <a:extLst>
-              <a:ext uri="{FF2B5EF4-FFF2-40B4-BE49-F238E27FC236}">
-                <a16:creationId xmlns:a16="http://schemas.microsoft.com/office/drawing/2014/main" id="{4987BA09-684A-4F2C-BADD-6C20BCB221CB}"/>
-              </a:ext>
-            </a:extLst>
-          </p:cNvPr>
-          <p:cNvPicPr>
-            <a:picLocks noChangeAspect="1"/>
-          </p:cNvPicPr>
-          <p:nvPr/>
-        </p:nvPicPr>
-        <p:blipFill>
-          <a:blip r:embed="rId3"/>
-          <a:stretch>
-            <a:fillRect/>
-          </a:stretch>
-        </p:blipFill>
-        <p:spPr>
-          <a:xfrm>
-            <a:off x="350529" y="3451178"/>
-            <a:ext cx="5294768" cy="3196544"/>
-          </a:xfrm>
-          <a:prstGeom prst="rect">
-            <a:avLst/>
-          </a:prstGeom>
-        </p:spPr>
-      </p:pic>
-    </p:spTree>
-    <p:extLst>
-      <p:ext uri="{BB962C8B-B14F-4D97-AF65-F5344CB8AC3E}">
-        <p14:creationId xmlns:p14="http://schemas.microsoft.com/office/powerpoint/2010/main" val="3531613353"/>
-      </p:ext>
-    </p:extLst>
-  </p:cSld>
-  <p:clrMapOvr>
-    <a:masterClrMapping/>
-  </p:clrMapOvr>
-</p:sld>
-</file>
-
-<file path=ppt/slides/slide42.xml><?xml version="1.0" encoding="utf-8"?>
-<p:sld xmlns:a="http://schemas.openxmlformats.org/drawingml/2006/main" xmlns:r="http://schemas.openxmlformats.org/officeDocument/2006/relationships" xmlns:p="http://schemas.openxmlformats.org/presentationml/2006/main">
-  <p:cSld>
-    <p:spTree>
-      <p:nvGrpSpPr>
-        <p:cNvPr id="1" name=""/>
-        <p:cNvGrpSpPr/>
-        <p:nvPr/>
-      </p:nvGrpSpPr>
-      <p:grpSpPr>
-        <a:xfrm>
-          <a:off x="0" y="0"/>
-          <a:ext cx="0" cy="0"/>
-          <a:chOff x="0" y="0"/>
-          <a:chExt cx="0" cy="0"/>
-        </a:xfrm>
-      </p:grpSpPr>
-      <p:sp>
-        <p:nvSpPr>
-          <p:cNvPr id="6" name="Rectangle 2">
-            <a:extLst>
-              <a:ext uri="{FF2B5EF4-FFF2-40B4-BE49-F238E27FC236}">
-                <a16:creationId xmlns:a16="http://schemas.microsoft.com/office/drawing/2014/main" id="{08912013-0DAA-4E2F-81D3-4CE3B7140A06}"/>
-              </a:ext>
-            </a:extLst>
-          </p:cNvPr>
-          <p:cNvSpPr>
-            <a:spLocks noGrp="1" noChangeArrowheads="1"/>
-          </p:cNvSpPr>
-          <p:nvPr>
-            <p:ph type="title"/>
-          </p:nvPr>
-        </p:nvSpPr>
-        <p:spPr>
-          <a:xfrm>
-            <a:off x="925513" y="0"/>
-            <a:ext cx="7174879" cy="1143001"/>
-          </a:xfrm>
-        </p:spPr>
-        <p:txBody>
-          <a:bodyPr>
-            <a:normAutofit/>
-          </a:bodyPr>
-          <a:lstStyle/>
-          <a:p>
-            <a:pPr algn="ctr"/>
-            <a:r>
-              <a:rPr lang="es-ES_tradnl" altLang="es-MX" b="1" dirty="0">
-                <a:solidFill>
-                  <a:schemeClr val="accent4">
-                    <a:lumMod val="50000"/>
-                  </a:schemeClr>
-                </a:solidFill>
-                <a:effectLst>
-                  <a:outerShdw blurRad="38100" dist="38100" dir="2700000" algn="tl">
-                    <a:srgbClr val="C0C0C0"/>
-                  </a:outerShdw>
-                </a:effectLst>
-                <a:latin typeface="Dom Casual" charset="0"/>
-              </a:rPr>
-              <a:t>Ejemplo: Clase Gato</a:t>
-            </a:r>
-          </a:p>
-        </p:txBody>
-      </p:sp>
-      <p:pic>
-        <p:nvPicPr>
-          <p:cNvPr id="7" name="Imagen 6">
-            <a:extLst>
-              <a:ext uri="{FF2B5EF4-FFF2-40B4-BE49-F238E27FC236}">
-                <a16:creationId xmlns:a16="http://schemas.microsoft.com/office/drawing/2014/main" id="{69E8C3DE-B991-41E1-9DD6-782F81488751}"/>
-              </a:ext>
-            </a:extLst>
-          </p:cNvPr>
-          <p:cNvPicPr>
-            <a:picLocks noChangeAspect="1"/>
-          </p:cNvPicPr>
-          <p:nvPr/>
-        </p:nvPicPr>
-        <p:blipFill>
-          <a:blip r:embed="rId2"/>
-          <a:stretch>
-            <a:fillRect/>
-          </a:stretch>
-        </p:blipFill>
-        <p:spPr>
-          <a:xfrm>
-            <a:off x="755576" y="1154211"/>
-            <a:ext cx="4064360" cy="2636967"/>
-          </a:xfrm>
-          <a:prstGeom prst="rect">
-            <a:avLst/>
-          </a:prstGeom>
-        </p:spPr>
-      </p:pic>
-      <p:sp>
-        <p:nvSpPr>
-          <p:cNvPr id="8" name="Rectangle 3">
-            <a:extLst>
-              <a:ext uri="{FF2B5EF4-FFF2-40B4-BE49-F238E27FC236}">
-                <a16:creationId xmlns:a16="http://schemas.microsoft.com/office/drawing/2014/main" id="{9479C85F-35D0-40C2-BC48-BAFCF6AFA394}"/>
-              </a:ext>
-            </a:extLst>
-          </p:cNvPr>
-          <p:cNvSpPr txBox="1">
-            <a:spLocks noChangeArrowheads="1"/>
-          </p:cNvSpPr>
-          <p:nvPr/>
-        </p:nvSpPr>
-        <p:spPr>
-          <a:xfrm>
-            <a:off x="5796136" y="3933056"/>
-            <a:ext cx="2304256" cy="1304174"/>
-          </a:xfrm>
-          <a:prstGeom prst="rect">
-            <a:avLst/>
-          </a:prstGeom>
-        </p:spPr>
-        <p:txBody>
-          <a:bodyPr vert="horz" lIns="91440" tIns="45720" rIns="91440" bIns="45720" rtlCol="0">
-            <a:normAutofit/>
-          </a:bodyPr>
-          <a:lstStyle>
-            <a:lvl1pPr marL="342900" indent="-342900" algn="l" defTabSz="914400" rtl="0" eaLnBrk="1" latinLnBrk="0" hangingPunct="1">
-              <a:spcBef>
-                <a:spcPct val="20000"/>
-              </a:spcBef>
-              <a:buFont typeface="Arial" pitchFamily="34" charset="0"/>
-              <a:buChar char="•"/>
-              <a:defRPr sz="3200" kern="1200">
-                <a:solidFill>
-                  <a:schemeClr val="tx1"/>
-                </a:solidFill>
-                <a:latin typeface="+mn-lt"/>
-                <a:ea typeface="+mn-ea"/>
-                <a:cs typeface="+mn-cs"/>
-              </a:defRPr>
-            </a:lvl1pPr>
-            <a:lvl2pPr marL="742950" indent="-285750" algn="l" defTabSz="914400" rtl="0" eaLnBrk="1" latinLnBrk="0" hangingPunct="1">
-              <a:spcBef>
-                <a:spcPct val="20000"/>
-              </a:spcBef>
-              <a:buFont typeface="Arial" pitchFamily="34" charset="0"/>
-              <a:buChar char="–"/>
-              <a:defRPr sz="2800" kern="1200">
-                <a:solidFill>
-                  <a:schemeClr val="tx1"/>
-                </a:solidFill>
-                <a:latin typeface="+mn-lt"/>
-                <a:ea typeface="+mn-ea"/>
-                <a:cs typeface="+mn-cs"/>
-              </a:defRPr>
-            </a:lvl2pPr>
-            <a:lvl3pPr marL="1143000" indent="-228600" algn="l" defTabSz="914400" rtl="0" eaLnBrk="1" latinLnBrk="0" hangingPunct="1">
-              <a:spcBef>
-                <a:spcPct val="20000"/>
-              </a:spcBef>
-              <a:buFont typeface="Arial" pitchFamily="34" charset="0"/>
-              <a:buChar char="•"/>
-              <a:defRPr sz="2400" kern="1200">
-                <a:solidFill>
-                  <a:schemeClr val="tx1"/>
-                </a:solidFill>
-                <a:latin typeface="+mn-lt"/>
-                <a:ea typeface="+mn-ea"/>
-                <a:cs typeface="+mn-cs"/>
-              </a:defRPr>
-            </a:lvl3pPr>
-            <a:lvl4pPr marL="1600200" indent="-228600" algn="l" defTabSz="914400" rtl="0" eaLnBrk="1" latinLnBrk="0" hangingPunct="1">
-              <a:spcBef>
-                <a:spcPct val="20000"/>
-              </a:spcBef>
-              <a:buFont typeface="Arial" pitchFamily="34" charset="0"/>
-              <a:buChar char="–"/>
-              <a:defRPr sz="2000" kern="1200">
-                <a:solidFill>
-                  <a:schemeClr val="tx1"/>
-                </a:solidFill>
-                <a:latin typeface="+mn-lt"/>
-                <a:ea typeface="+mn-ea"/>
-                <a:cs typeface="+mn-cs"/>
-              </a:defRPr>
-            </a:lvl4pPr>
-            <a:lvl5pPr marL="2057400" indent="-228600" algn="l" defTabSz="914400" rtl="0" eaLnBrk="1" latinLnBrk="0" hangingPunct="1">
-              <a:spcBef>
-                <a:spcPct val="20000"/>
-              </a:spcBef>
-              <a:buFont typeface="Arial" pitchFamily="34" charset="0"/>
-              <a:buChar char="»"/>
-              <a:defRPr sz="2000" kern="1200">
-                <a:solidFill>
-                  <a:schemeClr val="tx1"/>
-                </a:solidFill>
-                <a:latin typeface="+mn-lt"/>
-                <a:ea typeface="+mn-ea"/>
-                <a:cs typeface="+mn-cs"/>
-              </a:defRPr>
-            </a:lvl5pPr>
-            <a:lvl6pPr marL="2514600" indent="-228600" algn="l" defTabSz="914400" rtl="0" eaLnBrk="1" latinLnBrk="0" hangingPunct="1">
-              <a:spcBef>
-                <a:spcPct val="20000"/>
-              </a:spcBef>
-              <a:buFont typeface="Arial" pitchFamily="34" charset="0"/>
-              <a:buChar char="•"/>
-              <a:defRPr sz="2000" kern="1200">
-                <a:solidFill>
-                  <a:schemeClr val="tx1"/>
-                </a:solidFill>
-                <a:latin typeface="+mn-lt"/>
-                <a:ea typeface="+mn-ea"/>
-                <a:cs typeface="+mn-cs"/>
-              </a:defRPr>
-            </a:lvl6pPr>
-            <a:lvl7pPr marL="2971800" indent="-228600" algn="l" defTabSz="914400" rtl="0" eaLnBrk="1" latinLnBrk="0" hangingPunct="1">
-              <a:spcBef>
-                <a:spcPct val="20000"/>
-              </a:spcBef>
-              <a:buFont typeface="Arial" pitchFamily="34" charset="0"/>
-              <a:buChar char="•"/>
-              <a:defRPr sz="2000" kern="1200">
-                <a:solidFill>
-                  <a:schemeClr val="tx1"/>
-                </a:solidFill>
-                <a:latin typeface="+mn-lt"/>
-                <a:ea typeface="+mn-ea"/>
-                <a:cs typeface="+mn-cs"/>
-              </a:defRPr>
-            </a:lvl7pPr>
-            <a:lvl8pPr marL="3429000" indent="-228600" algn="l" defTabSz="914400" rtl="0" eaLnBrk="1" latinLnBrk="0" hangingPunct="1">
-              <a:spcBef>
-                <a:spcPct val="20000"/>
-              </a:spcBef>
-              <a:buFont typeface="Arial" pitchFamily="34" charset="0"/>
-              <a:buChar char="•"/>
-              <a:defRPr sz="2000" kern="1200">
-                <a:solidFill>
-                  <a:schemeClr val="tx1"/>
-                </a:solidFill>
-                <a:latin typeface="+mn-lt"/>
-                <a:ea typeface="+mn-ea"/>
-                <a:cs typeface="+mn-cs"/>
-              </a:defRPr>
-            </a:lvl8pPr>
-            <a:lvl9pPr marL="3886200" indent="-228600" algn="l" defTabSz="914400" rtl="0" eaLnBrk="1" latinLnBrk="0" hangingPunct="1">
-              <a:spcBef>
-                <a:spcPct val="20000"/>
-              </a:spcBef>
-              <a:buFont typeface="Arial" pitchFamily="34" charset="0"/>
-              <a:buChar char="•"/>
-              <a:defRPr sz="2000" kern="1200">
-                <a:solidFill>
-                  <a:schemeClr val="tx1"/>
-                </a:solidFill>
-                <a:latin typeface="+mn-lt"/>
-                <a:ea typeface="+mn-ea"/>
-                <a:cs typeface="+mn-cs"/>
-              </a:defRPr>
-            </a:lvl9pPr>
-          </a:lstStyle>
-          <a:p>
-            <a:pPr marL="0" indent="0">
-              <a:lnSpc>
-                <a:spcPct val="120000"/>
-              </a:lnSpc>
-              <a:spcBef>
-                <a:spcPct val="0"/>
-              </a:spcBef>
-              <a:buFont typeface="Arial" pitchFamily="34" charset="0"/>
-              <a:buNone/>
-            </a:pPr>
-            <a:r>
-              <a:rPr lang="es-ES_tradnl" altLang="es-MX" sz="2000" dirty="0">
-                <a:solidFill>
-                  <a:schemeClr val="bg2">
-                    <a:lumMod val="10000"/>
-                  </a:schemeClr>
-                </a:solidFill>
-                <a:latin typeface="Dom Casual" charset="0"/>
-              </a:rPr>
-              <a:t>Asignar valores al atributo alimentos.</a:t>
-            </a:r>
-          </a:p>
-        </p:txBody>
-      </p:sp>
-      <p:pic>
-        <p:nvPicPr>
-          <p:cNvPr id="3" name="Imagen 2">
-            <a:extLst>
-              <a:ext uri="{FF2B5EF4-FFF2-40B4-BE49-F238E27FC236}">
-                <a16:creationId xmlns:a16="http://schemas.microsoft.com/office/drawing/2014/main" id="{38D66600-CF57-4A70-A1BF-49DD22B65AF6}"/>
-              </a:ext>
-            </a:extLst>
-          </p:cNvPr>
-          <p:cNvPicPr>
-            <a:picLocks noChangeAspect="1"/>
-          </p:cNvPicPr>
-          <p:nvPr/>
-        </p:nvPicPr>
-        <p:blipFill>
-          <a:blip r:embed="rId3"/>
-          <a:stretch>
-            <a:fillRect/>
-          </a:stretch>
-        </p:blipFill>
-        <p:spPr>
-          <a:xfrm>
-            <a:off x="395536" y="4077072"/>
-            <a:ext cx="4032448" cy="2057871"/>
-          </a:xfrm>
-          <a:prstGeom prst="rect">
-            <a:avLst/>
-          </a:prstGeom>
-        </p:spPr>
-      </p:pic>
-    </p:spTree>
-    <p:extLst>
-      <p:ext uri="{BB962C8B-B14F-4D97-AF65-F5344CB8AC3E}">
-        <p14:creationId xmlns:p14="http://schemas.microsoft.com/office/powerpoint/2010/main" val="9573744"/>
-      </p:ext>
-    </p:extLst>
-  </p:cSld>
-  <p:clrMapOvr>
-    <a:masterClrMapping/>
-  </p:clrMapOvr>
-</p:sld>
-</file>
-
-<file path=ppt/slides/slide43.xml><?xml version="1.0" encoding="utf-8"?>
-<p:sld xmlns:a="http://schemas.openxmlformats.org/drawingml/2006/main" xmlns:r="http://schemas.openxmlformats.org/officeDocument/2006/relationships" xmlns:p="http://schemas.openxmlformats.org/presentationml/2006/main">
-  <p:cSld>
-    <p:spTree>
-      <p:nvGrpSpPr>
-        <p:cNvPr id="1" name=""/>
-        <p:cNvGrpSpPr/>
-        <p:nvPr/>
-      </p:nvGrpSpPr>
-      <p:grpSpPr>
-        <a:xfrm>
-          <a:off x="0" y="0"/>
-          <a:ext cx="0" cy="0"/>
-          <a:chOff x="0" y="0"/>
-          <a:chExt cx="0" cy="0"/>
-        </a:xfrm>
-      </p:grpSpPr>
-      <p:sp>
-        <p:nvSpPr>
-          <p:cNvPr id="6" name="Rectangle 2">
-            <a:extLst>
-              <a:ext uri="{FF2B5EF4-FFF2-40B4-BE49-F238E27FC236}">
-                <a16:creationId xmlns:a16="http://schemas.microsoft.com/office/drawing/2014/main" id="{08912013-0DAA-4E2F-81D3-4CE3B7140A06}"/>
-              </a:ext>
-            </a:extLst>
-          </p:cNvPr>
-          <p:cNvSpPr>
-            <a:spLocks noGrp="1" noChangeArrowheads="1"/>
-          </p:cNvSpPr>
-          <p:nvPr>
-            <p:ph type="title"/>
-          </p:nvPr>
-        </p:nvSpPr>
-        <p:spPr>
-          <a:xfrm>
             <a:off x="925513" y="0"/>
             <a:ext cx="7174879" cy="1143001"/>
           </a:xfrm>
@@ -23762,7 +23106,7 @@
 </p:sld>
 </file>
 
-<file path=ppt/slides/slide44.xml><?xml version="1.0" encoding="utf-8"?>
+<file path=ppt/slides/slide42.xml><?xml version="1.0" encoding="utf-8"?>
 <p:sld xmlns:a="http://schemas.openxmlformats.org/drawingml/2006/main" xmlns:r="http://schemas.openxmlformats.org/officeDocument/2006/relationships" xmlns:p="http://schemas.openxmlformats.org/presentationml/2006/main">
   <p:cSld>
     <p:spTree>
@@ -24486,115 +23830,7 @@
 </p:sld>
 </file>
 
-<file path=ppt/slides/slide45.xml><?xml version="1.0" encoding="utf-8"?>
-<p:sld xmlns:a="http://schemas.openxmlformats.org/drawingml/2006/main" xmlns:r="http://schemas.openxmlformats.org/officeDocument/2006/relationships" xmlns:p="http://schemas.openxmlformats.org/presentationml/2006/main">
-  <p:cSld>
-    <p:spTree>
-      <p:nvGrpSpPr>
-        <p:cNvPr id="1" name=""/>
-        <p:cNvGrpSpPr/>
-        <p:nvPr/>
-      </p:nvGrpSpPr>
-      <p:grpSpPr>
-        <a:xfrm>
-          <a:off x="0" y="0"/>
-          <a:ext cx="0" cy="0"/>
-          <a:chOff x="0" y="0"/>
-          <a:chExt cx="0" cy="0"/>
-        </a:xfrm>
-      </p:grpSpPr>
-      <p:sp>
-        <p:nvSpPr>
-          <p:cNvPr id="6" name="Rectangle 2">
-            <a:extLst>
-              <a:ext uri="{FF2B5EF4-FFF2-40B4-BE49-F238E27FC236}">
-                <a16:creationId xmlns:a16="http://schemas.microsoft.com/office/drawing/2014/main" id="{08912013-0DAA-4E2F-81D3-4CE3B7140A06}"/>
-              </a:ext>
-            </a:extLst>
-          </p:cNvPr>
-          <p:cNvSpPr>
-            <a:spLocks noGrp="1" noChangeArrowheads="1"/>
-          </p:cNvSpPr>
-          <p:nvPr>
-            <p:ph type="title"/>
-          </p:nvPr>
-        </p:nvSpPr>
-        <p:spPr>
-          <a:xfrm>
-            <a:off x="925513" y="0"/>
-            <a:ext cx="7174879" cy="1143001"/>
-          </a:xfrm>
-        </p:spPr>
-        <p:txBody>
-          <a:bodyPr>
-            <a:normAutofit/>
-          </a:bodyPr>
-          <a:lstStyle/>
-          <a:p>
-            <a:pPr algn="ctr"/>
-            <a:r>
-              <a:rPr lang="es-ES_tradnl" altLang="es-MX" b="1" dirty="0">
-                <a:solidFill>
-                  <a:schemeClr val="accent4">
-                    <a:lumMod val="50000"/>
-                  </a:schemeClr>
-                </a:solidFill>
-                <a:effectLst>
-                  <a:outerShdw blurRad="38100" dist="38100" dir="2700000" algn="tl">
-                    <a:srgbClr val="C0C0C0"/>
-                  </a:outerShdw>
-                </a:effectLst>
-                <a:latin typeface="Dom Casual" charset="0"/>
-              </a:rPr>
-              <a:t>Método mostrar</a:t>
-            </a:r>
-          </a:p>
-        </p:txBody>
-      </p:sp>
-      <p:pic>
-        <p:nvPicPr>
-          <p:cNvPr id="9" name="Imagen 8">
-            <a:extLst>
-              <a:ext uri="{FF2B5EF4-FFF2-40B4-BE49-F238E27FC236}">
-                <a16:creationId xmlns:a16="http://schemas.microsoft.com/office/drawing/2014/main" id="{8CADFCD3-2606-43CF-82C9-4A35EA84D937}"/>
-              </a:ext>
-            </a:extLst>
-          </p:cNvPr>
-          <p:cNvPicPr>
-            <a:picLocks noChangeAspect="1"/>
-          </p:cNvPicPr>
-          <p:nvPr/>
-        </p:nvPicPr>
-        <p:blipFill>
-          <a:blip r:embed="rId2"/>
-          <a:stretch>
-            <a:fillRect/>
-          </a:stretch>
-        </p:blipFill>
-        <p:spPr>
-          <a:xfrm>
-            <a:off x="251520" y="2142951"/>
-            <a:ext cx="8470547" cy="3598466"/>
-          </a:xfrm>
-          <a:prstGeom prst="rect">
-            <a:avLst/>
-          </a:prstGeom>
-        </p:spPr>
-      </p:pic>
-    </p:spTree>
-    <p:extLst>
-      <p:ext uri="{BB962C8B-B14F-4D97-AF65-F5344CB8AC3E}">
-        <p14:creationId xmlns:p14="http://schemas.microsoft.com/office/powerpoint/2010/main" val="3795741227"/>
-      </p:ext>
-    </p:extLst>
-  </p:cSld>
-  <p:clrMapOvr>
-    <a:masterClrMapping/>
-  </p:clrMapOvr>
-</p:sld>
-</file>
-
-<file path=ppt/slides/slide46.xml><?xml version="1.0" encoding="utf-8"?>
+<file path=ppt/slides/slide43.xml><?xml version="1.0" encoding="utf-8"?>
 <p:sld xmlns:a="http://schemas.openxmlformats.org/drawingml/2006/main" xmlns:r="http://schemas.openxmlformats.org/officeDocument/2006/relationships" xmlns:p="http://schemas.openxmlformats.org/presentationml/2006/main">
   <p:cSld>
     <p:spTree>
@@ -25718,7 +24954,395 @@
 </p:sld>
 </file>
 
-<file path=ppt/slides/slide47.xml><?xml version="1.0" encoding="utf-8"?>
+<file path=ppt/slides/slide44.xml><?xml version="1.0" encoding="utf-8"?>
+<p:sld xmlns:a="http://schemas.openxmlformats.org/drawingml/2006/main" xmlns:r="http://schemas.openxmlformats.org/officeDocument/2006/relationships" xmlns:p="http://schemas.openxmlformats.org/presentationml/2006/main">
+  <p:cSld>
+    <p:spTree>
+      <p:nvGrpSpPr>
+        <p:cNvPr id="1" name=""/>
+        <p:cNvGrpSpPr/>
+        <p:nvPr/>
+      </p:nvGrpSpPr>
+      <p:grpSpPr>
+        <a:xfrm>
+          <a:off x="0" y="0"/>
+          <a:ext cx="0" cy="0"/>
+          <a:chOff x="0" y="0"/>
+          <a:chExt cx="0" cy="0"/>
+        </a:xfrm>
+      </p:grpSpPr>
+      <p:sp>
+        <p:nvSpPr>
+          <p:cNvPr id="6" name="Rectangle 2">
+            <a:extLst>
+              <a:ext uri="{FF2B5EF4-FFF2-40B4-BE49-F238E27FC236}">
+                <a16:creationId xmlns:a16="http://schemas.microsoft.com/office/drawing/2014/main" id="{08912013-0DAA-4E2F-81D3-4CE3B7140A06}"/>
+              </a:ext>
+            </a:extLst>
+          </p:cNvPr>
+          <p:cNvSpPr>
+            <a:spLocks noGrp="1" noChangeArrowheads="1"/>
+          </p:cNvSpPr>
+          <p:nvPr>
+            <p:ph type="title"/>
+          </p:nvPr>
+        </p:nvSpPr>
+        <p:spPr>
+          <a:xfrm>
+            <a:off x="925513" y="0"/>
+            <a:ext cx="7174879" cy="1143001"/>
+          </a:xfrm>
+        </p:spPr>
+        <p:txBody>
+          <a:bodyPr>
+            <a:normAutofit/>
+          </a:bodyPr>
+          <a:lstStyle/>
+          <a:p>
+            <a:pPr algn="ctr"/>
+            <a:r>
+              <a:rPr lang="es-ES_tradnl" altLang="es-MX" b="1" dirty="0">
+                <a:solidFill>
+                  <a:schemeClr val="accent4">
+                    <a:lumMod val="50000"/>
+                  </a:schemeClr>
+                </a:solidFill>
+                <a:effectLst>
+                  <a:outerShdw blurRad="38100" dist="38100" dir="2700000" algn="tl">
+                    <a:srgbClr val="C0C0C0"/>
+                  </a:outerShdw>
+                </a:effectLst>
+                <a:latin typeface="Dom Casual" charset="0"/>
+              </a:rPr>
+              <a:t>Método mostrar</a:t>
+            </a:r>
+          </a:p>
+        </p:txBody>
+      </p:sp>
+      <p:pic>
+        <p:nvPicPr>
+          <p:cNvPr id="9" name="Imagen 8">
+            <a:extLst>
+              <a:ext uri="{FF2B5EF4-FFF2-40B4-BE49-F238E27FC236}">
+                <a16:creationId xmlns:a16="http://schemas.microsoft.com/office/drawing/2014/main" id="{8CADFCD3-2606-43CF-82C9-4A35EA84D937}"/>
+              </a:ext>
+            </a:extLst>
+          </p:cNvPr>
+          <p:cNvPicPr>
+            <a:picLocks noChangeAspect="1"/>
+          </p:cNvPicPr>
+          <p:nvPr/>
+        </p:nvPicPr>
+        <p:blipFill>
+          <a:blip r:embed="rId2"/>
+          <a:stretch>
+            <a:fillRect/>
+          </a:stretch>
+        </p:blipFill>
+        <p:spPr>
+          <a:xfrm>
+            <a:off x="336726" y="2094309"/>
+            <a:ext cx="8470547" cy="3598466"/>
+          </a:xfrm>
+          <a:prstGeom prst="rect">
+            <a:avLst/>
+          </a:prstGeom>
+        </p:spPr>
+      </p:pic>
+      <p:sp>
+        <p:nvSpPr>
+          <p:cNvPr id="4" name="Rectangle 3">
+            <a:extLst>
+              <a:ext uri="{FF2B5EF4-FFF2-40B4-BE49-F238E27FC236}">
+                <a16:creationId xmlns:a16="http://schemas.microsoft.com/office/drawing/2014/main" id="{B0CA7AA9-ACE6-4821-AC2E-D08C4FE483C6}"/>
+              </a:ext>
+            </a:extLst>
+          </p:cNvPr>
+          <p:cNvSpPr txBox="1">
+            <a:spLocks noChangeArrowheads="1"/>
+          </p:cNvSpPr>
+          <p:nvPr/>
+        </p:nvSpPr>
+        <p:spPr>
+          <a:xfrm>
+            <a:off x="251520" y="1248470"/>
+            <a:ext cx="8470547" cy="740370"/>
+          </a:xfrm>
+          <a:prstGeom prst="rect">
+            <a:avLst/>
+          </a:prstGeom>
+        </p:spPr>
+        <p:txBody>
+          <a:bodyPr vert="horz" lIns="91440" tIns="45720" rIns="91440" bIns="45720" rtlCol="0">
+            <a:normAutofit/>
+          </a:bodyPr>
+          <a:lstStyle>
+            <a:lvl1pPr marL="342900" indent="-342900" algn="l" defTabSz="914400" rtl="0" eaLnBrk="1" latinLnBrk="0" hangingPunct="1">
+              <a:spcBef>
+                <a:spcPct val="20000"/>
+              </a:spcBef>
+              <a:buFont typeface="Arial" pitchFamily="34" charset="0"/>
+              <a:buChar char="•"/>
+              <a:defRPr sz="3200" kern="1200">
+                <a:solidFill>
+                  <a:schemeClr val="tx1"/>
+                </a:solidFill>
+                <a:latin typeface="+mn-lt"/>
+                <a:ea typeface="+mn-ea"/>
+                <a:cs typeface="+mn-cs"/>
+              </a:defRPr>
+            </a:lvl1pPr>
+            <a:lvl2pPr marL="742950" indent="-285750" algn="l" defTabSz="914400" rtl="0" eaLnBrk="1" latinLnBrk="0" hangingPunct="1">
+              <a:spcBef>
+                <a:spcPct val="20000"/>
+              </a:spcBef>
+              <a:buFont typeface="Arial" pitchFamily="34" charset="0"/>
+              <a:buChar char="–"/>
+              <a:defRPr sz="2800" kern="1200">
+                <a:solidFill>
+                  <a:schemeClr val="tx1"/>
+                </a:solidFill>
+                <a:latin typeface="+mn-lt"/>
+                <a:ea typeface="+mn-ea"/>
+                <a:cs typeface="+mn-cs"/>
+              </a:defRPr>
+            </a:lvl2pPr>
+            <a:lvl3pPr marL="1143000" indent="-228600" algn="l" defTabSz="914400" rtl="0" eaLnBrk="1" latinLnBrk="0" hangingPunct="1">
+              <a:spcBef>
+                <a:spcPct val="20000"/>
+              </a:spcBef>
+              <a:buFont typeface="Arial" pitchFamily="34" charset="0"/>
+              <a:buChar char="•"/>
+              <a:defRPr sz="2400" kern="1200">
+                <a:solidFill>
+                  <a:schemeClr val="tx1"/>
+                </a:solidFill>
+                <a:latin typeface="+mn-lt"/>
+                <a:ea typeface="+mn-ea"/>
+                <a:cs typeface="+mn-cs"/>
+              </a:defRPr>
+            </a:lvl3pPr>
+            <a:lvl4pPr marL="1600200" indent="-228600" algn="l" defTabSz="914400" rtl="0" eaLnBrk="1" latinLnBrk="0" hangingPunct="1">
+              <a:spcBef>
+                <a:spcPct val="20000"/>
+              </a:spcBef>
+              <a:buFont typeface="Arial" pitchFamily="34" charset="0"/>
+              <a:buChar char="–"/>
+              <a:defRPr sz="2000" kern="1200">
+                <a:solidFill>
+                  <a:schemeClr val="tx1"/>
+                </a:solidFill>
+                <a:latin typeface="+mn-lt"/>
+                <a:ea typeface="+mn-ea"/>
+                <a:cs typeface="+mn-cs"/>
+              </a:defRPr>
+            </a:lvl4pPr>
+            <a:lvl5pPr marL="2057400" indent="-228600" algn="l" defTabSz="914400" rtl="0" eaLnBrk="1" latinLnBrk="0" hangingPunct="1">
+              <a:spcBef>
+                <a:spcPct val="20000"/>
+              </a:spcBef>
+              <a:buFont typeface="Arial" pitchFamily="34" charset="0"/>
+              <a:buChar char="»"/>
+              <a:defRPr sz="2000" kern="1200">
+                <a:solidFill>
+                  <a:schemeClr val="tx1"/>
+                </a:solidFill>
+                <a:latin typeface="+mn-lt"/>
+                <a:ea typeface="+mn-ea"/>
+                <a:cs typeface="+mn-cs"/>
+              </a:defRPr>
+            </a:lvl5pPr>
+            <a:lvl6pPr marL="2514600" indent="-228600" algn="l" defTabSz="914400" rtl="0" eaLnBrk="1" latinLnBrk="0" hangingPunct="1">
+              <a:spcBef>
+                <a:spcPct val="20000"/>
+              </a:spcBef>
+              <a:buFont typeface="Arial" pitchFamily="34" charset="0"/>
+              <a:buChar char="•"/>
+              <a:defRPr sz="2000" kern="1200">
+                <a:solidFill>
+                  <a:schemeClr val="tx1"/>
+                </a:solidFill>
+                <a:latin typeface="+mn-lt"/>
+                <a:ea typeface="+mn-ea"/>
+                <a:cs typeface="+mn-cs"/>
+              </a:defRPr>
+            </a:lvl6pPr>
+            <a:lvl7pPr marL="2971800" indent="-228600" algn="l" defTabSz="914400" rtl="0" eaLnBrk="1" latinLnBrk="0" hangingPunct="1">
+              <a:spcBef>
+                <a:spcPct val="20000"/>
+              </a:spcBef>
+              <a:buFont typeface="Arial" pitchFamily="34" charset="0"/>
+              <a:buChar char="•"/>
+              <a:defRPr sz="2000" kern="1200">
+                <a:solidFill>
+                  <a:schemeClr val="tx1"/>
+                </a:solidFill>
+                <a:latin typeface="+mn-lt"/>
+                <a:ea typeface="+mn-ea"/>
+                <a:cs typeface="+mn-cs"/>
+              </a:defRPr>
+            </a:lvl7pPr>
+            <a:lvl8pPr marL="3429000" indent="-228600" algn="l" defTabSz="914400" rtl="0" eaLnBrk="1" latinLnBrk="0" hangingPunct="1">
+              <a:spcBef>
+                <a:spcPct val="20000"/>
+              </a:spcBef>
+              <a:buFont typeface="Arial" pitchFamily="34" charset="0"/>
+              <a:buChar char="•"/>
+              <a:defRPr sz="2000" kern="1200">
+                <a:solidFill>
+                  <a:schemeClr val="tx1"/>
+                </a:solidFill>
+                <a:latin typeface="+mn-lt"/>
+                <a:ea typeface="+mn-ea"/>
+                <a:cs typeface="+mn-cs"/>
+              </a:defRPr>
+            </a:lvl8pPr>
+            <a:lvl9pPr marL="3886200" indent="-228600" algn="l" defTabSz="914400" rtl="0" eaLnBrk="1" latinLnBrk="0" hangingPunct="1">
+              <a:spcBef>
+                <a:spcPct val="20000"/>
+              </a:spcBef>
+              <a:buFont typeface="Arial" pitchFamily="34" charset="0"/>
+              <a:buChar char="•"/>
+              <a:defRPr sz="2000" kern="1200">
+                <a:solidFill>
+                  <a:schemeClr val="tx1"/>
+                </a:solidFill>
+                <a:latin typeface="+mn-lt"/>
+                <a:ea typeface="+mn-ea"/>
+                <a:cs typeface="+mn-cs"/>
+              </a:defRPr>
+            </a:lvl9pPr>
+          </a:lstStyle>
+          <a:p>
+            <a:pPr marL="0" indent="0" algn="just">
+              <a:lnSpc>
+                <a:spcPct val="120000"/>
+              </a:lnSpc>
+              <a:spcBef>
+                <a:spcPts val="600"/>
+              </a:spcBef>
+              <a:buNone/>
+            </a:pPr>
+            <a:r>
+              <a:rPr lang="es-ES" altLang="es-MX" sz="1400" dirty="0">
+                <a:solidFill>
+                  <a:schemeClr val="bg2">
+                    <a:lumMod val="10000"/>
+                  </a:schemeClr>
+                </a:solidFill>
+                <a:latin typeface="Dom Casual" charset="0"/>
+              </a:rPr>
+              <a:t>Crea el método </a:t>
+            </a:r>
+            <a:r>
+              <a:rPr lang="es-ES" altLang="es-MX" sz="1400" b="1" dirty="0">
+                <a:solidFill>
+                  <a:schemeClr val="accent6">
+                    <a:lumMod val="75000"/>
+                  </a:schemeClr>
+                </a:solidFill>
+                <a:latin typeface="Dom Casual" charset="0"/>
+              </a:rPr>
+              <a:t>mostrar</a:t>
+            </a:r>
+            <a:r>
+              <a:rPr lang="es-ES" altLang="es-MX" sz="1400" dirty="0">
+                <a:solidFill>
+                  <a:schemeClr val="bg2">
+                    <a:lumMod val="10000"/>
+                  </a:schemeClr>
+                </a:solidFill>
+                <a:latin typeface="Dom Casual" charset="0"/>
+              </a:rPr>
+              <a:t> que regrese en un </a:t>
+            </a:r>
+            <a:r>
+              <a:rPr lang="es-ES" altLang="es-MX" sz="1400" dirty="0" err="1">
+                <a:solidFill>
+                  <a:schemeClr val="bg2">
+                    <a:lumMod val="10000"/>
+                  </a:schemeClr>
+                </a:solidFill>
+                <a:latin typeface="Dom Casual" charset="0"/>
+              </a:rPr>
+              <a:t>string</a:t>
+            </a:r>
+            <a:r>
+              <a:rPr lang="es-ES" altLang="es-MX" sz="1400" dirty="0">
+                <a:solidFill>
+                  <a:schemeClr val="bg2">
+                    <a:lumMod val="10000"/>
+                  </a:schemeClr>
+                </a:solidFill>
+                <a:latin typeface="Dom Casual" charset="0"/>
+              </a:rPr>
+              <a:t> la concatenación de los </a:t>
+            </a:r>
+            <a:r>
+              <a:rPr lang="es-ES" altLang="es-MX" sz="1400" b="1" dirty="0">
+                <a:solidFill>
+                  <a:srgbClr val="FF0000"/>
+                </a:solidFill>
+                <a:latin typeface="Dom Casual" charset="0"/>
+              </a:rPr>
+              <a:t>atributos de instancia </a:t>
+            </a:r>
+            <a:r>
+              <a:rPr lang="es-ES" altLang="es-MX" sz="1400" dirty="0">
+                <a:solidFill>
+                  <a:schemeClr val="bg2">
+                    <a:lumMod val="10000"/>
+                  </a:schemeClr>
+                </a:solidFill>
+                <a:latin typeface="Dom Casual" charset="0"/>
+              </a:rPr>
+              <a:t>(nombre, edad y alimentos) y el </a:t>
+            </a:r>
+            <a:r>
+              <a:rPr lang="es-ES" altLang="es-MX" sz="1400" b="1" dirty="0">
+                <a:solidFill>
+                  <a:srgbClr val="FF0000"/>
+                </a:solidFill>
+                <a:latin typeface="Dom Casual" charset="0"/>
+              </a:rPr>
+              <a:t>atributo de clase </a:t>
+            </a:r>
+            <a:r>
+              <a:rPr lang="es-ES" altLang="es-MX" sz="1400" dirty="0">
+                <a:solidFill>
+                  <a:schemeClr val="bg2">
+                    <a:lumMod val="10000"/>
+                  </a:schemeClr>
+                </a:solidFill>
+                <a:latin typeface="Dom Casual" charset="0"/>
+              </a:rPr>
+              <a:t>(especie).</a:t>
+            </a:r>
+            <a:endParaRPr lang="es-ES_tradnl" altLang="es-MX" sz="1400" dirty="0">
+              <a:solidFill>
+                <a:schemeClr val="bg2">
+                  <a:lumMod val="10000"/>
+                </a:schemeClr>
+              </a:solidFill>
+              <a:latin typeface="Dom Casual" charset="0"/>
+            </a:endParaRPr>
+          </a:p>
+        </p:txBody>
+      </p:sp>
+    </p:spTree>
+    <p:extLst>
+      <p:ext uri="{BB962C8B-B14F-4D97-AF65-F5344CB8AC3E}">
+        <p14:creationId xmlns:p14="http://schemas.microsoft.com/office/powerpoint/2010/main" val="3795741227"/>
+      </p:ext>
+    </p:extLst>
+  </p:cSld>
+  <p:clrMapOvr>
+    <a:masterClrMapping/>
+  </p:clrMapOvr>
+</p:sld>
+</file>
+
+<file path=ppt/slides/slide45.xml><?xml version="1.0" encoding="utf-8"?>
 <p:sld xmlns:a="http://schemas.openxmlformats.org/drawingml/2006/main" xmlns:r="http://schemas.openxmlformats.org/officeDocument/2006/relationships" xmlns:p="http://schemas.openxmlformats.org/presentationml/2006/main">
   <p:cSld>
     <p:bg>
@@ -25931,7 +25555,7 @@
                   <a:srgbClr val="002060"/>
                 </a:solidFill>
               </a:rPr>
-              <a:t>Laboratorio</a:t>
+              <a:t>Actividad individual</a:t>
             </a:r>
           </a:p>
           <a:p>
@@ -26998,7 +26622,7 @@
 </p:sld>
 </file>
 
-<file path=ppt/slides/slide48.xml><?xml version="1.0" encoding="utf-8"?>
+<file path=ppt/slides/slide46.xml><?xml version="1.0" encoding="utf-8"?>
 <p:sld xmlns:a="http://schemas.openxmlformats.org/drawingml/2006/main" xmlns:r="http://schemas.openxmlformats.org/officeDocument/2006/relationships" xmlns:p="http://schemas.openxmlformats.org/presentationml/2006/main">
   <p:cSld>
     <p:spTree>
@@ -27422,7 +27046,7 @@
 </p:sld>
 </file>
 
-<file path=ppt/slides/slide49.xml><?xml version="1.0" encoding="utf-8"?>
+<file path=ppt/slides/slide47.xml><?xml version="1.0" encoding="utf-8"?>
 <p:sld xmlns:a="http://schemas.openxmlformats.org/drawingml/2006/main" xmlns:r="http://schemas.openxmlformats.org/officeDocument/2006/relationships" xmlns:p="http://schemas.openxmlformats.org/presentationml/2006/main">
   <p:cSld>
     <p:spTree>
@@ -27879,6 +27503,957 @@
     <p:extLst>
       <p:ext uri="{BB962C8B-B14F-4D97-AF65-F5344CB8AC3E}">
         <p14:creationId xmlns:p14="http://schemas.microsoft.com/office/powerpoint/2010/main" val="3946658930"/>
+      </p:ext>
+    </p:extLst>
+  </p:cSld>
+  <p:clrMapOvr>
+    <a:masterClrMapping/>
+  </p:clrMapOvr>
+</p:sld>
+</file>
+
+<file path=ppt/slides/slide48.xml><?xml version="1.0" encoding="utf-8"?>
+<p:sld xmlns:a="http://schemas.openxmlformats.org/drawingml/2006/main" xmlns:r="http://schemas.openxmlformats.org/officeDocument/2006/relationships" xmlns:p="http://schemas.openxmlformats.org/presentationml/2006/main">
+  <p:cSld>
+    <p:spTree>
+      <p:nvGrpSpPr>
+        <p:cNvPr id="1" name=""/>
+        <p:cNvGrpSpPr/>
+        <p:nvPr/>
+      </p:nvGrpSpPr>
+      <p:grpSpPr>
+        <a:xfrm>
+          <a:off x="0" y="0"/>
+          <a:ext cx="0" cy="0"/>
+          <a:chOff x="0" y="0"/>
+          <a:chExt cx="0" cy="0"/>
+        </a:xfrm>
+      </p:grpSpPr>
+      <p:sp>
+        <p:nvSpPr>
+          <p:cNvPr id="434178" name="Rectangle 2">
+            <a:extLst>
+              <a:ext uri="{FF2B5EF4-FFF2-40B4-BE49-F238E27FC236}">
+                <a16:creationId xmlns:a16="http://schemas.microsoft.com/office/drawing/2014/main" id="{A989DBC3-3BB3-47E2-B7AB-0605D52D98D2}"/>
+              </a:ext>
+            </a:extLst>
+          </p:cNvPr>
+          <p:cNvSpPr>
+            <a:spLocks noGrp="1" noChangeArrowheads="1"/>
+          </p:cNvSpPr>
+          <p:nvPr>
+            <p:ph type="title"/>
+          </p:nvPr>
+        </p:nvSpPr>
+        <p:spPr>
+          <a:xfrm>
+            <a:off x="431540" y="911410"/>
+            <a:ext cx="8100900" cy="4101766"/>
+          </a:xfrm>
+        </p:spPr>
+        <p:txBody>
+          <a:bodyPr>
+            <a:normAutofit/>
+          </a:bodyPr>
+          <a:lstStyle/>
+          <a:p>
+            <a:pPr algn="l"/>
+            <a:r>
+              <a:rPr lang="es-ES" altLang="es-MX" sz="1600" dirty="0">
+                <a:solidFill>
+                  <a:schemeClr val="tx1">
+                    <a:lumMod val="95000"/>
+                    <a:lumOff val="5000"/>
+                  </a:schemeClr>
+                </a:solidFill>
+                <a:latin typeface="Dom Casual" charset="0"/>
+              </a:rPr>
+              <a:t>En el siguiente ejemplo se crean dos objetos de tipo Coche:</a:t>
+            </a:r>
+            <a:br>
+              <a:rPr lang="es-ES" altLang="es-MX" sz="1600" dirty="0">
+                <a:solidFill>
+                  <a:schemeClr val="tx1">
+                    <a:lumMod val="95000"/>
+                    <a:lumOff val="5000"/>
+                  </a:schemeClr>
+                </a:solidFill>
+                <a:latin typeface="Dom Casual" charset="0"/>
+              </a:rPr>
+            </a:br>
+            <a:br>
+              <a:rPr lang="es-ES" altLang="es-MX" sz="1600" dirty="0">
+                <a:solidFill>
+                  <a:schemeClr val="tx1">
+                    <a:lumMod val="95000"/>
+                    <a:lumOff val="5000"/>
+                  </a:schemeClr>
+                </a:solidFill>
+                <a:latin typeface="Dom Casual" charset="0"/>
+              </a:rPr>
+            </a:br>
+            <a:br>
+              <a:rPr lang="es-ES" altLang="es-MX" sz="1600" dirty="0">
+                <a:solidFill>
+                  <a:schemeClr val="tx1">
+                    <a:lumMod val="95000"/>
+                    <a:lumOff val="5000"/>
+                  </a:schemeClr>
+                </a:solidFill>
+                <a:latin typeface="Dom Casual" charset="0"/>
+              </a:rPr>
+            </a:br>
+            <a:r>
+              <a:rPr lang="es-ES" altLang="es-MX" sz="1600" b="1" dirty="0">
+                <a:solidFill>
+                  <a:srgbClr val="FF0000"/>
+                </a:solidFill>
+                <a:latin typeface="Dom Casual" charset="0"/>
+              </a:rPr>
+              <a:t>c1 </a:t>
+            </a:r>
+            <a:r>
+              <a:rPr lang="es-ES" altLang="es-MX" sz="1600" dirty="0">
+                <a:solidFill>
+                  <a:schemeClr val="tx1">
+                    <a:lumMod val="95000"/>
+                    <a:lumOff val="5000"/>
+                  </a:schemeClr>
+                </a:solidFill>
+                <a:latin typeface="Dom Casual" charset="0"/>
+              </a:rPr>
+              <a:t>= </a:t>
+            </a:r>
+            <a:r>
+              <a:rPr lang="es-ES" altLang="es-MX" sz="1600" b="1" dirty="0">
+                <a:solidFill>
+                  <a:schemeClr val="accent6">
+                    <a:lumMod val="75000"/>
+                  </a:schemeClr>
+                </a:solidFill>
+                <a:latin typeface="Dom Casual" charset="0"/>
+              </a:rPr>
+              <a:t>Coche('rojo', 20)</a:t>
+            </a:r>
+            <a:br>
+              <a:rPr lang="es-ES" altLang="es-MX" sz="1600" b="1" dirty="0">
+                <a:solidFill>
+                  <a:schemeClr val="accent6">
+                    <a:lumMod val="75000"/>
+                  </a:schemeClr>
+                </a:solidFill>
+                <a:latin typeface="Dom Casual" charset="0"/>
+              </a:rPr>
+            </a:br>
+            <a:r>
+              <a:rPr lang="es-ES" altLang="es-MX" sz="1600" dirty="0">
+                <a:solidFill>
+                  <a:schemeClr val="tx1">
+                    <a:lumMod val="95000"/>
+                    <a:lumOff val="5000"/>
+                  </a:schemeClr>
+                </a:solidFill>
+                <a:latin typeface="Dom Casual" charset="0"/>
+              </a:rPr>
+              <a:t>print(c1.color)</a:t>
+            </a:r>
+            <a:br>
+              <a:rPr lang="es-ES" altLang="es-MX" sz="1600" dirty="0">
+                <a:solidFill>
+                  <a:schemeClr val="tx1">
+                    <a:lumMod val="95000"/>
+                    <a:lumOff val="5000"/>
+                  </a:schemeClr>
+                </a:solidFill>
+                <a:latin typeface="Dom Casual" charset="0"/>
+              </a:rPr>
+            </a:br>
+            <a:r>
+              <a:rPr lang="es-ES" altLang="es-MX" sz="1600" dirty="0">
+                <a:solidFill>
+                  <a:schemeClr val="tx1">
+                    <a:lumMod val="95000"/>
+                    <a:lumOff val="5000"/>
+                  </a:schemeClr>
+                </a:solidFill>
+                <a:latin typeface="Dom Casual" charset="0"/>
+              </a:rPr>
+              <a:t>rojo</a:t>
+            </a:r>
+            <a:br>
+              <a:rPr lang="es-ES" altLang="es-MX" sz="1600" dirty="0">
+                <a:solidFill>
+                  <a:schemeClr val="tx1">
+                    <a:lumMod val="95000"/>
+                    <a:lumOff val="5000"/>
+                  </a:schemeClr>
+                </a:solidFill>
+                <a:latin typeface="Dom Casual" charset="0"/>
+              </a:rPr>
+            </a:br>
+            <a:r>
+              <a:rPr lang="es-ES" altLang="es-MX" sz="1600" dirty="0">
+                <a:solidFill>
+                  <a:schemeClr val="tx1">
+                    <a:lumMod val="95000"/>
+                    <a:lumOff val="5000"/>
+                  </a:schemeClr>
+                </a:solidFill>
+                <a:latin typeface="Dom Casual" charset="0"/>
+              </a:rPr>
+              <a:t>print(c1.ruedas)</a:t>
+            </a:r>
+            <a:br>
+              <a:rPr lang="es-ES" altLang="es-MX" sz="1600" dirty="0">
+                <a:solidFill>
+                  <a:schemeClr val="tx1">
+                    <a:lumMod val="95000"/>
+                    <a:lumOff val="5000"/>
+                  </a:schemeClr>
+                </a:solidFill>
+                <a:latin typeface="Dom Casual" charset="0"/>
+              </a:rPr>
+            </a:br>
+            <a:r>
+              <a:rPr lang="es-ES" altLang="es-MX" sz="1600" dirty="0">
+                <a:solidFill>
+                  <a:schemeClr val="tx1">
+                    <a:lumMod val="95000"/>
+                    <a:lumOff val="5000"/>
+                  </a:schemeClr>
+                </a:solidFill>
+                <a:latin typeface="Dom Casual" charset="0"/>
+              </a:rPr>
+              <a:t>4</a:t>
+            </a:r>
+            <a:br>
+              <a:rPr lang="es-ES" altLang="es-MX" sz="1600" dirty="0">
+                <a:solidFill>
+                  <a:schemeClr val="tx1">
+                    <a:lumMod val="95000"/>
+                    <a:lumOff val="5000"/>
+                  </a:schemeClr>
+                </a:solidFill>
+                <a:latin typeface="Dom Casual" charset="0"/>
+              </a:rPr>
+            </a:br>
+            <a:br>
+              <a:rPr lang="es-ES" altLang="es-MX" sz="1600" dirty="0">
+                <a:solidFill>
+                  <a:schemeClr val="tx1">
+                    <a:lumMod val="95000"/>
+                    <a:lumOff val="5000"/>
+                  </a:schemeClr>
+                </a:solidFill>
+                <a:latin typeface="Dom Casual" charset="0"/>
+              </a:rPr>
+            </a:br>
+            <a:r>
+              <a:rPr lang="es-ES" altLang="es-MX" sz="1600" b="1" dirty="0">
+                <a:solidFill>
+                  <a:srgbClr val="FF0000"/>
+                </a:solidFill>
+                <a:latin typeface="Dom Casual" charset="0"/>
+              </a:rPr>
+              <a:t>c2</a:t>
+            </a:r>
+            <a:r>
+              <a:rPr lang="es-ES" altLang="es-MX" sz="1600" dirty="0">
+                <a:solidFill>
+                  <a:schemeClr val="tx1">
+                    <a:lumMod val="95000"/>
+                    <a:lumOff val="5000"/>
+                  </a:schemeClr>
+                </a:solidFill>
+                <a:latin typeface="Dom Casual" charset="0"/>
+              </a:rPr>
+              <a:t> = </a:t>
+            </a:r>
+            <a:r>
+              <a:rPr lang="es-ES" altLang="es-MX" sz="1600" b="1" dirty="0">
+                <a:solidFill>
+                  <a:schemeClr val="accent6">
+                    <a:lumMod val="75000"/>
+                  </a:schemeClr>
+                </a:solidFill>
+                <a:latin typeface="Dom Casual" charset="0"/>
+              </a:rPr>
+              <a:t>Coche('azul', 30)</a:t>
+            </a:r>
+            <a:br>
+              <a:rPr lang="es-ES" altLang="es-MX" sz="1600" b="1" dirty="0">
+                <a:solidFill>
+                  <a:schemeClr val="accent6">
+                    <a:lumMod val="75000"/>
+                  </a:schemeClr>
+                </a:solidFill>
+                <a:latin typeface="Dom Casual" charset="0"/>
+              </a:rPr>
+            </a:br>
+            <a:r>
+              <a:rPr lang="es-ES" altLang="es-MX" sz="1600" dirty="0">
+                <a:solidFill>
+                  <a:schemeClr val="tx1">
+                    <a:lumMod val="95000"/>
+                    <a:lumOff val="5000"/>
+                  </a:schemeClr>
+                </a:solidFill>
+                <a:latin typeface="Dom Casual" charset="0"/>
+              </a:rPr>
+              <a:t>print(c2.color)</a:t>
+            </a:r>
+            <a:br>
+              <a:rPr lang="es-ES" altLang="es-MX" sz="1600" dirty="0">
+                <a:solidFill>
+                  <a:schemeClr val="tx1">
+                    <a:lumMod val="95000"/>
+                    <a:lumOff val="5000"/>
+                  </a:schemeClr>
+                </a:solidFill>
+                <a:latin typeface="Dom Casual" charset="0"/>
+              </a:rPr>
+            </a:br>
+            <a:r>
+              <a:rPr lang="es-ES" altLang="es-MX" sz="1600" dirty="0">
+                <a:solidFill>
+                  <a:schemeClr val="tx1">
+                    <a:lumMod val="95000"/>
+                    <a:lumOff val="5000"/>
+                  </a:schemeClr>
+                </a:solidFill>
+                <a:latin typeface="Dom Casual" charset="0"/>
+              </a:rPr>
+              <a:t>azul</a:t>
+            </a:r>
+            <a:br>
+              <a:rPr lang="es-ES" altLang="es-MX" sz="1600" dirty="0">
+                <a:solidFill>
+                  <a:schemeClr val="tx1">
+                    <a:lumMod val="95000"/>
+                    <a:lumOff val="5000"/>
+                  </a:schemeClr>
+                </a:solidFill>
+                <a:latin typeface="Dom Casual" charset="0"/>
+              </a:rPr>
+            </a:br>
+            <a:r>
+              <a:rPr lang="es-ES" altLang="es-MX" sz="1600" dirty="0">
+                <a:solidFill>
+                  <a:schemeClr val="tx1">
+                    <a:lumMod val="95000"/>
+                    <a:lumOff val="5000"/>
+                  </a:schemeClr>
+                </a:solidFill>
+                <a:latin typeface="Dom Casual" charset="0"/>
+              </a:rPr>
+              <a:t>print(c2.ruedas)</a:t>
+            </a:r>
+            <a:br>
+              <a:rPr lang="es-ES" altLang="es-MX" sz="1600" dirty="0">
+                <a:solidFill>
+                  <a:schemeClr val="tx1">
+                    <a:lumMod val="95000"/>
+                    <a:lumOff val="5000"/>
+                  </a:schemeClr>
+                </a:solidFill>
+                <a:latin typeface="Dom Casual" charset="0"/>
+              </a:rPr>
+            </a:br>
+            <a:r>
+              <a:rPr lang="es-ES" altLang="es-MX" sz="1600" dirty="0">
+                <a:solidFill>
+                  <a:schemeClr val="tx1">
+                    <a:lumMod val="95000"/>
+                    <a:lumOff val="5000"/>
+                  </a:schemeClr>
+                </a:solidFill>
+                <a:latin typeface="Dom Casual" charset="0"/>
+              </a:rPr>
+              <a:t>4</a:t>
+            </a:r>
+            <a:endParaRPr lang="es-ES_tradnl" altLang="es-MX" sz="1600" dirty="0">
+              <a:solidFill>
+                <a:schemeClr val="tx1">
+                  <a:lumMod val="95000"/>
+                  <a:lumOff val="5000"/>
+                </a:schemeClr>
+              </a:solidFill>
+              <a:latin typeface="Dom Casual" charset="0"/>
+            </a:endParaRPr>
+          </a:p>
+        </p:txBody>
+      </p:sp>
+      <p:sp>
+        <p:nvSpPr>
+          <p:cNvPr id="7" name="Rectangle 2">
+            <a:extLst>
+              <a:ext uri="{FF2B5EF4-FFF2-40B4-BE49-F238E27FC236}">
+                <a16:creationId xmlns:a16="http://schemas.microsoft.com/office/drawing/2014/main" id="{C1FE459C-07E2-4B95-B312-371C1E72CE94}"/>
+              </a:ext>
+            </a:extLst>
+          </p:cNvPr>
+          <p:cNvSpPr txBox="1">
+            <a:spLocks noChangeArrowheads="1"/>
+          </p:cNvSpPr>
+          <p:nvPr/>
+        </p:nvSpPr>
+        <p:spPr>
+          <a:xfrm>
+            <a:off x="984560" y="-27384"/>
+            <a:ext cx="7174879" cy="1143001"/>
+          </a:xfrm>
+          <a:prstGeom prst="rect">
+            <a:avLst/>
+          </a:prstGeom>
+        </p:spPr>
+        <p:txBody>
+          <a:bodyPr vert="horz" lIns="91440" tIns="45720" rIns="91440" bIns="45720" rtlCol="0" anchor="ctr">
+            <a:normAutofit/>
+          </a:bodyPr>
+          <a:lstStyle>
+            <a:lvl1pPr algn="ctr" defTabSz="914400" rtl="0" eaLnBrk="1" latinLnBrk="0" hangingPunct="1">
+              <a:spcBef>
+                <a:spcPct val="0"/>
+              </a:spcBef>
+              <a:buNone/>
+              <a:defRPr sz="4400" kern="1200">
+                <a:solidFill>
+                  <a:schemeClr val="tx1"/>
+                </a:solidFill>
+                <a:latin typeface="+mj-lt"/>
+                <a:ea typeface="+mj-ea"/>
+                <a:cs typeface="+mj-cs"/>
+              </a:defRPr>
+            </a:lvl1pPr>
+          </a:lstStyle>
+          <a:p>
+            <a:r>
+              <a:rPr lang="es-ES_tradnl" altLang="es-MX" b="1" dirty="0">
+                <a:solidFill>
+                  <a:schemeClr val="accent4">
+                    <a:lumMod val="50000"/>
+                  </a:schemeClr>
+                </a:solidFill>
+                <a:effectLst>
+                  <a:outerShdw blurRad="38100" dist="38100" dir="2700000" algn="tl">
+                    <a:srgbClr val="C0C0C0"/>
+                  </a:outerShdw>
+                </a:effectLst>
+                <a:latin typeface="Dom Casual" charset="0"/>
+              </a:rPr>
+              <a:t>Objetos en Python</a:t>
+            </a:r>
+          </a:p>
+        </p:txBody>
+      </p:sp>
+      <p:sp>
+        <p:nvSpPr>
+          <p:cNvPr id="6" name="Rectangle 2">
+            <a:extLst>
+              <a:ext uri="{FF2B5EF4-FFF2-40B4-BE49-F238E27FC236}">
+                <a16:creationId xmlns:a16="http://schemas.microsoft.com/office/drawing/2014/main" id="{A6FC9F71-00E5-43D0-9944-D99205359CE4}"/>
+              </a:ext>
+            </a:extLst>
+          </p:cNvPr>
+          <p:cNvSpPr txBox="1">
+            <a:spLocks noChangeArrowheads="1"/>
+          </p:cNvSpPr>
+          <p:nvPr/>
+        </p:nvSpPr>
+        <p:spPr>
+          <a:xfrm>
+            <a:off x="395654" y="4983297"/>
+            <a:ext cx="8136786" cy="1296144"/>
+          </a:xfrm>
+          <a:prstGeom prst="rect">
+            <a:avLst/>
+          </a:prstGeom>
+        </p:spPr>
+        <p:txBody>
+          <a:bodyPr vert="horz" lIns="91440" tIns="45720" rIns="91440" bIns="45720" rtlCol="0" anchor="ctr">
+            <a:noAutofit/>
+          </a:bodyPr>
+          <a:lstStyle>
+            <a:lvl1pPr algn="ctr" defTabSz="914400" rtl="0" eaLnBrk="1" latinLnBrk="0" hangingPunct="1">
+              <a:spcBef>
+                <a:spcPct val="0"/>
+              </a:spcBef>
+              <a:buNone/>
+              <a:defRPr sz="4400" kern="1200">
+                <a:solidFill>
+                  <a:schemeClr val="tx1"/>
+                </a:solidFill>
+                <a:latin typeface="+mj-lt"/>
+                <a:ea typeface="+mj-ea"/>
+                <a:cs typeface="+mj-cs"/>
+              </a:defRPr>
+            </a:lvl1pPr>
+          </a:lstStyle>
+          <a:p>
+            <a:pPr algn="just">
+              <a:lnSpc>
+                <a:spcPts val="3000"/>
+              </a:lnSpc>
+            </a:pPr>
+            <a:r>
+              <a:rPr lang="es-ES" altLang="es-MX" sz="1600" b="1" dirty="0">
+                <a:solidFill>
+                  <a:srgbClr val="FF0000"/>
+                </a:solidFill>
+                <a:latin typeface="Dom Casual" charset="0"/>
+              </a:rPr>
+              <a:t>c1</a:t>
+            </a:r>
+            <a:r>
+              <a:rPr lang="es-ES" altLang="es-MX" sz="1600" dirty="0">
+                <a:solidFill>
+                  <a:schemeClr val="tx1">
+                    <a:lumMod val="95000"/>
+                    <a:lumOff val="5000"/>
+                  </a:schemeClr>
+                </a:solidFill>
+                <a:latin typeface="Dom Casual" charset="0"/>
+              </a:rPr>
+              <a:t> y </a:t>
+            </a:r>
+            <a:r>
+              <a:rPr lang="es-ES" altLang="es-MX" sz="1600" b="1" dirty="0">
+                <a:solidFill>
+                  <a:srgbClr val="FF0000"/>
+                </a:solidFill>
+                <a:latin typeface="Dom Casual" charset="0"/>
+              </a:rPr>
+              <a:t>c2</a:t>
+            </a:r>
+            <a:r>
+              <a:rPr lang="es-ES" altLang="es-MX" sz="1600" dirty="0">
+                <a:solidFill>
+                  <a:schemeClr val="tx1">
+                    <a:lumMod val="95000"/>
+                    <a:lumOff val="5000"/>
+                  </a:schemeClr>
+                </a:solidFill>
+                <a:latin typeface="Dom Casual" charset="0"/>
+              </a:rPr>
+              <a:t> son objetos, objetos cuya clase es </a:t>
+            </a:r>
+            <a:r>
+              <a:rPr lang="es-ES" altLang="es-MX" sz="1600" b="1" dirty="0">
+                <a:solidFill>
+                  <a:schemeClr val="accent6">
+                    <a:lumMod val="75000"/>
+                  </a:schemeClr>
+                </a:solidFill>
+                <a:latin typeface="Dom Casual" charset="0"/>
+              </a:rPr>
+              <a:t>Coche</a:t>
+            </a:r>
+            <a:r>
+              <a:rPr lang="es-ES" altLang="es-MX" sz="1600" dirty="0">
+                <a:solidFill>
+                  <a:schemeClr val="tx1">
+                    <a:lumMod val="95000"/>
+                    <a:lumOff val="5000"/>
+                  </a:schemeClr>
+                </a:solidFill>
+                <a:latin typeface="Dom Casual" charset="0"/>
+              </a:rPr>
+              <a:t>. Ambos objetos pueden </a:t>
+            </a:r>
+            <a:r>
+              <a:rPr lang="es-ES" altLang="es-MX" sz="1600" b="1" dirty="0">
+                <a:solidFill>
+                  <a:schemeClr val="tx1">
+                    <a:lumMod val="95000"/>
+                    <a:lumOff val="5000"/>
+                  </a:schemeClr>
+                </a:solidFill>
+                <a:latin typeface="Dom Casual" charset="0"/>
+              </a:rPr>
+              <a:t>acelerar</a:t>
+            </a:r>
+            <a:r>
+              <a:rPr lang="es-ES" altLang="es-MX" sz="1600" dirty="0">
+                <a:solidFill>
+                  <a:schemeClr val="tx1">
+                    <a:lumMod val="95000"/>
+                    <a:lumOff val="5000"/>
+                  </a:schemeClr>
+                </a:solidFill>
+                <a:latin typeface="Dom Casual" charset="0"/>
+              </a:rPr>
+              <a:t> y </a:t>
+            </a:r>
+            <a:r>
+              <a:rPr lang="es-ES" altLang="es-MX" sz="1600" b="1" dirty="0">
+                <a:solidFill>
+                  <a:schemeClr val="tx1">
+                    <a:lumMod val="95000"/>
+                    <a:lumOff val="5000"/>
+                  </a:schemeClr>
+                </a:solidFill>
+                <a:latin typeface="Dom Casual" charset="0"/>
+              </a:rPr>
+              <a:t>frenar</a:t>
+            </a:r>
+            <a:r>
+              <a:rPr lang="es-ES" altLang="es-MX" sz="1600" dirty="0">
+                <a:solidFill>
+                  <a:schemeClr val="tx1">
+                    <a:lumMod val="95000"/>
+                    <a:lumOff val="5000"/>
+                  </a:schemeClr>
+                </a:solidFill>
+                <a:latin typeface="Dom Casual" charset="0"/>
+              </a:rPr>
+              <a:t>, porque su clase define estas operaciones y tienen un color, porque la clase </a:t>
+            </a:r>
+            <a:r>
+              <a:rPr lang="es-ES" altLang="es-MX" sz="1600" b="1" dirty="0">
+                <a:solidFill>
+                  <a:schemeClr val="accent6">
+                    <a:lumMod val="75000"/>
+                  </a:schemeClr>
+                </a:solidFill>
+                <a:latin typeface="Dom Casual" charset="0"/>
+              </a:rPr>
+              <a:t>Coche</a:t>
+            </a:r>
+            <a:r>
+              <a:rPr lang="es-ES" altLang="es-MX" sz="1600" dirty="0">
+                <a:solidFill>
+                  <a:schemeClr val="tx1">
+                    <a:lumMod val="95000"/>
+                    <a:lumOff val="5000"/>
+                  </a:schemeClr>
+                </a:solidFill>
+                <a:latin typeface="Dom Casual" charset="0"/>
+              </a:rPr>
+              <a:t> también define este dato. </a:t>
+            </a:r>
+            <a:r>
+              <a:rPr lang="es-ES" altLang="es-MX" sz="1600" b="1" dirty="0">
+                <a:solidFill>
+                  <a:srgbClr val="FF0000"/>
+                </a:solidFill>
+                <a:latin typeface="Dom Casual" charset="0"/>
+              </a:rPr>
+              <a:t>c1</a:t>
+            </a:r>
+            <a:r>
+              <a:rPr lang="es-ES" altLang="es-MX" sz="1600" dirty="0">
+                <a:solidFill>
+                  <a:schemeClr val="tx1">
+                    <a:lumMod val="95000"/>
+                    <a:lumOff val="5000"/>
+                  </a:schemeClr>
+                </a:solidFill>
+                <a:latin typeface="Dom Casual" charset="0"/>
+              </a:rPr>
+              <a:t> es de color rojo, mientras que </a:t>
+            </a:r>
+            <a:r>
+              <a:rPr lang="es-ES" altLang="es-MX" sz="1600" b="1" dirty="0">
+                <a:solidFill>
+                  <a:srgbClr val="FF0000"/>
+                </a:solidFill>
+                <a:latin typeface="Dom Casual" charset="0"/>
+              </a:rPr>
+              <a:t>c2 </a:t>
+            </a:r>
+            <a:r>
+              <a:rPr lang="es-ES" altLang="es-MX" sz="1600" dirty="0">
+                <a:solidFill>
+                  <a:schemeClr val="tx1">
+                    <a:lumMod val="95000"/>
+                    <a:lumOff val="5000"/>
+                  </a:schemeClr>
+                </a:solidFill>
+                <a:latin typeface="Dom Casual" charset="0"/>
+              </a:rPr>
+              <a:t>es de color azul.</a:t>
+            </a:r>
+            <a:endParaRPr lang="es-ES_tradnl" altLang="es-MX" sz="1600" dirty="0">
+              <a:solidFill>
+                <a:schemeClr val="tx1">
+                  <a:lumMod val="95000"/>
+                  <a:lumOff val="5000"/>
+                </a:schemeClr>
+              </a:solidFill>
+              <a:latin typeface="Dom Casual" charset="0"/>
+            </a:endParaRPr>
+          </a:p>
+        </p:txBody>
+      </p:sp>
+      <p:pic>
+        <p:nvPicPr>
+          <p:cNvPr id="10" name="Imagen 9">
+            <a:extLst>
+              <a:ext uri="{FF2B5EF4-FFF2-40B4-BE49-F238E27FC236}">
+                <a16:creationId xmlns:a16="http://schemas.microsoft.com/office/drawing/2014/main" id="{51B4ED5C-4EAB-4BB6-B188-BF7088972B35}"/>
+              </a:ext>
+            </a:extLst>
+          </p:cNvPr>
+          <p:cNvPicPr>
+            <a:picLocks noChangeAspect="1"/>
+          </p:cNvPicPr>
+          <p:nvPr/>
+        </p:nvPicPr>
+        <p:blipFill>
+          <a:blip r:embed="rId3"/>
+          <a:stretch>
+            <a:fillRect/>
+          </a:stretch>
+        </p:blipFill>
+        <p:spPr>
+          <a:xfrm>
+            <a:off x="3419872" y="1614936"/>
+            <a:ext cx="4392488" cy="3363673"/>
+          </a:xfrm>
+          <a:prstGeom prst="rect">
+            <a:avLst/>
+          </a:prstGeom>
+        </p:spPr>
+      </p:pic>
+    </p:spTree>
+    <p:extLst>
+      <p:ext uri="{BB962C8B-B14F-4D97-AF65-F5344CB8AC3E}">
+        <p14:creationId xmlns:p14="http://schemas.microsoft.com/office/powerpoint/2010/main" val="1227542179"/>
+      </p:ext>
+    </p:extLst>
+  </p:cSld>
+  <p:clrMapOvr>
+    <a:masterClrMapping/>
+  </p:clrMapOvr>
+</p:sld>
+</file>
+
+<file path=ppt/slides/slide49.xml><?xml version="1.0" encoding="utf-8"?>
+<p:sld xmlns:a="http://schemas.openxmlformats.org/drawingml/2006/main" xmlns:r="http://schemas.openxmlformats.org/officeDocument/2006/relationships" xmlns:p="http://schemas.openxmlformats.org/presentationml/2006/main">
+  <p:cSld>
+    <p:spTree>
+      <p:nvGrpSpPr>
+        <p:cNvPr id="1" name=""/>
+        <p:cNvGrpSpPr/>
+        <p:nvPr/>
+      </p:nvGrpSpPr>
+      <p:grpSpPr>
+        <a:xfrm>
+          <a:off x="0" y="0"/>
+          <a:ext cx="0" cy="0"/>
+          <a:chOff x="0" y="0"/>
+          <a:chExt cx="0" cy="0"/>
+        </a:xfrm>
+      </p:grpSpPr>
+      <p:sp>
+        <p:nvSpPr>
+          <p:cNvPr id="4" name="Rectangle 2">
+            <a:extLst>
+              <a:ext uri="{FF2B5EF4-FFF2-40B4-BE49-F238E27FC236}">
+                <a16:creationId xmlns:a16="http://schemas.microsoft.com/office/drawing/2014/main" id="{7CE40F4F-E91D-42FD-B661-EAA8BC18ABC8}"/>
+              </a:ext>
+            </a:extLst>
+          </p:cNvPr>
+          <p:cNvSpPr txBox="1">
+            <a:spLocks noChangeArrowheads="1"/>
+          </p:cNvSpPr>
+          <p:nvPr/>
+        </p:nvSpPr>
+        <p:spPr>
+          <a:xfrm>
+            <a:off x="984560" y="53751"/>
+            <a:ext cx="7174879" cy="1143001"/>
+          </a:xfrm>
+          <a:prstGeom prst="rect">
+            <a:avLst/>
+          </a:prstGeom>
+        </p:spPr>
+        <p:txBody>
+          <a:bodyPr vert="horz" lIns="91440" tIns="45720" rIns="91440" bIns="45720" rtlCol="0" anchor="ctr">
+            <a:normAutofit/>
+          </a:bodyPr>
+          <a:lstStyle>
+            <a:lvl1pPr algn="ctr" defTabSz="914400" rtl="0" eaLnBrk="1" latinLnBrk="0" hangingPunct="1">
+              <a:spcBef>
+                <a:spcPct val="0"/>
+              </a:spcBef>
+              <a:buNone/>
+              <a:defRPr sz="4400" kern="1200">
+                <a:solidFill>
+                  <a:schemeClr val="tx1"/>
+                </a:solidFill>
+                <a:latin typeface="+mj-lt"/>
+                <a:ea typeface="+mj-ea"/>
+                <a:cs typeface="+mj-cs"/>
+              </a:defRPr>
+            </a:lvl1pPr>
+          </a:lstStyle>
+          <a:p>
+            <a:r>
+              <a:rPr lang="es-ES_tradnl" altLang="es-MX" b="1" dirty="0">
+                <a:solidFill>
+                  <a:schemeClr val="accent4">
+                    <a:lumMod val="50000"/>
+                  </a:schemeClr>
+                </a:solidFill>
+                <a:effectLst>
+                  <a:outerShdw blurRad="38100" dist="38100" dir="2700000" algn="tl">
+                    <a:srgbClr val="C0C0C0"/>
+                  </a:outerShdw>
+                </a:effectLst>
+                <a:latin typeface="Dom Casual" charset="0"/>
+              </a:rPr>
+              <a:t>Objetos en Python</a:t>
+            </a:r>
+          </a:p>
+        </p:txBody>
+      </p:sp>
+      <p:sp>
+        <p:nvSpPr>
+          <p:cNvPr id="5" name="CuadroTexto 4">
+            <a:extLst>
+              <a:ext uri="{FF2B5EF4-FFF2-40B4-BE49-F238E27FC236}">
+                <a16:creationId xmlns:a16="http://schemas.microsoft.com/office/drawing/2014/main" id="{5B9DCBD5-EDB4-472E-80FA-9890151C94A5}"/>
+              </a:ext>
+            </a:extLst>
+          </p:cNvPr>
+          <p:cNvSpPr txBox="1"/>
+          <p:nvPr/>
+        </p:nvSpPr>
+        <p:spPr>
+          <a:xfrm>
+            <a:off x="886631" y="1412776"/>
+            <a:ext cx="7272808" cy="1692771"/>
+          </a:xfrm>
+          <a:prstGeom prst="rect">
+            <a:avLst/>
+          </a:prstGeom>
+          <a:noFill/>
+        </p:spPr>
+        <p:txBody>
+          <a:bodyPr wrap="square" rtlCol="0">
+            <a:spAutoFit/>
+          </a:bodyPr>
+          <a:lstStyle/>
+          <a:p>
+            <a:pPr algn="just">
+              <a:lnSpc>
+                <a:spcPct val="150000"/>
+              </a:lnSpc>
+            </a:pPr>
+            <a:r>
+              <a:rPr lang="es-ES" sz="1600" dirty="0"/>
+              <a:t>Para crear un objeto de una clase determinada, es decir, instanciar una clase, se usa el nombre de la clase y a continuación se añaden paréntesis (como si se llamara a una función).</a:t>
+            </a:r>
+          </a:p>
+          <a:p>
+            <a:r>
+              <a:rPr lang="es-ES" sz="1600" dirty="0">
+                <a:solidFill>
+                  <a:schemeClr val="bg1"/>
+                </a:solidFill>
+              </a:rPr>
+              <a:t>.</a:t>
+            </a:r>
+            <a:br>
+              <a:rPr lang="es-ES" sz="1600" dirty="0"/>
+            </a:br>
+            <a:r>
+              <a:rPr lang="es-ES" sz="1600" b="1" dirty="0">
+                <a:solidFill>
+                  <a:srgbClr val="FF0000"/>
+                </a:solidFill>
+              </a:rPr>
+              <a:t>obj</a:t>
+            </a:r>
+            <a:r>
+              <a:rPr lang="es-ES" sz="1600" dirty="0"/>
+              <a:t> = </a:t>
+            </a:r>
+            <a:r>
+              <a:rPr lang="es-ES" sz="1600" b="1" dirty="0">
+                <a:solidFill>
+                  <a:schemeClr val="accent6">
+                    <a:lumMod val="75000"/>
+                  </a:schemeClr>
+                </a:solidFill>
+              </a:rPr>
+              <a:t>MiClase()</a:t>
+            </a:r>
+            <a:endParaRPr lang="es-ES" sz="1600" dirty="0"/>
+          </a:p>
+        </p:txBody>
+      </p:sp>
+      <p:sp>
+        <p:nvSpPr>
+          <p:cNvPr id="6" name="CuadroTexto 5">
+            <a:extLst>
+              <a:ext uri="{FF2B5EF4-FFF2-40B4-BE49-F238E27FC236}">
+                <a16:creationId xmlns:a16="http://schemas.microsoft.com/office/drawing/2014/main" id="{57FA5499-F960-45B8-A4F1-72965E0A367A}"/>
+              </a:ext>
+            </a:extLst>
+          </p:cNvPr>
+          <p:cNvSpPr txBox="1"/>
+          <p:nvPr/>
+        </p:nvSpPr>
+        <p:spPr>
+          <a:xfrm>
+            <a:off x="872459" y="3283201"/>
+            <a:ext cx="7272808" cy="792781"/>
+          </a:xfrm>
+          <a:prstGeom prst="rect">
+            <a:avLst/>
+          </a:prstGeom>
+          <a:noFill/>
+        </p:spPr>
+        <p:txBody>
+          <a:bodyPr wrap="square" rtlCol="0">
+            <a:spAutoFit/>
+          </a:bodyPr>
+          <a:lstStyle/>
+          <a:p>
+            <a:pPr algn="just">
+              <a:lnSpc>
+                <a:spcPct val="150000"/>
+              </a:lnSpc>
+            </a:pPr>
+            <a:r>
+              <a:rPr lang="es-ES" sz="1600" dirty="0"/>
+              <a:t>Este código crea una nueva instancia de la clase </a:t>
+            </a:r>
+            <a:r>
+              <a:rPr lang="es-ES" sz="1600" b="1" dirty="0">
+                <a:solidFill>
+                  <a:schemeClr val="accent6">
+                    <a:lumMod val="75000"/>
+                  </a:schemeClr>
+                </a:solidFill>
+              </a:rPr>
+              <a:t>MiClase</a:t>
+            </a:r>
+            <a:r>
+              <a:rPr lang="es-ES" sz="1600" dirty="0"/>
+              <a:t> y asigna dicho objeto a la variable </a:t>
+            </a:r>
+            <a:r>
+              <a:rPr lang="es-ES" sz="1600" b="1" dirty="0">
+                <a:solidFill>
+                  <a:srgbClr val="FF0000"/>
+                </a:solidFill>
+              </a:rPr>
+              <a:t>obj</a:t>
+            </a:r>
+            <a:r>
+              <a:rPr lang="es-ES" sz="1600" dirty="0"/>
+              <a:t>. Esto crea un objeto vacío, sin estado.</a:t>
+            </a:r>
+          </a:p>
+        </p:txBody>
+      </p:sp>
+    </p:spTree>
+    <p:extLst>
+      <p:ext uri="{BB962C8B-B14F-4D97-AF65-F5344CB8AC3E}">
+        <p14:creationId xmlns:p14="http://schemas.microsoft.com/office/powerpoint/2010/main" val="3285934696"/>
       </p:ext>
     </p:extLst>
   </p:cSld>
@@ -28168,364 +28743,10 @@
       </p:grpSpPr>
       <p:sp>
         <p:nvSpPr>
-          <p:cNvPr id="434178" name="Rectangle 2">
+          <p:cNvPr id="4" name="Rectangle 2">
             <a:extLst>
               <a:ext uri="{FF2B5EF4-FFF2-40B4-BE49-F238E27FC236}">
-                <a16:creationId xmlns:a16="http://schemas.microsoft.com/office/drawing/2014/main" id="{A989DBC3-3BB3-47E2-B7AB-0605D52D98D2}"/>
-              </a:ext>
-            </a:extLst>
-          </p:cNvPr>
-          <p:cNvSpPr>
-            <a:spLocks noGrp="1" noChangeArrowheads="1"/>
-          </p:cNvSpPr>
-          <p:nvPr>
-            <p:ph type="title"/>
-          </p:nvPr>
-        </p:nvSpPr>
-        <p:spPr>
-          <a:xfrm>
-            <a:off x="431540" y="911410"/>
-            <a:ext cx="8100900" cy="4101766"/>
-          </a:xfrm>
-        </p:spPr>
-        <p:txBody>
-          <a:bodyPr>
-            <a:normAutofit/>
-          </a:bodyPr>
-          <a:lstStyle/>
-          <a:p>
-            <a:pPr algn="l"/>
-            <a:r>
-              <a:rPr lang="es-ES" altLang="es-MX" sz="1600" dirty="0">
-                <a:solidFill>
-                  <a:schemeClr val="tx1">
-                    <a:lumMod val="95000"/>
-                    <a:lumOff val="5000"/>
-                  </a:schemeClr>
-                </a:solidFill>
-                <a:latin typeface="Dom Casual" charset="0"/>
-              </a:rPr>
-              <a:t>En el siguiente ejemplo se crean dos objetos de tipo Coche:</a:t>
-            </a:r>
-            <a:br>
-              <a:rPr lang="es-ES" altLang="es-MX" sz="1600" dirty="0">
-                <a:solidFill>
-                  <a:schemeClr val="tx1">
-                    <a:lumMod val="95000"/>
-                    <a:lumOff val="5000"/>
-                  </a:schemeClr>
-                </a:solidFill>
-                <a:latin typeface="Dom Casual" charset="0"/>
-              </a:rPr>
-            </a:br>
-            <a:br>
-              <a:rPr lang="es-ES" altLang="es-MX" sz="1600" dirty="0">
-                <a:solidFill>
-                  <a:schemeClr val="tx1">
-                    <a:lumMod val="95000"/>
-                    <a:lumOff val="5000"/>
-                  </a:schemeClr>
-                </a:solidFill>
-                <a:latin typeface="Dom Casual" charset="0"/>
-              </a:rPr>
-            </a:br>
-            <a:br>
-              <a:rPr lang="es-ES" altLang="es-MX" sz="1600" dirty="0">
-                <a:solidFill>
-                  <a:schemeClr val="tx1">
-                    <a:lumMod val="95000"/>
-                    <a:lumOff val="5000"/>
-                  </a:schemeClr>
-                </a:solidFill>
-                <a:latin typeface="Dom Casual" charset="0"/>
-              </a:rPr>
-            </a:br>
-            <a:r>
-              <a:rPr lang="es-ES" altLang="es-MX" sz="1600" b="1" dirty="0">
-                <a:solidFill>
-                  <a:srgbClr val="FF0000"/>
-                </a:solidFill>
-                <a:latin typeface="Dom Casual" charset="0"/>
-              </a:rPr>
-              <a:t>c1 </a:t>
-            </a:r>
-            <a:r>
-              <a:rPr lang="es-ES" altLang="es-MX" sz="1600" dirty="0">
-                <a:solidFill>
-                  <a:schemeClr val="tx1">
-                    <a:lumMod val="95000"/>
-                    <a:lumOff val="5000"/>
-                  </a:schemeClr>
-                </a:solidFill>
-                <a:latin typeface="Dom Casual" charset="0"/>
-              </a:rPr>
-              <a:t>= </a:t>
-            </a:r>
-            <a:r>
-              <a:rPr lang="es-ES" altLang="es-MX" sz="1600" b="1" dirty="0">
-                <a:solidFill>
-                  <a:schemeClr val="accent6">
-                    <a:lumMod val="75000"/>
-                  </a:schemeClr>
-                </a:solidFill>
-                <a:latin typeface="Dom Casual" charset="0"/>
-              </a:rPr>
-              <a:t>Coche('rojo', 20)</a:t>
-            </a:r>
-            <a:br>
-              <a:rPr lang="es-ES" altLang="es-MX" sz="1600" b="1" dirty="0">
-                <a:solidFill>
-                  <a:schemeClr val="accent6">
-                    <a:lumMod val="75000"/>
-                  </a:schemeClr>
-                </a:solidFill>
-                <a:latin typeface="Dom Casual" charset="0"/>
-              </a:rPr>
-            </a:br>
-            <a:r>
-              <a:rPr lang="es-ES" altLang="es-MX" sz="1600" dirty="0">
-                <a:solidFill>
-                  <a:schemeClr val="tx1">
-                    <a:lumMod val="95000"/>
-                    <a:lumOff val="5000"/>
-                  </a:schemeClr>
-                </a:solidFill>
-                <a:latin typeface="Dom Casual" charset="0"/>
-              </a:rPr>
-              <a:t>print(c1.color)</a:t>
-            </a:r>
-            <a:br>
-              <a:rPr lang="es-ES" altLang="es-MX" sz="1600" dirty="0">
-                <a:solidFill>
-                  <a:schemeClr val="tx1">
-                    <a:lumMod val="95000"/>
-                    <a:lumOff val="5000"/>
-                  </a:schemeClr>
-                </a:solidFill>
-                <a:latin typeface="Dom Casual" charset="0"/>
-              </a:rPr>
-            </a:br>
-            <a:r>
-              <a:rPr lang="es-ES" altLang="es-MX" sz="1600" dirty="0">
-                <a:solidFill>
-                  <a:schemeClr val="tx1">
-                    <a:lumMod val="95000"/>
-                    <a:lumOff val="5000"/>
-                  </a:schemeClr>
-                </a:solidFill>
-                <a:latin typeface="Dom Casual" charset="0"/>
-              </a:rPr>
-              <a:t>rojo</a:t>
-            </a:r>
-            <a:br>
-              <a:rPr lang="es-ES" altLang="es-MX" sz="1600" dirty="0">
-                <a:solidFill>
-                  <a:schemeClr val="tx1">
-                    <a:lumMod val="95000"/>
-                    <a:lumOff val="5000"/>
-                  </a:schemeClr>
-                </a:solidFill>
-                <a:latin typeface="Dom Casual" charset="0"/>
-              </a:rPr>
-            </a:br>
-            <a:r>
-              <a:rPr lang="es-ES" altLang="es-MX" sz="1600" dirty="0">
-                <a:solidFill>
-                  <a:schemeClr val="tx1">
-                    <a:lumMod val="95000"/>
-                    <a:lumOff val="5000"/>
-                  </a:schemeClr>
-                </a:solidFill>
-                <a:latin typeface="Dom Casual" charset="0"/>
-              </a:rPr>
-              <a:t>print(c1.ruedas)</a:t>
-            </a:r>
-            <a:br>
-              <a:rPr lang="es-ES" altLang="es-MX" sz="1600" dirty="0">
-                <a:solidFill>
-                  <a:schemeClr val="tx1">
-                    <a:lumMod val="95000"/>
-                    <a:lumOff val="5000"/>
-                  </a:schemeClr>
-                </a:solidFill>
-                <a:latin typeface="Dom Casual" charset="0"/>
-              </a:rPr>
-            </a:br>
-            <a:r>
-              <a:rPr lang="es-ES" altLang="es-MX" sz="1600" dirty="0">
-                <a:solidFill>
-                  <a:schemeClr val="tx1">
-                    <a:lumMod val="95000"/>
-                    <a:lumOff val="5000"/>
-                  </a:schemeClr>
-                </a:solidFill>
-                <a:latin typeface="Dom Casual" charset="0"/>
-              </a:rPr>
-              <a:t>4</a:t>
-            </a:r>
-            <a:br>
-              <a:rPr lang="es-ES" altLang="es-MX" sz="1600" dirty="0">
-                <a:solidFill>
-                  <a:schemeClr val="tx1">
-                    <a:lumMod val="95000"/>
-                    <a:lumOff val="5000"/>
-                  </a:schemeClr>
-                </a:solidFill>
-                <a:latin typeface="Dom Casual" charset="0"/>
-              </a:rPr>
-            </a:br>
-            <a:br>
-              <a:rPr lang="es-ES" altLang="es-MX" sz="1600" dirty="0">
-                <a:solidFill>
-                  <a:schemeClr val="tx1">
-                    <a:lumMod val="95000"/>
-                    <a:lumOff val="5000"/>
-                  </a:schemeClr>
-                </a:solidFill>
-                <a:latin typeface="Dom Casual" charset="0"/>
-              </a:rPr>
-            </a:br>
-            <a:r>
-              <a:rPr lang="es-ES" altLang="es-MX" sz="1600" b="1" dirty="0">
-                <a:solidFill>
-                  <a:srgbClr val="FF0000"/>
-                </a:solidFill>
-                <a:latin typeface="Dom Casual" charset="0"/>
-              </a:rPr>
-              <a:t>c2</a:t>
-            </a:r>
-            <a:r>
-              <a:rPr lang="es-ES" altLang="es-MX" sz="1600" dirty="0">
-                <a:solidFill>
-                  <a:schemeClr val="tx1">
-                    <a:lumMod val="95000"/>
-                    <a:lumOff val="5000"/>
-                  </a:schemeClr>
-                </a:solidFill>
-                <a:latin typeface="Dom Casual" charset="0"/>
-              </a:rPr>
-              <a:t> = </a:t>
-            </a:r>
-            <a:r>
-              <a:rPr lang="es-ES" altLang="es-MX" sz="1600" b="1" dirty="0">
-                <a:solidFill>
-                  <a:schemeClr val="accent6">
-                    <a:lumMod val="75000"/>
-                  </a:schemeClr>
-                </a:solidFill>
-                <a:latin typeface="Dom Casual" charset="0"/>
-              </a:rPr>
-              <a:t>Coche('azul', 30)</a:t>
-            </a:r>
-            <a:br>
-              <a:rPr lang="es-ES" altLang="es-MX" sz="1600" b="1" dirty="0">
-                <a:solidFill>
-                  <a:schemeClr val="accent6">
-                    <a:lumMod val="75000"/>
-                  </a:schemeClr>
-                </a:solidFill>
-                <a:latin typeface="Dom Casual" charset="0"/>
-              </a:rPr>
-            </a:br>
-            <a:r>
-              <a:rPr lang="es-ES" altLang="es-MX" sz="1600" dirty="0">
-                <a:solidFill>
-                  <a:schemeClr val="tx1">
-                    <a:lumMod val="95000"/>
-                    <a:lumOff val="5000"/>
-                  </a:schemeClr>
-                </a:solidFill>
-                <a:latin typeface="Dom Casual" charset="0"/>
-              </a:rPr>
-              <a:t>print(c2.color)</a:t>
-            </a:r>
-            <a:br>
-              <a:rPr lang="es-ES" altLang="es-MX" sz="1600" dirty="0">
-                <a:solidFill>
-                  <a:schemeClr val="tx1">
-                    <a:lumMod val="95000"/>
-                    <a:lumOff val="5000"/>
-                  </a:schemeClr>
-                </a:solidFill>
-                <a:latin typeface="Dom Casual" charset="0"/>
-              </a:rPr>
-            </a:br>
-            <a:r>
-              <a:rPr lang="es-ES" altLang="es-MX" sz="1600" dirty="0">
-                <a:solidFill>
-                  <a:schemeClr val="tx1">
-                    <a:lumMod val="95000"/>
-                    <a:lumOff val="5000"/>
-                  </a:schemeClr>
-                </a:solidFill>
-                <a:latin typeface="Dom Casual" charset="0"/>
-              </a:rPr>
-              <a:t>azul</a:t>
-            </a:r>
-            <a:br>
-              <a:rPr lang="es-ES" altLang="es-MX" sz="1600" dirty="0">
-                <a:solidFill>
-                  <a:schemeClr val="tx1">
-                    <a:lumMod val="95000"/>
-                    <a:lumOff val="5000"/>
-                  </a:schemeClr>
-                </a:solidFill>
-                <a:latin typeface="Dom Casual" charset="0"/>
-              </a:rPr>
-            </a:br>
-            <a:r>
-              <a:rPr lang="es-ES" altLang="es-MX" sz="1600" dirty="0">
-                <a:solidFill>
-                  <a:schemeClr val="tx1">
-                    <a:lumMod val="95000"/>
-                    <a:lumOff val="5000"/>
-                  </a:schemeClr>
-                </a:solidFill>
-                <a:latin typeface="Dom Casual" charset="0"/>
-              </a:rPr>
-              <a:t>print(c2.ruedas)</a:t>
-            </a:r>
-            <a:br>
-              <a:rPr lang="es-ES" altLang="es-MX" sz="1600" dirty="0">
-                <a:solidFill>
-                  <a:schemeClr val="tx1">
-                    <a:lumMod val="95000"/>
-                    <a:lumOff val="5000"/>
-                  </a:schemeClr>
-                </a:solidFill>
-                <a:latin typeface="Dom Casual" charset="0"/>
-              </a:rPr>
-            </a:br>
-            <a:r>
-              <a:rPr lang="es-ES" altLang="es-MX" sz="1600" dirty="0">
-                <a:solidFill>
-                  <a:schemeClr val="tx1">
-                    <a:lumMod val="95000"/>
-                    <a:lumOff val="5000"/>
-                  </a:schemeClr>
-                </a:solidFill>
-                <a:latin typeface="Dom Casual" charset="0"/>
-              </a:rPr>
-              <a:t>4</a:t>
-            </a:r>
-            <a:endParaRPr lang="es-ES_tradnl" altLang="es-MX" sz="1600" dirty="0">
-              <a:solidFill>
-                <a:schemeClr val="tx1">
-                  <a:lumMod val="95000"/>
-                  <a:lumOff val="5000"/>
-                </a:schemeClr>
-              </a:solidFill>
-              <a:latin typeface="Dom Casual" charset="0"/>
-            </a:endParaRPr>
-          </a:p>
-        </p:txBody>
-      </p:sp>
-      <p:sp>
-        <p:nvSpPr>
-          <p:cNvPr id="7" name="Rectangle 2">
-            <a:extLst>
-              <a:ext uri="{FF2B5EF4-FFF2-40B4-BE49-F238E27FC236}">
-                <a16:creationId xmlns:a16="http://schemas.microsoft.com/office/drawing/2014/main" id="{C1FE459C-07E2-4B95-B312-371C1E72CE94}"/>
+                <a16:creationId xmlns:a16="http://schemas.microsoft.com/office/drawing/2014/main" id="{7CE40F4F-E91D-42FD-B661-EAA8BC18ABC8}"/>
               </a:ext>
             </a:extLst>
           </p:cNvPr>
@@ -28578,256 +28799,260 @@
                 </a:effectLst>
                 <a:latin typeface="Dom Casual" charset="0"/>
               </a:rPr>
-              <a:t>Objetos en Python</a:t>
+              <a:t>Constructor de una clase</a:t>
             </a:r>
           </a:p>
         </p:txBody>
       </p:sp>
       <p:sp>
         <p:nvSpPr>
-          <p:cNvPr id="6" name="Rectangle 2">
+          <p:cNvPr id="6" name="CuadroTexto 5">
             <a:extLst>
               <a:ext uri="{FF2B5EF4-FFF2-40B4-BE49-F238E27FC236}">
-                <a16:creationId xmlns:a16="http://schemas.microsoft.com/office/drawing/2014/main" id="{A6FC9F71-00E5-43D0-9944-D99205359CE4}"/>
+                <a16:creationId xmlns:a16="http://schemas.microsoft.com/office/drawing/2014/main" id="{57FA5499-F960-45B8-A4F1-72965E0A367A}"/>
               </a:ext>
             </a:extLst>
           </p:cNvPr>
-          <p:cNvSpPr txBox="1">
-            <a:spLocks noChangeArrowheads="1"/>
-          </p:cNvSpPr>
+          <p:cNvSpPr txBox="1"/>
           <p:nvPr/>
         </p:nvSpPr>
         <p:spPr>
           <a:xfrm>
-            <a:off x="395654" y="4983297"/>
-            <a:ext cx="8136786" cy="1296144"/>
+            <a:off x="488603" y="1052736"/>
+            <a:ext cx="8166794" cy="2870273"/>
           </a:xfrm>
           <a:prstGeom prst="rect">
             <a:avLst/>
           </a:prstGeom>
+          <a:noFill/>
         </p:spPr>
         <p:txBody>
-          <a:bodyPr vert="horz" lIns="91440" tIns="45720" rIns="91440" bIns="45720" rtlCol="0" anchor="ctr">
-            <a:noAutofit/>
+          <a:bodyPr wrap="square" rtlCol="0">
+            <a:spAutoFit/>
           </a:bodyPr>
-          <a:lstStyle>
-            <a:lvl1pPr algn="ctr" defTabSz="914400" rtl="0" eaLnBrk="1" latinLnBrk="0" hangingPunct="1">
-              <a:spcBef>
-                <a:spcPct val="0"/>
-              </a:spcBef>
-              <a:buNone/>
-              <a:defRPr sz="4400" kern="1200">
-                <a:solidFill>
-                  <a:schemeClr val="tx1"/>
-                </a:solidFill>
-                <a:latin typeface="+mj-lt"/>
-                <a:ea typeface="+mj-ea"/>
-                <a:cs typeface="+mj-cs"/>
-              </a:defRPr>
-            </a:lvl1pPr>
-          </a:lstStyle>
-          <a:p>
-            <a:pPr algn="just">
+          <a:lstStyle/>
+          <a:p>
+            <a:pPr marL="285750" indent="-285750" algn="just">
               <a:lnSpc>
-                <a:spcPts val="3000"/>
+                <a:spcPct val="150000"/>
               </a:lnSpc>
+              <a:spcAft>
+                <a:spcPts val="600"/>
+              </a:spcAft>
+              <a:buFont typeface="Arial" panose="020B0604020202020204" pitchFamily="34" charset="0"/>
+              <a:buChar char="•"/>
             </a:pPr>
             <a:r>
-              <a:rPr lang="es-ES" altLang="es-MX" sz="1600" b="1" dirty="0">
+              <a:rPr lang="es-ES" sz="1600" dirty="0"/>
+              <a:t>Sin embargo, hay clases que deben o necesitan crear instancias de objetos con un estado inicial.</a:t>
+            </a:r>
+          </a:p>
+          <a:p>
+            <a:pPr marL="285750" indent="-285750" algn="just">
+              <a:lnSpc>
+                <a:spcPct val="150000"/>
+              </a:lnSpc>
+              <a:spcAft>
+                <a:spcPts val="600"/>
+              </a:spcAft>
+              <a:buFont typeface="Arial" panose="020B0604020202020204" pitchFamily="34" charset="0"/>
+              <a:buChar char="•"/>
+            </a:pPr>
+            <a:r>
+              <a:rPr lang="es-ES" sz="1600" dirty="0"/>
+              <a:t>Esto se consigue implementando el método especial </a:t>
+            </a:r>
+            <a:r>
+              <a:rPr lang="es-ES" sz="1600" b="1" dirty="0">
                 <a:solidFill>
                   <a:srgbClr val="FF0000"/>
                 </a:solidFill>
-                <a:latin typeface="Dom Casual" charset="0"/>
-              </a:rPr>
-              <a:t>c1</a:t>
-            </a:r>
-            <a:r>
-              <a:rPr lang="es-ES" altLang="es-MX" sz="1600" dirty="0">
-                <a:solidFill>
-                  <a:schemeClr val="tx1">
-                    <a:lumMod val="95000"/>
-                    <a:lumOff val="5000"/>
-                  </a:schemeClr>
-                </a:solidFill>
-                <a:latin typeface="Dom Casual" charset="0"/>
-              </a:rPr>
-              <a:t> y </a:t>
-            </a:r>
-            <a:r>
-              <a:rPr lang="es-ES" altLang="es-MX" sz="1600" b="1" dirty="0">
+              </a:rPr>
+              <a:t>__init__()</a:t>
+            </a:r>
+            <a:r>
+              <a:rPr lang="es-ES" sz="1600" dirty="0"/>
+              <a:t>. Este método es conocido como el constructor de la clase y se invoca cada vez que se instancia un nuevo objeto.</a:t>
+            </a:r>
+          </a:p>
+          <a:p>
+            <a:pPr marL="285750" indent="-285750" algn="just">
+              <a:lnSpc>
+                <a:spcPct val="150000"/>
+              </a:lnSpc>
+              <a:spcAft>
+                <a:spcPts val="600"/>
+              </a:spcAft>
+              <a:buFont typeface="Arial" panose="020B0604020202020204" pitchFamily="34" charset="0"/>
+              <a:buChar char="•"/>
+            </a:pPr>
+            <a:r>
+              <a:rPr lang="es-ES" sz="1600" dirty="0"/>
+              <a:t>El método </a:t>
+            </a:r>
+            <a:r>
+              <a:rPr lang="es-ES" sz="1600" b="1" dirty="0">
                 <a:solidFill>
                   <a:srgbClr val="FF0000"/>
                 </a:solidFill>
-                <a:latin typeface="Dom Casual" charset="0"/>
-              </a:rPr>
-              <a:t>c2</a:t>
-            </a:r>
-            <a:r>
-              <a:rPr lang="es-ES" altLang="es-MX" sz="1600" dirty="0">
-                <a:solidFill>
-                  <a:schemeClr val="tx1">
-                    <a:lumMod val="95000"/>
-                    <a:lumOff val="5000"/>
-                  </a:schemeClr>
-                </a:solidFill>
-                <a:latin typeface="Dom Casual" charset="0"/>
-              </a:rPr>
-              <a:t> son objetos, objetos cuya clase es </a:t>
-            </a:r>
-            <a:r>
-              <a:rPr lang="es-ES" altLang="es-MX" sz="1600" b="1" dirty="0">
+              </a:rPr>
+              <a:t>__init__()</a:t>
+            </a:r>
+            <a:r>
+              <a:rPr lang="es-ES" sz="1600" dirty="0"/>
+              <a:t> establece un primer parámetro especial que se suele llamar </a:t>
+            </a:r>
+            <a:r>
+              <a:rPr lang="es-ES" sz="1600" b="1" dirty="0">
                 <a:solidFill>
                   <a:schemeClr val="accent6">
                     <a:lumMod val="75000"/>
                   </a:schemeClr>
                 </a:solidFill>
-                <a:latin typeface="Dom Casual" charset="0"/>
+              </a:rPr>
+              <a:t>self </a:t>
+            </a:r>
+            <a:r>
+              <a:rPr lang="es-ES" sz="1600" dirty="0"/>
+              <a:t>y puede especificar otros parámetros como en las funciones.</a:t>
+            </a:r>
+          </a:p>
+          <a:p>
+            <a:pPr marL="285750" indent="-285750" algn="just">
+              <a:lnSpc>
+                <a:spcPct val="150000"/>
+              </a:lnSpc>
+              <a:spcAft>
+                <a:spcPts val="600"/>
+              </a:spcAft>
+              <a:buFont typeface="Arial" panose="020B0604020202020204" pitchFamily="34" charset="0"/>
+              <a:buChar char="•"/>
+            </a:pPr>
+            <a:r>
+              <a:rPr lang="es-ES" sz="1600" dirty="0"/>
+              <a:t>En nuestro caso, el constructor de la clase </a:t>
+            </a:r>
+            <a:r>
+              <a:rPr lang="es-ES" sz="1600" b="1" dirty="0">
+                <a:solidFill>
+                  <a:schemeClr val="accent5">
+                    <a:lumMod val="75000"/>
+                  </a:schemeClr>
+                </a:solidFill>
               </a:rPr>
               <a:t>Coche</a:t>
             </a:r>
             <a:r>
-              <a:rPr lang="es-ES" altLang="es-MX" sz="1600" dirty="0">
-                <a:solidFill>
-                  <a:schemeClr val="tx1">
-                    <a:lumMod val="95000"/>
-                    <a:lumOff val="5000"/>
-                  </a:schemeClr>
-                </a:solidFill>
-                <a:latin typeface="Dom Casual" charset="0"/>
-              </a:rPr>
-              <a:t>. Ambos objetos pueden </a:t>
-            </a:r>
-            <a:r>
-              <a:rPr lang="es-ES" altLang="es-MX" sz="1600" b="1" dirty="0">
-                <a:solidFill>
-                  <a:schemeClr val="tx1">
-                    <a:lumMod val="95000"/>
-                    <a:lumOff val="5000"/>
-                  </a:schemeClr>
-                </a:solidFill>
-                <a:latin typeface="Dom Casual" charset="0"/>
-              </a:rPr>
-              <a:t>acelerar</a:t>
-            </a:r>
-            <a:r>
-              <a:rPr lang="es-ES" altLang="es-MX" sz="1600" dirty="0">
-                <a:solidFill>
-                  <a:schemeClr val="tx1">
-                    <a:lumMod val="95000"/>
-                    <a:lumOff val="5000"/>
-                  </a:schemeClr>
-                </a:solidFill>
-                <a:latin typeface="Dom Casual" charset="0"/>
-              </a:rPr>
-              <a:t> y </a:t>
-            </a:r>
-            <a:r>
-              <a:rPr lang="es-ES" altLang="es-MX" sz="1600" b="1" dirty="0">
-                <a:solidFill>
-                  <a:schemeClr val="tx1">
-                    <a:lumMod val="95000"/>
-                    <a:lumOff val="5000"/>
-                  </a:schemeClr>
-                </a:solidFill>
-                <a:latin typeface="Dom Casual" charset="0"/>
-              </a:rPr>
-              <a:t>frenar</a:t>
-            </a:r>
-            <a:r>
-              <a:rPr lang="es-ES" altLang="es-MX" sz="1600" dirty="0">
-                <a:solidFill>
-                  <a:schemeClr val="tx1">
-                    <a:lumMod val="95000"/>
-                    <a:lumOff val="5000"/>
-                  </a:schemeClr>
-                </a:solidFill>
-                <a:latin typeface="Dom Casual" charset="0"/>
-              </a:rPr>
-              <a:t>, porque su clase define estas operaciones y tienen un color, porque la clase </a:t>
-            </a:r>
-            <a:r>
-              <a:rPr lang="es-ES" altLang="es-MX" sz="1600" b="1" dirty="0">
+              <a:rPr lang="es-ES" sz="1600" dirty="0"/>
+              <a:t> es el siguiente:</a:t>
+            </a:r>
+          </a:p>
+        </p:txBody>
+      </p:sp>
+      <p:sp>
+        <p:nvSpPr>
+          <p:cNvPr id="7" name="CuadroTexto 6">
+            <a:extLst>
+              <a:ext uri="{FF2B5EF4-FFF2-40B4-BE49-F238E27FC236}">
+                <a16:creationId xmlns:a16="http://schemas.microsoft.com/office/drawing/2014/main" id="{563E2DE3-CD98-4F49-9265-70EF73D24688}"/>
+              </a:ext>
+            </a:extLst>
+          </p:cNvPr>
+          <p:cNvSpPr txBox="1"/>
+          <p:nvPr/>
+        </p:nvSpPr>
+        <p:spPr>
+          <a:xfrm>
+            <a:off x="488602" y="5241347"/>
+            <a:ext cx="8043837" cy="792781"/>
+          </a:xfrm>
+          <a:prstGeom prst="rect">
+            <a:avLst/>
+          </a:prstGeom>
+          <a:noFill/>
+        </p:spPr>
+        <p:txBody>
+          <a:bodyPr wrap="square" rtlCol="0">
+            <a:spAutoFit/>
+          </a:bodyPr>
+          <a:lstStyle/>
+          <a:p>
+            <a:pPr marL="285750" indent="-285750" algn="just">
+              <a:lnSpc>
+                <a:spcPct val="150000"/>
+              </a:lnSpc>
+              <a:buFont typeface="Arial" panose="020B0604020202020204" pitchFamily="34" charset="0"/>
+              <a:buChar char="•"/>
+            </a:pPr>
+            <a:r>
+              <a:rPr lang="es-ES" sz="1600" dirty="0"/>
+              <a:t>Además del parámetro </a:t>
+            </a:r>
+            <a:r>
+              <a:rPr lang="es-ES" sz="1600" b="1" dirty="0">
                 <a:solidFill>
                   <a:schemeClr val="accent6">
                     <a:lumMod val="75000"/>
                   </a:schemeClr>
                 </a:solidFill>
-                <a:latin typeface="Dom Casual" charset="0"/>
+              </a:rPr>
+              <a:t>self</a:t>
+            </a:r>
+            <a:r>
+              <a:rPr lang="es-ES" sz="1600" dirty="0"/>
+              <a:t>, se definen los parámetros </a:t>
+            </a:r>
+            <a:r>
+              <a:rPr lang="es-ES" sz="1600" b="1" dirty="0">
+                <a:solidFill>
+                  <a:schemeClr val="accent6">
+                    <a:lumMod val="75000"/>
+                  </a:schemeClr>
+                </a:solidFill>
+              </a:rPr>
+              <a:t>color</a:t>
+            </a:r>
+            <a:r>
+              <a:rPr lang="es-ES" sz="1600" dirty="0"/>
+              <a:t> y </a:t>
+            </a:r>
+            <a:r>
+              <a:rPr lang="es-ES" sz="1600" b="1" dirty="0">
+                <a:solidFill>
+                  <a:schemeClr val="accent6">
+                    <a:lumMod val="75000"/>
+                  </a:schemeClr>
+                </a:solidFill>
+              </a:rPr>
+              <a:t>aceleracion</a:t>
+            </a:r>
+            <a:r>
+              <a:rPr lang="es-ES" sz="1600" dirty="0"/>
+              <a:t>, que determinan el estado inicial del objeto de tipo </a:t>
+            </a:r>
+            <a:r>
+              <a:rPr lang="es-ES" sz="1600" b="1" dirty="0">
+                <a:solidFill>
+                  <a:schemeClr val="accent5">
+                    <a:lumMod val="75000"/>
+                  </a:schemeClr>
+                </a:solidFill>
               </a:rPr>
               <a:t>Coche</a:t>
             </a:r>
             <a:r>
-              <a:rPr lang="es-ES" altLang="es-MX" sz="1600" dirty="0">
-                <a:solidFill>
-                  <a:schemeClr val="tx1">
-                    <a:lumMod val="95000"/>
-                    <a:lumOff val="5000"/>
-                  </a:schemeClr>
-                </a:solidFill>
-                <a:latin typeface="Dom Casual" charset="0"/>
-              </a:rPr>
-              <a:t> también define este dato. </a:t>
-            </a:r>
-            <a:r>
-              <a:rPr lang="es-ES" altLang="es-MX" sz="1600" b="1" dirty="0">
-                <a:solidFill>
-                  <a:srgbClr val="FF0000"/>
-                </a:solidFill>
-                <a:latin typeface="Dom Casual" charset="0"/>
-              </a:rPr>
-              <a:t>c1</a:t>
-            </a:r>
-            <a:r>
-              <a:rPr lang="es-ES" altLang="es-MX" sz="1600" dirty="0">
-                <a:solidFill>
-                  <a:schemeClr val="tx1">
-                    <a:lumMod val="95000"/>
-                    <a:lumOff val="5000"/>
-                  </a:schemeClr>
-                </a:solidFill>
-                <a:latin typeface="Dom Casual" charset="0"/>
-              </a:rPr>
-              <a:t> es de color rojo, mientras que </a:t>
-            </a:r>
-            <a:r>
-              <a:rPr lang="es-ES" altLang="es-MX" sz="1600" b="1" dirty="0">
-                <a:solidFill>
-                  <a:srgbClr val="FF0000"/>
-                </a:solidFill>
-                <a:latin typeface="Dom Casual" charset="0"/>
-              </a:rPr>
-              <a:t>c2 </a:t>
-            </a:r>
-            <a:r>
-              <a:rPr lang="es-ES" altLang="es-MX" sz="1600" dirty="0">
-                <a:solidFill>
-                  <a:schemeClr val="tx1">
-                    <a:lumMod val="95000"/>
-                    <a:lumOff val="5000"/>
-                  </a:schemeClr>
-                </a:solidFill>
-                <a:latin typeface="Dom Casual" charset="0"/>
-              </a:rPr>
-              <a:t>es de color azul.</a:t>
-            </a:r>
-            <a:endParaRPr lang="es-ES_tradnl" altLang="es-MX" sz="1600" dirty="0">
-              <a:solidFill>
-                <a:schemeClr val="tx1">
-                  <a:lumMod val="95000"/>
-                  <a:lumOff val="5000"/>
-                </a:schemeClr>
-              </a:solidFill>
-              <a:latin typeface="Dom Casual" charset="0"/>
-            </a:endParaRPr>
+              <a:rPr lang="es-ES" sz="1600" dirty="0"/>
+              <a:t>.</a:t>
+            </a:r>
           </a:p>
         </p:txBody>
       </p:sp>
       <p:pic>
         <p:nvPicPr>
-          <p:cNvPr id="10" name="Imagen 9">
+          <p:cNvPr id="9" name="Imagen 8">
             <a:extLst>
               <a:ext uri="{FF2B5EF4-FFF2-40B4-BE49-F238E27FC236}">
-                <a16:creationId xmlns:a16="http://schemas.microsoft.com/office/drawing/2014/main" id="{51B4ED5C-4EAB-4BB6-B188-BF7088972B35}"/>
+                <a16:creationId xmlns:a16="http://schemas.microsoft.com/office/drawing/2014/main" id="{917813CB-E4B8-46C1-8558-63AE7140883A}"/>
               </a:ext>
             </a:extLst>
           </p:cNvPr>
@@ -28844,8 +29069,8 @@
         </p:blipFill>
         <p:spPr>
           <a:xfrm>
-            <a:off x="3419872" y="1614936"/>
-            <a:ext cx="4392488" cy="3363673"/>
+            <a:off x="827584" y="3965727"/>
+            <a:ext cx="3312368" cy="1241022"/>
           </a:xfrm>
           <a:prstGeom prst="rect">
             <a:avLst/>
@@ -28855,7 +29080,7 @@
     </p:spTree>
     <p:extLst>
       <p:ext uri="{BB962C8B-B14F-4D97-AF65-F5344CB8AC3E}">
-        <p14:creationId xmlns:p14="http://schemas.microsoft.com/office/powerpoint/2010/main" val="1227542179"/>
+        <p14:creationId xmlns:p14="http://schemas.microsoft.com/office/powerpoint/2010/main" val="1685158566"/>
       </p:ext>
     </p:extLst>
   </p:cSld>
@@ -28898,7 +29123,7 @@
         </p:nvSpPr>
         <p:spPr>
           <a:xfrm>
-            <a:off x="984560" y="53751"/>
+            <a:off x="984560" y="-27384"/>
             <a:ext cx="7174879" cy="1143001"/>
           </a:xfrm>
           <a:prstGeom prst="rect">
@@ -28940,17 +29165,17 @@
                 </a:effectLst>
                 <a:latin typeface="Dom Casual" charset="0"/>
               </a:rPr>
-              <a:t>Objetos en Python</a:t>
+              <a:t>Constructor de una clase</a:t>
             </a:r>
           </a:p>
         </p:txBody>
       </p:sp>
       <p:sp>
         <p:nvSpPr>
-          <p:cNvPr id="5" name="CuadroTexto 4">
+          <p:cNvPr id="7" name="CuadroTexto 6">
             <a:extLst>
               <a:ext uri="{FF2B5EF4-FFF2-40B4-BE49-F238E27FC236}">
-                <a16:creationId xmlns:a16="http://schemas.microsoft.com/office/drawing/2014/main" id="{5B9DCBD5-EDB4-472E-80FA-9890151C94A5}"/>
+                <a16:creationId xmlns:a16="http://schemas.microsoft.com/office/drawing/2014/main" id="{563E2DE3-CD98-4F49-9265-70EF73D24688}"/>
               </a:ext>
             </a:extLst>
           </p:cNvPr>
@@ -28959,8 +29184,8 @@
         </p:nvSpPr>
         <p:spPr>
           <a:xfrm>
-            <a:off x="886631" y="1412776"/>
-            <a:ext cx="7272808" cy="1692771"/>
+            <a:off x="755575" y="1150292"/>
+            <a:ext cx="7632848" cy="1569660"/>
           </a:xfrm>
           <a:prstGeom prst="rect">
             <a:avLst/>
@@ -28973,124 +29198,167 @@
           </a:bodyPr>
           <a:lstStyle/>
           <a:p>
-            <a:pPr algn="just">
+            <a:pPr>
               <a:lnSpc>
                 <a:spcPct val="150000"/>
               </a:lnSpc>
             </a:pPr>
             <a:r>
               <a:rPr lang="es-ES" sz="1600" dirty="0"/>
-              <a:t>Para crear un objeto de una clase determinada, es decir, instanciar una clase, se usa el nombre de la clase y a continuación se añaden paréntesis (como si se llamara a una función).</a:t>
-            </a:r>
-          </a:p>
-          <a:p>
-            <a:r>
-              <a:rPr lang="es-ES" sz="1600" dirty="0">
-                <a:solidFill>
-                  <a:schemeClr val="bg1"/>
-                </a:solidFill>
-              </a:rPr>
-              <a:t>.</a:t>
+              <a:t>En este caso, para instanciar un objeto de tipo </a:t>
+            </a:r>
+            <a:r>
+              <a:rPr lang="es-ES" sz="1600" b="1" dirty="0">
+                <a:solidFill>
+                  <a:schemeClr val="accent5">
+                    <a:lumMod val="75000"/>
+                  </a:schemeClr>
+                </a:solidFill>
+              </a:rPr>
+              <a:t>Coche</a:t>
+            </a:r>
+            <a:r>
+              <a:rPr lang="es-ES" sz="1600" dirty="0"/>
+              <a:t>, debemos pasar como argumentos el </a:t>
+            </a:r>
+            <a:r>
+              <a:rPr lang="es-ES" sz="1600" b="1" dirty="0"/>
+              <a:t>color </a:t>
+            </a:r>
+            <a:r>
+              <a:rPr lang="es-ES" sz="1600" dirty="0"/>
+              <a:t>y la </a:t>
+            </a:r>
+            <a:r>
+              <a:rPr lang="es-ES" sz="1600" b="1" dirty="0"/>
+              <a:t>aceleración </a:t>
+            </a:r>
+            <a:r>
+              <a:rPr lang="es-ES" sz="1600" dirty="0"/>
+              <a:t>como vimos en el ejemplo:</a:t>
+            </a:r>
+          </a:p>
+          <a:p>
+            <a:endParaRPr lang="es-MX" sz="1600" b="0" i="0" dirty="0">
+              <a:solidFill>
+                <a:srgbClr val="000000"/>
+              </a:solidFill>
+              <a:effectLst/>
+              <a:latin typeface="Source Code Pro" panose="020B0509030403020204" pitchFamily="49" charset="0"/>
+            </a:endParaRPr>
+          </a:p>
+          <a:p>
+            <a:r>
+              <a:rPr lang="es-MX" sz="1600" b="0" i="0" dirty="0">
+                <a:solidFill>
+                  <a:srgbClr val="000000"/>
+                </a:solidFill>
+                <a:effectLst/>
+                <a:latin typeface="Source Code Pro" panose="020B0509030403020204" pitchFamily="49" charset="0"/>
+              </a:rPr>
+              <a:t>c1 = </a:t>
+            </a:r>
+            <a:r>
+              <a:rPr lang="es-MX" sz="1600" b="0" i="0" dirty="0">
+                <a:solidFill>
+                  <a:srgbClr val="0086B3"/>
+                </a:solidFill>
+                <a:effectLst/>
+                <a:latin typeface="Source Code Pro" panose="020B0509030403020204" pitchFamily="49" charset="0"/>
+              </a:rPr>
+              <a:t>Coche</a:t>
+            </a:r>
+            <a:r>
+              <a:rPr lang="es-MX" sz="1600" b="0" i="0" dirty="0">
+                <a:solidFill>
+                  <a:srgbClr val="777777"/>
+                </a:solidFill>
+                <a:effectLst/>
+                <a:latin typeface="Source Code Pro" panose="020B0509030403020204" pitchFamily="49" charset="0"/>
+              </a:rPr>
+              <a:t>(</a:t>
+            </a:r>
+            <a:r>
+              <a:rPr lang="es-MX" sz="1600" b="0" i="0" dirty="0">
+                <a:solidFill>
+                  <a:srgbClr val="DD1144"/>
+                </a:solidFill>
+                <a:effectLst/>
+                <a:latin typeface="Source Code Pro" panose="020B0509030403020204" pitchFamily="49" charset="0"/>
+              </a:rPr>
+              <a:t>'rojo'</a:t>
+            </a:r>
+            <a:r>
+              <a:rPr lang="es-MX" sz="1600" b="0" i="0" dirty="0">
+                <a:solidFill>
+                  <a:srgbClr val="000000"/>
+                </a:solidFill>
+                <a:effectLst/>
+                <a:latin typeface="Source Code Pro" panose="020B0509030403020204" pitchFamily="49" charset="0"/>
+              </a:rPr>
+              <a:t>, </a:t>
+            </a:r>
+            <a:r>
+              <a:rPr lang="es-MX" sz="1600" b="0" i="0" dirty="0">
+                <a:solidFill>
+                  <a:srgbClr val="009999"/>
+                </a:solidFill>
+                <a:effectLst/>
+                <a:latin typeface="Source Code Pro" panose="020B0509030403020204" pitchFamily="49" charset="0"/>
+              </a:rPr>
+              <a:t>20</a:t>
+            </a:r>
+            <a:r>
+              <a:rPr lang="es-MX" sz="1600" b="0" i="0" dirty="0">
+                <a:solidFill>
+                  <a:srgbClr val="777777"/>
+                </a:solidFill>
+                <a:effectLst/>
+                <a:latin typeface="Source Code Pro" panose="020B0509030403020204" pitchFamily="49" charset="0"/>
+              </a:rPr>
+              <a:t>)</a:t>
             </a:r>
             <a:br>
               <a:rPr lang="es-ES" sz="1600" dirty="0"/>
             </a:br>
-            <a:r>
-              <a:rPr lang="es-ES" sz="1600" b="1" dirty="0">
-                <a:solidFill>
-                  <a:srgbClr val="FF0000"/>
-                </a:solidFill>
-              </a:rPr>
-              <a:t>obj</a:t>
-            </a:r>
-            <a:r>
-              <a:rPr lang="es-ES" sz="1600" dirty="0"/>
-              <a:t> = </a:t>
-            </a:r>
-            <a:r>
-              <a:rPr lang="es-ES" sz="1600" b="1" dirty="0">
-                <a:solidFill>
-                  <a:schemeClr val="accent6">
-                    <a:lumMod val="75000"/>
-                  </a:schemeClr>
-                </a:solidFill>
-              </a:rPr>
-              <a:t>MiClase()</a:t>
-            </a:r>
             <a:endParaRPr lang="es-ES" sz="1600" dirty="0"/>
           </a:p>
         </p:txBody>
       </p:sp>
-      <p:sp>
-        <p:nvSpPr>
-          <p:cNvPr id="6" name="CuadroTexto 5">
+      <p:pic>
+        <p:nvPicPr>
+          <p:cNvPr id="3" name="Imagen 2">
             <a:extLst>
               <a:ext uri="{FF2B5EF4-FFF2-40B4-BE49-F238E27FC236}">
-                <a16:creationId xmlns:a16="http://schemas.microsoft.com/office/drawing/2014/main" id="{57FA5499-F960-45B8-A4F1-72965E0A367A}"/>
+                <a16:creationId xmlns:a16="http://schemas.microsoft.com/office/drawing/2014/main" id="{FEE2874F-F48B-47D6-8562-87AB343D0170}"/>
               </a:ext>
             </a:extLst>
           </p:cNvPr>
-          <p:cNvSpPr txBox="1"/>
+          <p:cNvPicPr>
+            <a:picLocks noChangeAspect="1"/>
+          </p:cNvPicPr>
           <p:nvPr/>
-        </p:nvSpPr>
+        </p:nvPicPr>
+        <p:blipFill>
+          <a:blip r:embed="rId2"/>
+          <a:stretch>
+            <a:fillRect/>
+          </a:stretch>
+        </p:blipFill>
         <p:spPr>
           <a:xfrm>
-            <a:off x="872459" y="3283201"/>
-            <a:ext cx="7272808" cy="792781"/>
+            <a:off x="1259632" y="2833124"/>
+            <a:ext cx="6781800" cy="2609850"/>
           </a:xfrm>
           <a:prstGeom prst="rect">
             <a:avLst/>
           </a:prstGeom>
-          <a:noFill/>
         </p:spPr>
-        <p:txBody>
-          <a:bodyPr wrap="square" rtlCol="0">
-            <a:spAutoFit/>
-          </a:bodyPr>
-          <a:lstStyle/>
-          <a:p>
-            <a:pPr algn="just">
-              <a:lnSpc>
-                <a:spcPct val="150000"/>
-              </a:lnSpc>
-            </a:pPr>
-            <a:r>
-              <a:rPr lang="es-ES" sz="1600" dirty="0"/>
-              <a:t>Este código crea una nueva instancia de la clase </a:t>
-            </a:r>
-            <a:r>
-              <a:rPr lang="es-ES" sz="1600" b="1" dirty="0">
-                <a:solidFill>
-                  <a:schemeClr val="accent6">
-                    <a:lumMod val="75000"/>
-                  </a:schemeClr>
-                </a:solidFill>
-              </a:rPr>
-              <a:t>MiClase</a:t>
-            </a:r>
-            <a:r>
-              <a:rPr lang="es-ES" sz="1600" dirty="0"/>
-              <a:t> y asigna dicho objeto a la variable </a:t>
-            </a:r>
-            <a:r>
-              <a:rPr lang="es-ES" sz="1600" b="1" dirty="0">
-                <a:solidFill>
-                  <a:srgbClr val="FF0000"/>
-                </a:solidFill>
-              </a:rPr>
-              <a:t>obj</a:t>
-            </a:r>
-            <a:r>
-              <a:rPr lang="es-ES" sz="1600" dirty="0"/>
-              <a:t>. Esto crea un objeto vacío, sin estado.</a:t>
-            </a:r>
-          </a:p>
-        </p:txBody>
-      </p:sp>
+      </p:pic>
     </p:spTree>
     <p:extLst>
       <p:ext uri="{BB962C8B-B14F-4D97-AF65-F5344CB8AC3E}">
-        <p14:creationId xmlns:p14="http://schemas.microsoft.com/office/powerpoint/2010/main" val="3285934696"/>
+        <p14:creationId xmlns:p14="http://schemas.microsoft.com/office/powerpoint/2010/main" val="2989575408"/>
       </p:ext>
     </p:extLst>
   </p:cSld>
@@ -29175,650 +29443,6 @@
                 </a:effectLst>
                 <a:latin typeface="Dom Casual" charset="0"/>
               </a:rPr>
-              <a:t>Constructor de una clase</a:t>
-            </a:r>
-          </a:p>
-        </p:txBody>
-      </p:sp>
-      <p:sp>
-        <p:nvSpPr>
-          <p:cNvPr id="6" name="CuadroTexto 5">
-            <a:extLst>
-              <a:ext uri="{FF2B5EF4-FFF2-40B4-BE49-F238E27FC236}">
-                <a16:creationId xmlns:a16="http://schemas.microsoft.com/office/drawing/2014/main" id="{57FA5499-F960-45B8-A4F1-72965E0A367A}"/>
-              </a:ext>
-            </a:extLst>
-          </p:cNvPr>
-          <p:cNvSpPr txBox="1"/>
-          <p:nvPr/>
-        </p:nvSpPr>
-        <p:spPr>
-          <a:xfrm>
-            <a:off x="488603" y="1052736"/>
-            <a:ext cx="8166794" cy="2870273"/>
-          </a:xfrm>
-          <a:prstGeom prst="rect">
-            <a:avLst/>
-          </a:prstGeom>
-          <a:noFill/>
-        </p:spPr>
-        <p:txBody>
-          <a:bodyPr wrap="square" rtlCol="0">
-            <a:spAutoFit/>
-          </a:bodyPr>
-          <a:lstStyle/>
-          <a:p>
-            <a:pPr marL="285750" indent="-285750" algn="just">
-              <a:lnSpc>
-                <a:spcPct val="150000"/>
-              </a:lnSpc>
-              <a:spcAft>
-                <a:spcPts val="600"/>
-              </a:spcAft>
-              <a:buFont typeface="Arial" panose="020B0604020202020204" pitchFamily="34" charset="0"/>
-              <a:buChar char="•"/>
-            </a:pPr>
-            <a:r>
-              <a:rPr lang="es-ES" sz="1600" dirty="0"/>
-              <a:t>Sin embargo, hay clases que deben o necesitan crear instancias de objetos con un estado inicial.</a:t>
-            </a:r>
-          </a:p>
-          <a:p>
-            <a:pPr marL="285750" indent="-285750" algn="just">
-              <a:lnSpc>
-                <a:spcPct val="150000"/>
-              </a:lnSpc>
-              <a:spcAft>
-                <a:spcPts val="600"/>
-              </a:spcAft>
-              <a:buFont typeface="Arial" panose="020B0604020202020204" pitchFamily="34" charset="0"/>
-              <a:buChar char="•"/>
-            </a:pPr>
-            <a:r>
-              <a:rPr lang="es-ES" sz="1600" dirty="0"/>
-              <a:t>Esto se consigue implementando el método especial </a:t>
-            </a:r>
-            <a:r>
-              <a:rPr lang="es-ES" sz="1600" b="1" dirty="0">
-                <a:solidFill>
-                  <a:srgbClr val="FF0000"/>
-                </a:solidFill>
-              </a:rPr>
-              <a:t>__init__()</a:t>
-            </a:r>
-            <a:r>
-              <a:rPr lang="es-ES" sz="1600" dirty="0"/>
-              <a:t>. Este método es conocido como el constructor de la clase y se invoca cada vez que se instancia un nuevo objeto.</a:t>
-            </a:r>
-          </a:p>
-          <a:p>
-            <a:pPr marL="285750" indent="-285750" algn="just">
-              <a:lnSpc>
-                <a:spcPct val="150000"/>
-              </a:lnSpc>
-              <a:spcAft>
-                <a:spcPts val="600"/>
-              </a:spcAft>
-              <a:buFont typeface="Arial" panose="020B0604020202020204" pitchFamily="34" charset="0"/>
-              <a:buChar char="•"/>
-            </a:pPr>
-            <a:r>
-              <a:rPr lang="es-ES" sz="1600" dirty="0"/>
-              <a:t>El método </a:t>
-            </a:r>
-            <a:r>
-              <a:rPr lang="es-ES" sz="1600" b="1" dirty="0">
-                <a:solidFill>
-                  <a:srgbClr val="FF0000"/>
-                </a:solidFill>
-              </a:rPr>
-              <a:t>__init__()</a:t>
-            </a:r>
-            <a:r>
-              <a:rPr lang="es-ES" sz="1600" dirty="0"/>
-              <a:t> establece un primer parámetro especial que se suele llamar </a:t>
-            </a:r>
-            <a:r>
-              <a:rPr lang="es-ES" sz="1600" b="1" dirty="0">
-                <a:solidFill>
-                  <a:schemeClr val="accent6">
-                    <a:lumMod val="75000"/>
-                  </a:schemeClr>
-                </a:solidFill>
-              </a:rPr>
-              <a:t>self </a:t>
-            </a:r>
-            <a:r>
-              <a:rPr lang="es-ES" sz="1600" dirty="0"/>
-              <a:t>y puede especificar otros parámetros como en las funciones.</a:t>
-            </a:r>
-          </a:p>
-          <a:p>
-            <a:pPr marL="285750" indent="-285750" algn="just">
-              <a:lnSpc>
-                <a:spcPct val="150000"/>
-              </a:lnSpc>
-              <a:spcAft>
-                <a:spcPts val="600"/>
-              </a:spcAft>
-              <a:buFont typeface="Arial" panose="020B0604020202020204" pitchFamily="34" charset="0"/>
-              <a:buChar char="•"/>
-            </a:pPr>
-            <a:r>
-              <a:rPr lang="es-ES" sz="1600" dirty="0"/>
-              <a:t>En nuestro caso, el constructor de la clase </a:t>
-            </a:r>
-            <a:r>
-              <a:rPr lang="es-ES" sz="1600" b="1" dirty="0">
-                <a:solidFill>
-                  <a:schemeClr val="accent5">
-                    <a:lumMod val="75000"/>
-                  </a:schemeClr>
-                </a:solidFill>
-              </a:rPr>
-              <a:t>Coche</a:t>
-            </a:r>
-            <a:r>
-              <a:rPr lang="es-ES" sz="1600" dirty="0"/>
-              <a:t> es el siguiente:</a:t>
-            </a:r>
-          </a:p>
-        </p:txBody>
-      </p:sp>
-      <p:sp>
-        <p:nvSpPr>
-          <p:cNvPr id="7" name="CuadroTexto 6">
-            <a:extLst>
-              <a:ext uri="{FF2B5EF4-FFF2-40B4-BE49-F238E27FC236}">
-                <a16:creationId xmlns:a16="http://schemas.microsoft.com/office/drawing/2014/main" id="{563E2DE3-CD98-4F49-9265-70EF73D24688}"/>
-              </a:ext>
-            </a:extLst>
-          </p:cNvPr>
-          <p:cNvSpPr txBox="1"/>
-          <p:nvPr/>
-        </p:nvSpPr>
-        <p:spPr>
-          <a:xfrm>
-            <a:off x="488602" y="5241347"/>
-            <a:ext cx="8043837" cy="792781"/>
-          </a:xfrm>
-          <a:prstGeom prst="rect">
-            <a:avLst/>
-          </a:prstGeom>
-          <a:noFill/>
-        </p:spPr>
-        <p:txBody>
-          <a:bodyPr wrap="square" rtlCol="0">
-            <a:spAutoFit/>
-          </a:bodyPr>
-          <a:lstStyle/>
-          <a:p>
-            <a:pPr marL="285750" indent="-285750" algn="just">
-              <a:lnSpc>
-                <a:spcPct val="150000"/>
-              </a:lnSpc>
-              <a:buFont typeface="Arial" panose="020B0604020202020204" pitchFamily="34" charset="0"/>
-              <a:buChar char="•"/>
-            </a:pPr>
-            <a:r>
-              <a:rPr lang="es-ES" sz="1600" dirty="0"/>
-              <a:t>Además del parámetro </a:t>
-            </a:r>
-            <a:r>
-              <a:rPr lang="es-ES" sz="1600" b="1" dirty="0">
-                <a:solidFill>
-                  <a:schemeClr val="accent6">
-                    <a:lumMod val="75000"/>
-                  </a:schemeClr>
-                </a:solidFill>
-              </a:rPr>
-              <a:t>self</a:t>
-            </a:r>
-            <a:r>
-              <a:rPr lang="es-ES" sz="1600" dirty="0"/>
-              <a:t>, se definen los parámetros </a:t>
-            </a:r>
-            <a:r>
-              <a:rPr lang="es-ES" sz="1600" b="1" dirty="0">
-                <a:solidFill>
-                  <a:schemeClr val="accent6">
-                    <a:lumMod val="75000"/>
-                  </a:schemeClr>
-                </a:solidFill>
-              </a:rPr>
-              <a:t>color</a:t>
-            </a:r>
-            <a:r>
-              <a:rPr lang="es-ES" sz="1600" dirty="0"/>
-              <a:t> y </a:t>
-            </a:r>
-            <a:r>
-              <a:rPr lang="es-ES" sz="1600" b="1" dirty="0">
-                <a:solidFill>
-                  <a:schemeClr val="accent6">
-                    <a:lumMod val="75000"/>
-                  </a:schemeClr>
-                </a:solidFill>
-              </a:rPr>
-              <a:t>aceleracion</a:t>
-            </a:r>
-            <a:r>
-              <a:rPr lang="es-ES" sz="1600" dirty="0"/>
-              <a:t>, que determinan el estado inicial del objeto de tipo </a:t>
-            </a:r>
-            <a:r>
-              <a:rPr lang="es-ES" sz="1600" b="1" dirty="0">
-                <a:solidFill>
-                  <a:schemeClr val="accent5">
-                    <a:lumMod val="75000"/>
-                  </a:schemeClr>
-                </a:solidFill>
-              </a:rPr>
-              <a:t>Coche</a:t>
-            </a:r>
-            <a:r>
-              <a:rPr lang="es-ES" sz="1600" dirty="0"/>
-              <a:t>.</a:t>
-            </a:r>
-          </a:p>
-        </p:txBody>
-      </p:sp>
-      <p:pic>
-        <p:nvPicPr>
-          <p:cNvPr id="9" name="Imagen 8">
-            <a:extLst>
-              <a:ext uri="{FF2B5EF4-FFF2-40B4-BE49-F238E27FC236}">
-                <a16:creationId xmlns:a16="http://schemas.microsoft.com/office/drawing/2014/main" id="{917813CB-E4B8-46C1-8558-63AE7140883A}"/>
-              </a:ext>
-            </a:extLst>
-          </p:cNvPr>
-          <p:cNvPicPr>
-            <a:picLocks noChangeAspect="1"/>
-          </p:cNvPicPr>
-          <p:nvPr/>
-        </p:nvPicPr>
-        <p:blipFill>
-          <a:blip r:embed="rId3"/>
-          <a:stretch>
-            <a:fillRect/>
-          </a:stretch>
-        </p:blipFill>
-        <p:spPr>
-          <a:xfrm>
-            <a:off x="827584" y="3965727"/>
-            <a:ext cx="3312368" cy="1241022"/>
-          </a:xfrm>
-          <a:prstGeom prst="rect">
-            <a:avLst/>
-          </a:prstGeom>
-        </p:spPr>
-      </p:pic>
-    </p:spTree>
-    <p:extLst>
-      <p:ext uri="{BB962C8B-B14F-4D97-AF65-F5344CB8AC3E}">
-        <p14:creationId xmlns:p14="http://schemas.microsoft.com/office/powerpoint/2010/main" val="1685158566"/>
-      </p:ext>
-    </p:extLst>
-  </p:cSld>
-  <p:clrMapOvr>
-    <a:masterClrMapping/>
-  </p:clrMapOvr>
-</p:sld>
-</file>
-
-<file path=ppt/slides/slide53.xml><?xml version="1.0" encoding="utf-8"?>
-<p:sld xmlns:a="http://schemas.openxmlformats.org/drawingml/2006/main" xmlns:r="http://schemas.openxmlformats.org/officeDocument/2006/relationships" xmlns:p="http://schemas.openxmlformats.org/presentationml/2006/main">
-  <p:cSld>
-    <p:spTree>
-      <p:nvGrpSpPr>
-        <p:cNvPr id="1" name=""/>
-        <p:cNvGrpSpPr/>
-        <p:nvPr/>
-      </p:nvGrpSpPr>
-      <p:grpSpPr>
-        <a:xfrm>
-          <a:off x="0" y="0"/>
-          <a:ext cx="0" cy="0"/>
-          <a:chOff x="0" y="0"/>
-          <a:chExt cx="0" cy="0"/>
-        </a:xfrm>
-      </p:grpSpPr>
-      <p:sp>
-        <p:nvSpPr>
-          <p:cNvPr id="4" name="Rectangle 2">
-            <a:extLst>
-              <a:ext uri="{FF2B5EF4-FFF2-40B4-BE49-F238E27FC236}">
-                <a16:creationId xmlns:a16="http://schemas.microsoft.com/office/drawing/2014/main" id="{7CE40F4F-E91D-42FD-B661-EAA8BC18ABC8}"/>
-              </a:ext>
-            </a:extLst>
-          </p:cNvPr>
-          <p:cNvSpPr txBox="1">
-            <a:spLocks noChangeArrowheads="1"/>
-          </p:cNvSpPr>
-          <p:nvPr/>
-        </p:nvSpPr>
-        <p:spPr>
-          <a:xfrm>
-            <a:off x="984560" y="-27384"/>
-            <a:ext cx="7174879" cy="1143001"/>
-          </a:xfrm>
-          <a:prstGeom prst="rect">
-            <a:avLst/>
-          </a:prstGeom>
-        </p:spPr>
-        <p:txBody>
-          <a:bodyPr vert="horz" lIns="91440" tIns="45720" rIns="91440" bIns="45720" rtlCol="0" anchor="ctr">
-            <a:normAutofit/>
-          </a:bodyPr>
-          <a:lstStyle>
-            <a:lvl1pPr algn="ctr" defTabSz="914400" rtl="0" eaLnBrk="1" latinLnBrk="0" hangingPunct="1">
-              <a:spcBef>
-                <a:spcPct val="0"/>
-              </a:spcBef>
-              <a:buNone/>
-              <a:defRPr sz="4400" kern="1200">
-                <a:solidFill>
-                  <a:schemeClr val="tx1"/>
-                </a:solidFill>
-                <a:latin typeface="+mj-lt"/>
-                <a:ea typeface="+mj-ea"/>
-                <a:cs typeface="+mj-cs"/>
-              </a:defRPr>
-            </a:lvl1pPr>
-          </a:lstStyle>
-          <a:p>
-            <a:r>
-              <a:rPr lang="es-ES_tradnl" altLang="es-MX" b="1" dirty="0">
-                <a:solidFill>
-                  <a:schemeClr val="accent4">
-                    <a:lumMod val="50000"/>
-                  </a:schemeClr>
-                </a:solidFill>
-                <a:effectLst>
-                  <a:outerShdw blurRad="38100" dist="38100" dir="2700000" algn="tl">
-                    <a:srgbClr val="C0C0C0"/>
-                  </a:outerShdw>
-                </a:effectLst>
-                <a:latin typeface="Dom Casual" charset="0"/>
-              </a:rPr>
-              <a:t>Constructor de una clase</a:t>
-            </a:r>
-          </a:p>
-        </p:txBody>
-      </p:sp>
-      <p:sp>
-        <p:nvSpPr>
-          <p:cNvPr id="7" name="CuadroTexto 6">
-            <a:extLst>
-              <a:ext uri="{FF2B5EF4-FFF2-40B4-BE49-F238E27FC236}">
-                <a16:creationId xmlns:a16="http://schemas.microsoft.com/office/drawing/2014/main" id="{563E2DE3-CD98-4F49-9265-70EF73D24688}"/>
-              </a:ext>
-            </a:extLst>
-          </p:cNvPr>
-          <p:cNvSpPr txBox="1"/>
-          <p:nvPr/>
-        </p:nvSpPr>
-        <p:spPr>
-          <a:xfrm>
-            <a:off x="755575" y="1150292"/>
-            <a:ext cx="7632848" cy="1569660"/>
-          </a:xfrm>
-          <a:prstGeom prst="rect">
-            <a:avLst/>
-          </a:prstGeom>
-          <a:noFill/>
-        </p:spPr>
-        <p:txBody>
-          <a:bodyPr wrap="square" rtlCol="0">
-            <a:spAutoFit/>
-          </a:bodyPr>
-          <a:lstStyle/>
-          <a:p>
-            <a:pPr>
-              <a:lnSpc>
-                <a:spcPct val="150000"/>
-              </a:lnSpc>
-            </a:pPr>
-            <a:r>
-              <a:rPr lang="es-ES" sz="1600" dirty="0"/>
-              <a:t>En este caso, para instanciar un objeto de tipo </a:t>
-            </a:r>
-            <a:r>
-              <a:rPr lang="es-ES" sz="1600" b="1" dirty="0">
-                <a:solidFill>
-                  <a:schemeClr val="accent5">
-                    <a:lumMod val="75000"/>
-                  </a:schemeClr>
-                </a:solidFill>
-              </a:rPr>
-              <a:t>Coche</a:t>
-            </a:r>
-            <a:r>
-              <a:rPr lang="es-ES" sz="1600" dirty="0"/>
-              <a:t>, debemos pasar como argumentos el </a:t>
-            </a:r>
-            <a:r>
-              <a:rPr lang="es-ES" sz="1600" b="1" dirty="0"/>
-              <a:t>color </a:t>
-            </a:r>
-            <a:r>
-              <a:rPr lang="es-ES" sz="1600" dirty="0"/>
-              <a:t>y la </a:t>
-            </a:r>
-            <a:r>
-              <a:rPr lang="es-ES" sz="1600" b="1" dirty="0"/>
-              <a:t>aceleración </a:t>
-            </a:r>
-            <a:r>
-              <a:rPr lang="es-ES" sz="1600" dirty="0"/>
-              <a:t>como vimos en el ejemplo:</a:t>
-            </a:r>
-          </a:p>
-          <a:p>
-            <a:endParaRPr lang="es-MX" sz="1600" b="0" i="0" dirty="0">
-              <a:solidFill>
-                <a:srgbClr val="000000"/>
-              </a:solidFill>
-              <a:effectLst/>
-              <a:latin typeface="Source Code Pro" panose="020B0509030403020204" pitchFamily="49" charset="0"/>
-            </a:endParaRPr>
-          </a:p>
-          <a:p>
-            <a:r>
-              <a:rPr lang="es-MX" sz="1600" b="0" i="0" dirty="0">
-                <a:solidFill>
-                  <a:srgbClr val="000000"/>
-                </a:solidFill>
-                <a:effectLst/>
-                <a:latin typeface="Source Code Pro" panose="020B0509030403020204" pitchFamily="49" charset="0"/>
-              </a:rPr>
-              <a:t>c1 = </a:t>
-            </a:r>
-            <a:r>
-              <a:rPr lang="es-MX" sz="1600" b="0" i="0" dirty="0">
-                <a:solidFill>
-                  <a:srgbClr val="0086B3"/>
-                </a:solidFill>
-                <a:effectLst/>
-                <a:latin typeface="Source Code Pro" panose="020B0509030403020204" pitchFamily="49" charset="0"/>
-              </a:rPr>
-              <a:t>Coche</a:t>
-            </a:r>
-            <a:r>
-              <a:rPr lang="es-MX" sz="1600" b="0" i="0" dirty="0">
-                <a:solidFill>
-                  <a:srgbClr val="777777"/>
-                </a:solidFill>
-                <a:effectLst/>
-                <a:latin typeface="Source Code Pro" panose="020B0509030403020204" pitchFamily="49" charset="0"/>
-              </a:rPr>
-              <a:t>(</a:t>
-            </a:r>
-            <a:r>
-              <a:rPr lang="es-MX" sz="1600" b="0" i="0" dirty="0">
-                <a:solidFill>
-                  <a:srgbClr val="DD1144"/>
-                </a:solidFill>
-                <a:effectLst/>
-                <a:latin typeface="Source Code Pro" panose="020B0509030403020204" pitchFamily="49" charset="0"/>
-              </a:rPr>
-              <a:t>'rojo'</a:t>
-            </a:r>
-            <a:r>
-              <a:rPr lang="es-MX" sz="1600" b="0" i="0" dirty="0">
-                <a:solidFill>
-                  <a:srgbClr val="000000"/>
-                </a:solidFill>
-                <a:effectLst/>
-                <a:latin typeface="Source Code Pro" panose="020B0509030403020204" pitchFamily="49" charset="0"/>
-              </a:rPr>
-              <a:t>, </a:t>
-            </a:r>
-            <a:r>
-              <a:rPr lang="es-MX" sz="1600" b="0" i="0" dirty="0">
-                <a:solidFill>
-                  <a:srgbClr val="009999"/>
-                </a:solidFill>
-                <a:effectLst/>
-                <a:latin typeface="Source Code Pro" panose="020B0509030403020204" pitchFamily="49" charset="0"/>
-              </a:rPr>
-              <a:t>20</a:t>
-            </a:r>
-            <a:r>
-              <a:rPr lang="es-MX" sz="1600" b="0" i="0" dirty="0">
-                <a:solidFill>
-                  <a:srgbClr val="777777"/>
-                </a:solidFill>
-                <a:effectLst/>
-                <a:latin typeface="Source Code Pro" panose="020B0509030403020204" pitchFamily="49" charset="0"/>
-              </a:rPr>
-              <a:t>)</a:t>
-            </a:r>
-            <a:br>
-              <a:rPr lang="es-ES" sz="1600" dirty="0"/>
-            </a:br>
-            <a:endParaRPr lang="es-ES" sz="1600" dirty="0"/>
-          </a:p>
-        </p:txBody>
-      </p:sp>
-      <p:pic>
-        <p:nvPicPr>
-          <p:cNvPr id="3" name="Imagen 2">
-            <a:extLst>
-              <a:ext uri="{FF2B5EF4-FFF2-40B4-BE49-F238E27FC236}">
-                <a16:creationId xmlns:a16="http://schemas.microsoft.com/office/drawing/2014/main" id="{FEE2874F-F48B-47D6-8562-87AB343D0170}"/>
-              </a:ext>
-            </a:extLst>
-          </p:cNvPr>
-          <p:cNvPicPr>
-            <a:picLocks noChangeAspect="1"/>
-          </p:cNvPicPr>
-          <p:nvPr/>
-        </p:nvPicPr>
-        <p:blipFill>
-          <a:blip r:embed="rId2"/>
-          <a:stretch>
-            <a:fillRect/>
-          </a:stretch>
-        </p:blipFill>
-        <p:spPr>
-          <a:xfrm>
-            <a:off x="1259632" y="2833124"/>
-            <a:ext cx="6781800" cy="2609850"/>
-          </a:xfrm>
-          <a:prstGeom prst="rect">
-            <a:avLst/>
-          </a:prstGeom>
-        </p:spPr>
-      </p:pic>
-    </p:spTree>
-    <p:extLst>
-      <p:ext uri="{BB962C8B-B14F-4D97-AF65-F5344CB8AC3E}">
-        <p14:creationId xmlns:p14="http://schemas.microsoft.com/office/powerpoint/2010/main" val="2989575408"/>
-      </p:ext>
-    </p:extLst>
-  </p:cSld>
-  <p:clrMapOvr>
-    <a:masterClrMapping/>
-  </p:clrMapOvr>
-</p:sld>
-</file>
-
-<file path=ppt/slides/slide54.xml><?xml version="1.0" encoding="utf-8"?>
-<p:sld xmlns:a="http://schemas.openxmlformats.org/drawingml/2006/main" xmlns:r="http://schemas.openxmlformats.org/officeDocument/2006/relationships" xmlns:p="http://schemas.openxmlformats.org/presentationml/2006/main">
-  <p:cSld>
-    <p:spTree>
-      <p:nvGrpSpPr>
-        <p:cNvPr id="1" name=""/>
-        <p:cNvGrpSpPr/>
-        <p:nvPr/>
-      </p:nvGrpSpPr>
-      <p:grpSpPr>
-        <a:xfrm>
-          <a:off x="0" y="0"/>
-          <a:ext cx="0" cy="0"/>
-          <a:chOff x="0" y="0"/>
-          <a:chExt cx="0" cy="0"/>
-        </a:xfrm>
-      </p:grpSpPr>
-      <p:sp>
-        <p:nvSpPr>
-          <p:cNvPr id="4" name="Rectangle 2">
-            <a:extLst>
-              <a:ext uri="{FF2B5EF4-FFF2-40B4-BE49-F238E27FC236}">
-                <a16:creationId xmlns:a16="http://schemas.microsoft.com/office/drawing/2014/main" id="{7CE40F4F-E91D-42FD-B661-EAA8BC18ABC8}"/>
-              </a:ext>
-            </a:extLst>
-          </p:cNvPr>
-          <p:cNvSpPr txBox="1">
-            <a:spLocks noChangeArrowheads="1"/>
-          </p:cNvSpPr>
-          <p:nvPr/>
-        </p:nvSpPr>
-        <p:spPr>
-          <a:xfrm>
-            <a:off x="984560" y="-27384"/>
-            <a:ext cx="7174879" cy="1143001"/>
-          </a:xfrm>
-          <a:prstGeom prst="rect">
-            <a:avLst/>
-          </a:prstGeom>
-        </p:spPr>
-        <p:txBody>
-          <a:bodyPr vert="horz" lIns="91440" tIns="45720" rIns="91440" bIns="45720" rtlCol="0" anchor="ctr">
-            <a:normAutofit/>
-          </a:bodyPr>
-          <a:lstStyle>
-            <a:lvl1pPr algn="ctr" defTabSz="914400" rtl="0" eaLnBrk="1" latinLnBrk="0" hangingPunct="1">
-              <a:spcBef>
-                <a:spcPct val="0"/>
-              </a:spcBef>
-              <a:buNone/>
-              <a:defRPr sz="4400" kern="1200">
-                <a:solidFill>
-                  <a:schemeClr val="tx1"/>
-                </a:solidFill>
-                <a:latin typeface="+mj-lt"/>
-                <a:ea typeface="+mj-ea"/>
-                <a:cs typeface="+mj-cs"/>
-              </a:defRPr>
-            </a:lvl1pPr>
-          </a:lstStyle>
-          <a:p>
-            <a:r>
-              <a:rPr lang="es-ES_tradnl" altLang="es-MX" b="1" dirty="0">
-                <a:solidFill>
-                  <a:schemeClr val="accent4">
-                    <a:lumMod val="50000"/>
-                  </a:schemeClr>
-                </a:solidFill>
-                <a:effectLst>
-                  <a:outerShdw blurRad="38100" dist="38100" dir="2700000" algn="tl">
-                    <a:srgbClr val="C0C0C0"/>
-                  </a:outerShdw>
-                </a:effectLst>
-                <a:latin typeface="Dom Casual" charset="0"/>
-              </a:rPr>
               <a:t>Atributos de datos y métodos</a:t>
             </a:r>
           </a:p>
@@ -30068,7 +29692,7 @@
 </p:sld>
 </file>
 
-<file path=ppt/slides/slide55.xml><?xml version="1.0" encoding="utf-8"?>
+<file path=ppt/slides/slide53.xml><?xml version="1.0" encoding="utf-8"?>
 <p:sld xmlns:a="http://schemas.openxmlformats.org/drawingml/2006/main" xmlns:r="http://schemas.openxmlformats.org/officeDocument/2006/relationships" xmlns:p="http://schemas.openxmlformats.org/presentationml/2006/main">
   <p:cSld>
     <p:spTree>
@@ -30381,7 +30005,7 @@
 </p:sld>
 </file>
 
-<file path=ppt/slides/slide56.xml><?xml version="1.0" encoding="utf-8"?>
+<file path=ppt/slides/slide54.xml><?xml version="1.0" encoding="utf-8"?>
 <p:sld xmlns:a="http://schemas.openxmlformats.org/drawingml/2006/main" xmlns:r="http://schemas.openxmlformats.org/officeDocument/2006/relationships" xmlns:p="http://schemas.openxmlformats.org/presentationml/2006/main">
   <p:cSld>
     <p:spTree>
@@ -30610,7 +30234,7 @@
 </p:sld>
 </file>
 
-<file path=ppt/slides/slide57.xml><?xml version="1.0" encoding="utf-8"?>
+<file path=ppt/slides/slide55.xml><?xml version="1.0" encoding="utf-8"?>
 <p:sld xmlns:a="http://schemas.openxmlformats.org/drawingml/2006/main" xmlns:r="http://schemas.openxmlformats.org/officeDocument/2006/relationships" xmlns:p="http://schemas.openxmlformats.org/presentationml/2006/main">
   <p:cSld>
     <p:spTree>
@@ -30824,7 +30448,7 @@
 </p:sld>
 </file>
 
-<file path=ppt/slides/slide58.xml><?xml version="1.0" encoding="utf-8"?>
+<file path=ppt/slides/slide56.xml><?xml version="1.0" encoding="utf-8"?>
 <p:sld xmlns:a="http://schemas.openxmlformats.org/drawingml/2006/main" xmlns:r="http://schemas.openxmlformats.org/officeDocument/2006/relationships" xmlns:p="http://schemas.openxmlformats.org/presentationml/2006/main">
   <p:cSld>
     <p:spTree>
@@ -31622,7 +31246,7 @@
 </p:sld>
 </file>
 
-<file path=ppt/slides/slide59.xml><?xml version="1.0" encoding="utf-8"?>
+<file path=ppt/slides/slide57.xml><?xml version="1.0" encoding="utf-8"?>
 <p:sld xmlns:a="http://schemas.openxmlformats.org/drawingml/2006/main" xmlns:r="http://schemas.openxmlformats.org/officeDocument/2006/relationships" xmlns:p="http://schemas.openxmlformats.org/presentationml/2006/main">
   <p:cSld>
     <p:spTree>
